--- a/Java_day_2.pptx
+++ b/Java_day_2.pptx
@@ -17,6 +17,14 @@
     <p:sldId id="266" r:id="rId11"/>
     <p:sldId id="267" r:id="rId12"/>
     <p:sldId id="268" r:id="rId13"/>
+    <p:sldId id="269" r:id="rId14"/>
+    <p:sldId id="270" r:id="rId15"/>
+    <p:sldId id="271" r:id="rId16"/>
+    <p:sldId id="272" r:id="rId17"/>
+    <p:sldId id="273" r:id="rId18"/>
+    <p:sldId id="274" r:id="rId19"/>
+    <p:sldId id="275" r:id="rId20"/>
+    <p:sldId id="276" r:id="rId21"/>
   </p:sldIdLst>
   <p:sldSz cx="12192000" cy="6858000"/>
   <p:notesSz cx="6858000" cy="9144000"/>
@@ -347,7 +355,7 @@
           <a:p>
             <a:fld id="{3FFBF284-6CBB-4C52-8864-26F5B368821C}" type="datetimeFigureOut">
               <a:rPr lang="en-US" smtClean="0"/>
-              <a:t>08/10/2024</a:t>
+              <a:t>20/10/2024</a:t>
             </a:fld>
             <a:endParaRPr lang="en-US"/>
           </a:p>
@@ -517,7 +525,7 @@
           <a:p>
             <a:fld id="{3FFBF284-6CBB-4C52-8864-26F5B368821C}" type="datetimeFigureOut">
               <a:rPr lang="en-US" smtClean="0"/>
-              <a:t>08/10/2024</a:t>
+              <a:t>20/10/2024</a:t>
             </a:fld>
             <a:endParaRPr lang="en-US"/>
           </a:p>
@@ -697,7 +705,7 @@
           <a:p>
             <a:fld id="{3FFBF284-6CBB-4C52-8864-26F5B368821C}" type="datetimeFigureOut">
               <a:rPr lang="en-US" smtClean="0"/>
-              <a:t>08/10/2024</a:t>
+              <a:t>20/10/2024</a:t>
             </a:fld>
             <a:endParaRPr lang="en-US"/>
           </a:p>
@@ -867,7 +875,7 @@
           <a:p>
             <a:fld id="{3FFBF284-6CBB-4C52-8864-26F5B368821C}" type="datetimeFigureOut">
               <a:rPr lang="en-US" smtClean="0"/>
-              <a:t>08/10/2024</a:t>
+              <a:t>20/10/2024</a:t>
             </a:fld>
             <a:endParaRPr lang="en-US"/>
           </a:p>
@@ -1125,7 +1133,7 @@
           <a:p>
             <a:fld id="{3FFBF284-6CBB-4C52-8864-26F5B368821C}" type="datetimeFigureOut">
               <a:rPr lang="en-US" smtClean="0"/>
-              <a:t>08/10/2024</a:t>
+              <a:t>20/10/2024</a:t>
             </a:fld>
             <a:endParaRPr lang="en-US"/>
           </a:p>
@@ -1413,7 +1421,7 @@
           <a:p>
             <a:fld id="{3FFBF284-6CBB-4C52-8864-26F5B368821C}" type="datetimeFigureOut">
               <a:rPr lang="en-US" smtClean="0"/>
-              <a:t>08/10/2024</a:t>
+              <a:t>20/10/2024</a:t>
             </a:fld>
             <a:endParaRPr lang="en-US"/>
           </a:p>
@@ -1855,7 +1863,7 @@
           <a:p>
             <a:fld id="{3FFBF284-6CBB-4C52-8864-26F5B368821C}" type="datetimeFigureOut">
               <a:rPr lang="en-US" smtClean="0"/>
-              <a:t>08/10/2024</a:t>
+              <a:t>20/10/2024</a:t>
             </a:fld>
             <a:endParaRPr lang="en-US"/>
           </a:p>
@@ -1973,7 +1981,7 @@
           <a:p>
             <a:fld id="{3FFBF284-6CBB-4C52-8864-26F5B368821C}" type="datetimeFigureOut">
               <a:rPr lang="en-US" smtClean="0"/>
-              <a:t>08/10/2024</a:t>
+              <a:t>20/10/2024</a:t>
             </a:fld>
             <a:endParaRPr lang="en-US"/>
           </a:p>
@@ -2068,7 +2076,7 @@
           <a:p>
             <a:fld id="{3FFBF284-6CBB-4C52-8864-26F5B368821C}" type="datetimeFigureOut">
               <a:rPr lang="en-US" smtClean="0"/>
-              <a:t>08/10/2024</a:t>
+              <a:t>20/10/2024</a:t>
             </a:fld>
             <a:endParaRPr lang="en-US"/>
           </a:p>
@@ -2356,7 +2364,7 @@
           <a:p>
             <a:fld id="{3FFBF284-6CBB-4C52-8864-26F5B368821C}" type="datetimeFigureOut">
               <a:rPr lang="en-US" smtClean="0"/>
-              <a:t>08/10/2024</a:t>
+              <a:t>20/10/2024</a:t>
             </a:fld>
             <a:endParaRPr lang="en-US"/>
           </a:p>
@@ -2629,7 +2637,7 @@
           <a:p>
             <a:fld id="{3FFBF284-6CBB-4C52-8864-26F5B368821C}" type="datetimeFigureOut">
               <a:rPr lang="en-US" smtClean="0"/>
-              <a:t>08/10/2024</a:t>
+              <a:t>20/10/2024</a:t>
             </a:fld>
             <a:endParaRPr lang="en-US"/>
           </a:p>
@@ -2926,7 +2934,7 @@
           <a:p>
             <a:fld id="{3FFBF284-6CBB-4C52-8864-26F5B368821C}" type="datetimeFigureOut">
               <a:rPr lang="en-US" smtClean="0"/>
-              <a:t>08/10/2024</a:t>
+              <a:t>20/10/2024</a:t>
             </a:fld>
             <a:endParaRPr lang="en-US"/>
           </a:p>
@@ -3577,7 +3585,6 @@
               <a:rPr lang="en-US" dirty="0"/>
               <a:t>Java Data Types</a:t>
             </a:r>
-            <a:endParaRPr lang="en-US" dirty="0"/>
           </a:p>
         </p:txBody>
       </p:sp>
@@ -5797,6 +5804,7258 @@
 </p:sld>
 </file>
 
+<file path=ppt/slides/slide13.xml><?xml version="1.0" encoding="utf-8"?>
+<p:sld xmlns:a="http://schemas.openxmlformats.org/drawingml/2006/main" xmlns:r="http://schemas.openxmlformats.org/officeDocument/2006/relationships" xmlns:p="http://schemas.openxmlformats.org/presentationml/2006/main">
+  <p:cSld>
+    <p:spTree>
+      <p:nvGrpSpPr>
+        <p:cNvPr id="1" name=""/>
+        <p:cNvGrpSpPr/>
+        <p:nvPr/>
+      </p:nvGrpSpPr>
+      <p:grpSpPr>
+        <a:xfrm>
+          <a:off x="0" y="0"/>
+          <a:ext cx="0" cy="0"/>
+          <a:chOff x="0" y="0"/>
+          <a:chExt cx="0" cy="0"/>
+        </a:xfrm>
+      </p:grpSpPr>
+      <p:sp>
+        <p:nvSpPr>
+          <p:cNvPr id="2" name="Title 1"/>
+          <p:cNvSpPr>
+            <a:spLocks noGrp="1"/>
+          </p:cNvSpPr>
+          <p:nvPr>
+            <p:ph type="title"/>
+          </p:nvPr>
+        </p:nvSpPr>
+        <p:spPr>
+          <a:xfrm>
+            <a:off x="252919" y="1123837"/>
+            <a:ext cx="3103892" cy="4601183"/>
+          </a:xfrm>
+        </p:spPr>
+        <p:txBody>
+          <a:bodyPr/>
+          <a:lstStyle/>
+          <a:p>
+            <a:r>
+              <a:rPr lang="en-US" dirty="0"/>
+              <a:t>Java Type Casting</a:t>
+            </a:r>
+          </a:p>
+        </p:txBody>
+      </p:sp>
+      <p:sp>
+        <p:nvSpPr>
+          <p:cNvPr id="3" name="Content Placeholder 2"/>
+          <p:cNvSpPr>
+            <a:spLocks noGrp="1"/>
+          </p:cNvSpPr>
+          <p:nvPr>
+            <p:ph idx="1"/>
+          </p:nvPr>
+        </p:nvSpPr>
+        <p:spPr>
+          <a:xfrm>
+            <a:off x="3869268" y="765908"/>
+            <a:ext cx="7315200" cy="5314461"/>
+          </a:xfrm>
+        </p:spPr>
+        <p:txBody>
+          <a:bodyPr/>
+          <a:lstStyle/>
+          <a:p>
+            <a:r>
+              <a:rPr lang="en-US" dirty="0"/>
+              <a:t>Type casting is when you assign a value of one primitive data type to another type</a:t>
+            </a:r>
+            <a:r>
+              <a:rPr lang="en-US" dirty="0" smtClean="0"/>
+              <a:t>.</a:t>
+            </a:r>
+          </a:p>
+          <a:p>
+            <a:r>
+              <a:rPr lang="en-US" dirty="0"/>
+              <a:t>In Java, there are two types of casting</a:t>
+            </a:r>
+            <a:r>
+              <a:rPr lang="en-US" dirty="0" smtClean="0"/>
+              <a:t>:</a:t>
+            </a:r>
+          </a:p>
+          <a:p>
+            <a:pPr lvl="1"/>
+            <a:r>
+              <a:rPr lang="en-US" b="1" dirty="0"/>
+              <a:t>Widening Casting</a:t>
+            </a:r>
+            <a:r>
+              <a:rPr lang="en-US" dirty="0"/>
+              <a:t> (automatically) - converting a smaller type to a larger type </a:t>
+            </a:r>
+            <a:r>
+              <a:rPr lang="en-US" dirty="0" smtClean="0"/>
+              <a:t>size</a:t>
+            </a:r>
+          </a:p>
+          <a:p>
+            <a:pPr lvl="2"/>
+            <a:r>
+              <a:rPr lang="en-US" dirty="0">
+                <a:solidFill>
+                  <a:srgbClr val="FF0000"/>
+                </a:solidFill>
+              </a:rPr>
+              <a:t>byte -&gt; short -&gt; char -&gt; </a:t>
+            </a:r>
+            <a:r>
+              <a:rPr lang="en-US" dirty="0" err="1">
+                <a:solidFill>
+                  <a:srgbClr val="FF0000"/>
+                </a:solidFill>
+              </a:rPr>
+              <a:t>int</a:t>
+            </a:r>
+            <a:r>
+              <a:rPr lang="en-US" dirty="0">
+                <a:solidFill>
+                  <a:srgbClr val="FF0000"/>
+                </a:solidFill>
+              </a:rPr>
+              <a:t> -&gt; long -&gt; float -&gt; </a:t>
+            </a:r>
+            <a:r>
+              <a:rPr lang="en-US" dirty="0" smtClean="0">
+                <a:solidFill>
+                  <a:srgbClr val="FF0000"/>
+                </a:solidFill>
+              </a:rPr>
+              <a:t>double</a:t>
+            </a:r>
+          </a:p>
+          <a:p>
+            <a:pPr lvl="1"/>
+            <a:r>
+              <a:rPr lang="en-US" b="1" dirty="0"/>
+              <a:t>Narrowing Casting</a:t>
+            </a:r>
+            <a:r>
+              <a:rPr lang="en-US" dirty="0"/>
+              <a:t> (manually) - converting a larger type to a smaller size </a:t>
+            </a:r>
+            <a:r>
+              <a:rPr lang="en-US" dirty="0" smtClean="0"/>
+              <a:t>type</a:t>
+            </a:r>
+          </a:p>
+          <a:p>
+            <a:pPr lvl="2"/>
+            <a:r>
+              <a:rPr lang="en-US" dirty="0">
+                <a:solidFill>
+                  <a:srgbClr val="FF0000"/>
+                </a:solidFill>
+              </a:rPr>
+              <a:t>double -&gt; float -&gt; long -&gt; </a:t>
+            </a:r>
+            <a:r>
+              <a:rPr lang="en-US" dirty="0" err="1">
+                <a:solidFill>
+                  <a:srgbClr val="FF0000"/>
+                </a:solidFill>
+              </a:rPr>
+              <a:t>int</a:t>
+            </a:r>
+            <a:r>
+              <a:rPr lang="en-US" dirty="0">
+                <a:solidFill>
+                  <a:srgbClr val="FF0000"/>
+                </a:solidFill>
+              </a:rPr>
+              <a:t> -&gt; char -&gt; short -&gt; byte</a:t>
+            </a:r>
+            <a:endParaRPr lang="en-US" dirty="0">
+              <a:solidFill>
+                <a:srgbClr val="FF0000"/>
+              </a:solidFill>
+            </a:endParaRPr>
+          </a:p>
+        </p:txBody>
+      </p:sp>
+    </p:spTree>
+    <p:extLst>
+      <p:ext uri="{BB962C8B-B14F-4D97-AF65-F5344CB8AC3E}">
+        <p14:creationId xmlns:p14="http://schemas.microsoft.com/office/powerpoint/2010/main" val="1874710724"/>
+      </p:ext>
+    </p:extLst>
+  </p:cSld>
+  <p:clrMapOvr>
+    <a:masterClrMapping/>
+  </p:clrMapOvr>
+  <p:timing>
+    <p:tnLst>
+      <p:par>
+        <p:cTn id="1" dur="indefinite" restart="never" nodeType="tmRoot"/>
+      </p:par>
+    </p:tnLst>
+  </p:timing>
+</p:sld>
+</file>
+
+<file path=ppt/slides/slide14.xml><?xml version="1.0" encoding="utf-8"?>
+<p:sld xmlns:a="http://schemas.openxmlformats.org/drawingml/2006/main" xmlns:r="http://schemas.openxmlformats.org/officeDocument/2006/relationships" xmlns:p="http://schemas.openxmlformats.org/presentationml/2006/main">
+  <p:cSld>
+    <p:spTree>
+      <p:nvGrpSpPr>
+        <p:cNvPr id="1" name=""/>
+        <p:cNvGrpSpPr/>
+        <p:nvPr/>
+      </p:nvGrpSpPr>
+      <p:grpSpPr>
+        <a:xfrm>
+          <a:off x="0" y="0"/>
+          <a:ext cx="0" cy="0"/>
+          <a:chOff x="0" y="0"/>
+          <a:chExt cx="0" cy="0"/>
+        </a:xfrm>
+      </p:grpSpPr>
+      <p:sp>
+        <p:nvSpPr>
+          <p:cNvPr id="2" name="Title 1"/>
+          <p:cNvSpPr>
+            <a:spLocks noGrp="1"/>
+          </p:cNvSpPr>
+          <p:nvPr>
+            <p:ph type="title"/>
+          </p:nvPr>
+        </p:nvSpPr>
+        <p:spPr>
+          <a:xfrm>
+            <a:off x="252919" y="1123837"/>
+            <a:ext cx="3103892" cy="4601183"/>
+          </a:xfrm>
+        </p:spPr>
+        <p:txBody>
+          <a:bodyPr/>
+          <a:lstStyle/>
+          <a:p>
+            <a:r>
+              <a:rPr lang="en-US" dirty="0"/>
+              <a:t>Java Type Casting</a:t>
+            </a:r>
+          </a:p>
+        </p:txBody>
+      </p:sp>
+      <p:sp>
+        <p:nvSpPr>
+          <p:cNvPr id="3" name="Content Placeholder 2"/>
+          <p:cNvSpPr>
+            <a:spLocks noGrp="1"/>
+          </p:cNvSpPr>
+          <p:nvPr>
+            <p:ph idx="1"/>
+          </p:nvPr>
+        </p:nvSpPr>
+        <p:spPr>
+          <a:xfrm>
+            <a:off x="3869268" y="765908"/>
+            <a:ext cx="7315200" cy="5314461"/>
+          </a:xfrm>
+        </p:spPr>
+        <p:txBody>
+          <a:bodyPr/>
+          <a:lstStyle/>
+          <a:p>
+            <a:r>
+              <a:rPr lang="en-US" dirty="0">
+                <a:solidFill>
+                  <a:schemeClr val="accent4"/>
+                </a:solidFill>
+              </a:rPr>
+              <a:t>Widening </a:t>
+            </a:r>
+            <a:r>
+              <a:rPr lang="en-US" dirty="0" smtClean="0">
+                <a:solidFill>
+                  <a:schemeClr val="accent4"/>
+                </a:solidFill>
+              </a:rPr>
+              <a:t>Casting</a:t>
+            </a:r>
+          </a:p>
+          <a:p>
+            <a:pPr marL="0" indent="0">
+              <a:buNone/>
+            </a:pPr>
+            <a:r>
+              <a:rPr lang="en-US" sz="1400" dirty="0">
+                <a:solidFill>
+                  <a:srgbClr val="00B0F0"/>
+                </a:solidFill>
+                <a:latin typeface="Consolas" panose="020B0609020204030204" pitchFamily="49" charset="0"/>
+              </a:rPr>
+              <a:t>public class </a:t>
+            </a:r>
+            <a:r>
+              <a:rPr lang="en-US" sz="1400" dirty="0">
+                <a:solidFill>
+                  <a:schemeClr val="accent6"/>
+                </a:solidFill>
+                <a:latin typeface="Consolas" panose="020B0609020204030204" pitchFamily="49" charset="0"/>
+              </a:rPr>
+              <a:t>Main</a:t>
+            </a:r>
+            <a:r>
+              <a:rPr lang="en-US" sz="1400" dirty="0">
+                <a:latin typeface="Consolas" panose="020B0609020204030204" pitchFamily="49" charset="0"/>
+              </a:rPr>
+              <a:t> {</a:t>
+            </a:r>
+          </a:p>
+          <a:p>
+            <a:pPr marL="0" indent="0">
+              <a:buNone/>
+            </a:pPr>
+            <a:r>
+              <a:rPr lang="en-US" sz="1400" dirty="0">
+                <a:latin typeface="Consolas" panose="020B0609020204030204" pitchFamily="49" charset="0"/>
+              </a:rPr>
+              <a:t>  </a:t>
+            </a:r>
+            <a:r>
+              <a:rPr lang="en-US" sz="1400" dirty="0">
+                <a:solidFill>
+                  <a:srgbClr val="00B0F0"/>
+                </a:solidFill>
+                <a:latin typeface="Consolas" panose="020B0609020204030204" pitchFamily="49" charset="0"/>
+              </a:rPr>
+              <a:t>public static void </a:t>
+            </a:r>
+            <a:r>
+              <a:rPr lang="en-US" sz="1400" dirty="0">
+                <a:solidFill>
+                  <a:schemeClr val="accent6"/>
+                </a:solidFill>
+                <a:latin typeface="Consolas" panose="020B0609020204030204" pitchFamily="49" charset="0"/>
+              </a:rPr>
+              <a:t>main</a:t>
+            </a:r>
+            <a:r>
+              <a:rPr lang="en-US" sz="1400" dirty="0">
+                <a:latin typeface="Consolas" panose="020B0609020204030204" pitchFamily="49" charset="0"/>
+              </a:rPr>
+              <a:t>(String[] </a:t>
+            </a:r>
+            <a:r>
+              <a:rPr lang="en-US" sz="1400" dirty="0" err="1">
+                <a:latin typeface="Consolas" panose="020B0609020204030204" pitchFamily="49" charset="0"/>
+              </a:rPr>
+              <a:t>args</a:t>
+            </a:r>
+            <a:r>
+              <a:rPr lang="en-US" sz="1400" dirty="0">
+                <a:latin typeface="Consolas" panose="020B0609020204030204" pitchFamily="49" charset="0"/>
+              </a:rPr>
+              <a:t>) {</a:t>
+            </a:r>
+          </a:p>
+          <a:p>
+            <a:pPr marL="0" indent="0">
+              <a:buNone/>
+            </a:pPr>
+            <a:r>
+              <a:rPr lang="en-US" sz="1400" dirty="0">
+                <a:latin typeface="Consolas" panose="020B0609020204030204" pitchFamily="49" charset="0"/>
+              </a:rPr>
+              <a:t>    </a:t>
+            </a:r>
+            <a:r>
+              <a:rPr lang="en-US" sz="1400" dirty="0" err="1">
+                <a:solidFill>
+                  <a:srgbClr val="00B0F0"/>
+                </a:solidFill>
+                <a:latin typeface="Consolas" panose="020B0609020204030204" pitchFamily="49" charset="0"/>
+              </a:rPr>
+              <a:t>int</a:t>
+            </a:r>
+            <a:r>
+              <a:rPr lang="en-US" sz="1400" dirty="0">
+                <a:latin typeface="Consolas" panose="020B0609020204030204" pitchFamily="49" charset="0"/>
+              </a:rPr>
+              <a:t> </a:t>
+            </a:r>
+            <a:r>
+              <a:rPr lang="en-US" sz="1400" dirty="0" err="1">
+                <a:latin typeface="Consolas" panose="020B0609020204030204" pitchFamily="49" charset="0"/>
+              </a:rPr>
+              <a:t>myInt</a:t>
+            </a:r>
+            <a:r>
+              <a:rPr lang="en-US" sz="1400" dirty="0">
+                <a:latin typeface="Consolas" panose="020B0609020204030204" pitchFamily="49" charset="0"/>
+              </a:rPr>
+              <a:t> = 9;</a:t>
+            </a:r>
+          </a:p>
+          <a:p>
+            <a:pPr marL="0" indent="0">
+              <a:buNone/>
+            </a:pPr>
+            <a:r>
+              <a:rPr lang="en-US" sz="1400" dirty="0">
+                <a:latin typeface="Consolas" panose="020B0609020204030204" pitchFamily="49" charset="0"/>
+              </a:rPr>
+              <a:t>    </a:t>
+            </a:r>
+            <a:r>
+              <a:rPr lang="en-US" sz="1400" dirty="0">
+                <a:solidFill>
+                  <a:srgbClr val="00B0F0"/>
+                </a:solidFill>
+                <a:latin typeface="Consolas" panose="020B0609020204030204" pitchFamily="49" charset="0"/>
+              </a:rPr>
+              <a:t>double </a:t>
+            </a:r>
+            <a:r>
+              <a:rPr lang="en-US" sz="1400" dirty="0" err="1">
+                <a:latin typeface="Consolas" panose="020B0609020204030204" pitchFamily="49" charset="0"/>
+              </a:rPr>
+              <a:t>myDouble</a:t>
+            </a:r>
+            <a:r>
+              <a:rPr lang="en-US" sz="1400" dirty="0">
+                <a:latin typeface="Consolas" panose="020B0609020204030204" pitchFamily="49" charset="0"/>
+              </a:rPr>
+              <a:t> = </a:t>
+            </a:r>
+            <a:r>
+              <a:rPr lang="en-US" sz="1400" dirty="0" err="1">
+                <a:latin typeface="Consolas" panose="020B0609020204030204" pitchFamily="49" charset="0"/>
+              </a:rPr>
+              <a:t>myInt</a:t>
+            </a:r>
+            <a:r>
+              <a:rPr lang="en-US" sz="1400" dirty="0">
+                <a:latin typeface="Consolas" panose="020B0609020204030204" pitchFamily="49" charset="0"/>
+              </a:rPr>
+              <a:t>; // Automatic casting: </a:t>
+            </a:r>
+            <a:r>
+              <a:rPr lang="en-US" sz="1400" dirty="0" err="1">
+                <a:latin typeface="Consolas" panose="020B0609020204030204" pitchFamily="49" charset="0"/>
+              </a:rPr>
+              <a:t>int</a:t>
+            </a:r>
+            <a:r>
+              <a:rPr lang="en-US" sz="1400" dirty="0">
+                <a:latin typeface="Consolas" panose="020B0609020204030204" pitchFamily="49" charset="0"/>
+              </a:rPr>
+              <a:t> to double</a:t>
+            </a:r>
+          </a:p>
+          <a:p>
+            <a:pPr marL="0" indent="0">
+              <a:buNone/>
+            </a:pPr>
+            <a:endParaRPr lang="en-US" sz="1400" dirty="0">
+              <a:latin typeface="Consolas" panose="020B0609020204030204" pitchFamily="49" charset="0"/>
+            </a:endParaRPr>
+          </a:p>
+          <a:p>
+            <a:pPr marL="0" indent="0">
+              <a:buNone/>
+            </a:pPr>
+            <a:r>
+              <a:rPr lang="en-US" sz="1400" dirty="0">
+                <a:latin typeface="Consolas" panose="020B0609020204030204" pitchFamily="49" charset="0"/>
+              </a:rPr>
+              <a:t>    </a:t>
+            </a:r>
+            <a:r>
+              <a:rPr lang="en-US" sz="1400" dirty="0" err="1">
+                <a:solidFill>
+                  <a:schemeClr val="accent6"/>
+                </a:solidFill>
+                <a:latin typeface="Consolas" panose="020B0609020204030204" pitchFamily="49" charset="0"/>
+              </a:rPr>
+              <a:t>System</a:t>
+            </a:r>
+            <a:r>
+              <a:rPr lang="en-US" sz="1400" dirty="0" err="1">
+                <a:latin typeface="Consolas" panose="020B0609020204030204" pitchFamily="49" charset="0"/>
+              </a:rPr>
+              <a:t>.out.</a:t>
+            </a:r>
+            <a:r>
+              <a:rPr lang="en-US" sz="1400" dirty="0" err="1">
+                <a:solidFill>
+                  <a:schemeClr val="accent6"/>
+                </a:solidFill>
+                <a:latin typeface="Consolas" panose="020B0609020204030204" pitchFamily="49" charset="0"/>
+              </a:rPr>
+              <a:t>println</a:t>
+            </a:r>
+            <a:r>
+              <a:rPr lang="en-US" sz="1400" dirty="0">
+                <a:latin typeface="Consolas" panose="020B0609020204030204" pitchFamily="49" charset="0"/>
+              </a:rPr>
+              <a:t>(</a:t>
+            </a:r>
+            <a:r>
+              <a:rPr lang="en-US" sz="1400" dirty="0" err="1">
+                <a:latin typeface="Consolas" panose="020B0609020204030204" pitchFamily="49" charset="0"/>
+              </a:rPr>
+              <a:t>myInt</a:t>
+            </a:r>
+            <a:r>
+              <a:rPr lang="en-US" sz="1400" dirty="0">
+                <a:latin typeface="Consolas" panose="020B0609020204030204" pitchFamily="49" charset="0"/>
+              </a:rPr>
+              <a:t>);      // Outputs 9</a:t>
+            </a:r>
+          </a:p>
+          <a:p>
+            <a:pPr marL="0" indent="0">
+              <a:buNone/>
+            </a:pPr>
+            <a:r>
+              <a:rPr lang="en-US" sz="1400" dirty="0">
+                <a:latin typeface="Consolas" panose="020B0609020204030204" pitchFamily="49" charset="0"/>
+              </a:rPr>
+              <a:t>    </a:t>
+            </a:r>
+            <a:r>
+              <a:rPr lang="en-US" sz="1400" dirty="0" err="1">
+                <a:solidFill>
+                  <a:schemeClr val="accent6"/>
+                </a:solidFill>
+                <a:latin typeface="Consolas" panose="020B0609020204030204" pitchFamily="49" charset="0"/>
+              </a:rPr>
+              <a:t>System</a:t>
+            </a:r>
+            <a:r>
+              <a:rPr lang="en-US" sz="1400" dirty="0" err="1">
+                <a:latin typeface="Consolas" panose="020B0609020204030204" pitchFamily="49" charset="0"/>
+              </a:rPr>
+              <a:t>.out.</a:t>
+            </a:r>
+            <a:r>
+              <a:rPr lang="en-US" sz="1400" dirty="0" err="1">
+                <a:solidFill>
+                  <a:schemeClr val="accent6"/>
+                </a:solidFill>
+                <a:latin typeface="Consolas" panose="020B0609020204030204" pitchFamily="49" charset="0"/>
+              </a:rPr>
+              <a:t>println</a:t>
+            </a:r>
+            <a:r>
+              <a:rPr lang="en-US" sz="1400" dirty="0">
+                <a:latin typeface="Consolas" panose="020B0609020204030204" pitchFamily="49" charset="0"/>
+              </a:rPr>
+              <a:t>(</a:t>
+            </a:r>
+            <a:r>
+              <a:rPr lang="en-US" sz="1400" dirty="0" err="1">
+                <a:latin typeface="Consolas" panose="020B0609020204030204" pitchFamily="49" charset="0"/>
+              </a:rPr>
+              <a:t>myDouble</a:t>
+            </a:r>
+            <a:r>
+              <a:rPr lang="en-US" sz="1400" dirty="0">
+                <a:latin typeface="Consolas" panose="020B0609020204030204" pitchFamily="49" charset="0"/>
+              </a:rPr>
+              <a:t>);   // Outputs 9.0</a:t>
+            </a:r>
+          </a:p>
+          <a:p>
+            <a:pPr marL="0" indent="0">
+              <a:buNone/>
+            </a:pPr>
+            <a:r>
+              <a:rPr lang="en-US" sz="1400" dirty="0">
+                <a:latin typeface="Consolas" panose="020B0609020204030204" pitchFamily="49" charset="0"/>
+              </a:rPr>
+              <a:t>  }</a:t>
+            </a:r>
+          </a:p>
+          <a:p>
+            <a:pPr marL="0" indent="0">
+              <a:buNone/>
+            </a:pPr>
+            <a:r>
+              <a:rPr lang="en-US" sz="1400" dirty="0">
+                <a:latin typeface="Consolas" panose="020B0609020204030204" pitchFamily="49" charset="0"/>
+              </a:rPr>
+              <a:t>}</a:t>
+            </a:r>
+            <a:endParaRPr lang="en-US" sz="1400" dirty="0">
+              <a:latin typeface="Consolas" panose="020B0609020204030204" pitchFamily="49" charset="0"/>
+            </a:endParaRPr>
+          </a:p>
+        </p:txBody>
+      </p:sp>
+    </p:spTree>
+    <p:extLst>
+      <p:ext uri="{BB962C8B-B14F-4D97-AF65-F5344CB8AC3E}">
+        <p14:creationId xmlns:p14="http://schemas.microsoft.com/office/powerpoint/2010/main" val="3893208695"/>
+      </p:ext>
+    </p:extLst>
+  </p:cSld>
+  <p:clrMapOvr>
+    <a:masterClrMapping/>
+  </p:clrMapOvr>
+  <p:timing>
+    <p:tnLst>
+      <p:par>
+        <p:cTn id="1" dur="indefinite" restart="never" nodeType="tmRoot"/>
+      </p:par>
+    </p:tnLst>
+  </p:timing>
+</p:sld>
+</file>
+
+<file path=ppt/slides/slide15.xml><?xml version="1.0" encoding="utf-8"?>
+<p:sld xmlns:a="http://schemas.openxmlformats.org/drawingml/2006/main" xmlns:r="http://schemas.openxmlformats.org/officeDocument/2006/relationships" xmlns:p="http://schemas.openxmlformats.org/presentationml/2006/main">
+  <p:cSld>
+    <p:spTree>
+      <p:nvGrpSpPr>
+        <p:cNvPr id="1" name=""/>
+        <p:cNvGrpSpPr/>
+        <p:nvPr/>
+      </p:nvGrpSpPr>
+      <p:grpSpPr>
+        <a:xfrm>
+          <a:off x="0" y="0"/>
+          <a:ext cx="0" cy="0"/>
+          <a:chOff x="0" y="0"/>
+          <a:chExt cx="0" cy="0"/>
+        </a:xfrm>
+      </p:grpSpPr>
+      <p:sp>
+        <p:nvSpPr>
+          <p:cNvPr id="2" name="Title 1"/>
+          <p:cNvSpPr>
+            <a:spLocks noGrp="1"/>
+          </p:cNvSpPr>
+          <p:nvPr>
+            <p:ph type="title"/>
+          </p:nvPr>
+        </p:nvSpPr>
+        <p:spPr>
+          <a:xfrm>
+            <a:off x="252919" y="1123837"/>
+            <a:ext cx="3103892" cy="4601183"/>
+          </a:xfrm>
+        </p:spPr>
+        <p:txBody>
+          <a:bodyPr/>
+          <a:lstStyle/>
+          <a:p>
+            <a:r>
+              <a:rPr lang="en-US" dirty="0"/>
+              <a:t>Java Type Casting</a:t>
+            </a:r>
+          </a:p>
+        </p:txBody>
+      </p:sp>
+      <p:sp>
+        <p:nvSpPr>
+          <p:cNvPr id="3" name="Content Placeholder 2"/>
+          <p:cNvSpPr>
+            <a:spLocks noGrp="1"/>
+          </p:cNvSpPr>
+          <p:nvPr>
+            <p:ph idx="1"/>
+          </p:nvPr>
+        </p:nvSpPr>
+        <p:spPr>
+          <a:xfrm>
+            <a:off x="3869268" y="765908"/>
+            <a:ext cx="7315200" cy="5314461"/>
+          </a:xfrm>
+        </p:spPr>
+        <p:txBody>
+          <a:bodyPr/>
+          <a:lstStyle/>
+          <a:p>
+            <a:r>
+              <a:rPr lang="en-US" dirty="0">
+                <a:solidFill>
+                  <a:schemeClr val="accent4"/>
+                </a:solidFill>
+              </a:rPr>
+              <a:t>Narrowing </a:t>
+            </a:r>
+            <a:r>
+              <a:rPr lang="en-US" dirty="0" smtClean="0">
+                <a:solidFill>
+                  <a:schemeClr val="accent4"/>
+                </a:solidFill>
+              </a:rPr>
+              <a:t>Casting</a:t>
+            </a:r>
+          </a:p>
+          <a:p>
+            <a:pPr marL="0" indent="0">
+              <a:buNone/>
+            </a:pPr>
+            <a:r>
+              <a:rPr lang="en-US" sz="1400" dirty="0">
+                <a:solidFill>
+                  <a:srgbClr val="00B0F0"/>
+                </a:solidFill>
+                <a:latin typeface="Consolas" panose="020B0609020204030204" pitchFamily="49" charset="0"/>
+              </a:rPr>
+              <a:t>public class </a:t>
+            </a:r>
+            <a:r>
+              <a:rPr lang="en-US" sz="1400" dirty="0">
+                <a:solidFill>
+                  <a:schemeClr val="accent6"/>
+                </a:solidFill>
+                <a:latin typeface="Consolas" panose="020B0609020204030204" pitchFamily="49" charset="0"/>
+              </a:rPr>
+              <a:t>Main</a:t>
+            </a:r>
+            <a:r>
+              <a:rPr lang="en-US" sz="1400" dirty="0">
+                <a:solidFill>
+                  <a:srgbClr val="00B0F0"/>
+                </a:solidFill>
+                <a:latin typeface="Consolas" panose="020B0609020204030204" pitchFamily="49" charset="0"/>
+              </a:rPr>
+              <a:t> {</a:t>
+            </a:r>
+          </a:p>
+          <a:p>
+            <a:pPr marL="0" indent="0">
+              <a:buNone/>
+            </a:pPr>
+            <a:r>
+              <a:rPr lang="en-US" sz="1400" dirty="0">
+                <a:solidFill>
+                  <a:srgbClr val="00B0F0"/>
+                </a:solidFill>
+                <a:latin typeface="Consolas" panose="020B0609020204030204" pitchFamily="49" charset="0"/>
+              </a:rPr>
+              <a:t>  public static void </a:t>
+            </a:r>
+            <a:r>
+              <a:rPr lang="en-US" sz="1400" dirty="0">
+                <a:solidFill>
+                  <a:schemeClr val="accent6"/>
+                </a:solidFill>
+                <a:latin typeface="Consolas" panose="020B0609020204030204" pitchFamily="49" charset="0"/>
+              </a:rPr>
+              <a:t>main(String</a:t>
+            </a:r>
+            <a:r>
+              <a:rPr lang="en-US" sz="1400" dirty="0">
+                <a:solidFill>
+                  <a:srgbClr val="00B0F0"/>
+                </a:solidFill>
+                <a:latin typeface="Consolas" panose="020B0609020204030204" pitchFamily="49" charset="0"/>
+              </a:rPr>
+              <a:t>[] </a:t>
+            </a:r>
+            <a:r>
+              <a:rPr lang="en-US" sz="1400" dirty="0" err="1">
+                <a:solidFill>
+                  <a:srgbClr val="00B0F0"/>
+                </a:solidFill>
+                <a:latin typeface="Consolas" panose="020B0609020204030204" pitchFamily="49" charset="0"/>
+              </a:rPr>
+              <a:t>args</a:t>
+            </a:r>
+            <a:r>
+              <a:rPr lang="en-US" sz="1400" dirty="0">
+                <a:solidFill>
+                  <a:srgbClr val="00B0F0"/>
+                </a:solidFill>
+                <a:latin typeface="Consolas" panose="020B0609020204030204" pitchFamily="49" charset="0"/>
+              </a:rPr>
+              <a:t>) {</a:t>
+            </a:r>
+          </a:p>
+          <a:p>
+            <a:pPr marL="0" indent="0">
+              <a:buNone/>
+            </a:pPr>
+            <a:r>
+              <a:rPr lang="en-US" sz="1400" dirty="0">
+                <a:solidFill>
+                  <a:srgbClr val="00B0F0"/>
+                </a:solidFill>
+                <a:latin typeface="Consolas" panose="020B0609020204030204" pitchFamily="49" charset="0"/>
+              </a:rPr>
+              <a:t>    double </a:t>
+            </a:r>
+            <a:r>
+              <a:rPr lang="en-US" sz="1400" dirty="0" err="1">
+                <a:solidFill>
+                  <a:schemeClr val="tx1"/>
+                </a:solidFill>
+                <a:latin typeface="Consolas" panose="020B0609020204030204" pitchFamily="49" charset="0"/>
+              </a:rPr>
+              <a:t>myDouble</a:t>
+            </a:r>
+            <a:r>
+              <a:rPr lang="en-US" sz="1400" dirty="0">
+                <a:solidFill>
+                  <a:srgbClr val="00B0F0"/>
+                </a:solidFill>
+                <a:latin typeface="Consolas" panose="020B0609020204030204" pitchFamily="49" charset="0"/>
+              </a:rPr>
+              <a:t> = </a:t>
+            </a:r>
+            <a:r>
+              <a:rPr lang="en-US" sz="1400" dirty="0">
+                <a:solidFill>
+                  <a:schemeClr val="accent6"/>
+                </a:solidFill>
+                <a:latin typeface="Consolas" panose="020B0609020204030204" pitchFamily="49" charset="0"/>
+              </a:rPr>
+              <a:t>9.78d</a:t>
+            </a:r>
+            <a:r>
+              <a:rPr lang="en-US" sz="1400" dirty="0">
+                <a:solidFill>
+                  <a:srgbClr val="00B0F0"/>
+                </a:solidFill>
+                <a:latin typeface="Consolas" panose="020B0609020204030204" pitchFamily="49" charset="0"/>
+              </a:rPr>
+              <a:t>;</a:t>
+            </a:r>
+          </a:p>
+          <a:p>
+            <a:pPr marL="0" indent="0">
+              <a:buNone/>
+            </a:pPr>
+            <a:r>
+              <a:rPr lang="en-US" sz="1400" dirty="0">
+                <a:solidFill>
+                  <a:srgbClr val="00B0F0"/>
+                </a:solidFill>
+                <a:latin typeface="Consolas" panose="020B0609020204030204" pitchFamily="49" charset="0"/>
+              </a:rPr>
+              <a:t>    </a:t>
+            </a:r>
+            <a:r>
+              <a:rPr lang="en-US" sz="1400" dirty="0" err="1">
+                <a:solidFill>
+                  <a:srgbClr val="00B0F0"/>
+                </a:solidFill>
+                <a:latin typeface="Consolas" panose="020B0609020204030204" pitchFamily="49" charset="0"/>
+              </a:rPr>
+              <a:t>int</a:t>
+            </a:r>
+            <a:r>
+              <a:rPr lang="en-US" sz="1400" dirty="0">
+                <a:solidFill>
+                  <a:srgbClr val="00B0F0"/>
+                </a:solidFill>
+                <a:latin typeface="Consolas" panose="020B0609020204030204" pitchFamily="49" charset="0"/>
+              </a:rPr>
+              <a:t> </a:t>
+            </a:r>
+            <a:r>
+              <a:rPr lang="en-US" sz="1400" dirty="0" err="1">
+                <a:solidFill>
+                  <a:schemeClr val="tx1"/>
+                </a:solidFill>
+                <a:latin typeface="Consolas" panose="020B0609020204030204" pitchFamily="49" charset="0"/>
+              </a:rPr>
+              <a:t>myInt</a:t>
+            </a:r>
+            <a:r>
+              <a:rPr lang="en-US" sz="1400" dirty="0">
+                <a:solidFill>
+                  <a:srgbClr val="00B0F0"/>
+                </a:solidFill>
+                <a:latin typeface="Consolas" panose="020B0609020204030204" pitchFamily="49" charset="0"/>
+              </a:rPr>
+              <a:t> = (</a:t>
+            </a:r>
+            <a:r>
+              <a:rPr lang="en-US" sz="1400" dirty="0" err="1">
+                <a:solidFill>
+                  <a:srgbClr val="00B0F0"/>
+                </a:solidFill>
+                <a:latin typeface="Consolas" panose="020B0609020204030204" pitchFamily="49" charset="0"/>
+              </a:rPr>
+              <a:t>int</a:t>
+            </a:r>
+            <a:r>
+              <a:rPr lang="en-US" sz="1400" dirty="0">
+                <a:solidFill>
+                  <a:srgbClr val="00B0F0"/>
+                </a:solidFill>
+                <a:latin typeface="Consolas" panose="020B0609020204030204" pitchFamily="49" charset="0"/>
+              </a:rPr>
+              <a:t>) </a:t>
+            </a:r>
+            <a:r>
+              <a:rPr lang="en-US" sz="1400" dirty="0" err="1">
+                <a:solidFill>
+                  <a:schemeClr val="tx1"/>
+                </a:solidFill>
+                <a:latin typeface="Consolas" panose="020B0609020204030204" pitchFamily="49" charset="0"/>
+              </a:rPr>
+              <a:t>myDouble</a:t>
+            </a:r>
+            <a:r>
+              <a:rPr lang="en-US" sz="1400" dirty="0">
+                <a:solidFill>
+                  <a:srgbClr val="00B0F0"/>
+                </a:solidFill>
+                <a:latin typeface="Consolas" panose="020B0609020204030204" pitchFamily="49" charset="0"/>
+              </a:rPr>
+              <a:t>; </a:t>
+            </a:r>
+            <a:r>
+              <a:rPr lang="en-US" sz="1400" dirty="0">
+                <a:solidFill>
+                  <a:schemeClr val="tx1">
+                    <a:lumMod val="50000"/>
+                    <a:lumOff val="50000"/>
+                  </a:schemeClr>
+                </a:solidFill>
+                <a:latin typeface="Consolas" panose="020B0609020204030204" pitchFamily="49" charset="0"/>
+              </a:rPr>
+              <a:t>// Manual casting: double to </a:t>
+            </a:r>
+            <a:r>
+              <a:rPr lang="en-US" sz="1400" dirty="0" err="1">
+                <a:solidFill>
+                  <a:schemeClr val="tx1">
+                    <a:lumMod val="50000"/>
+                    <a:lumOff val="50000"/>
+                  </a:schemeClr>
+                </a:solidFill>
+                <a:latin typeface="Consolas" panose="020B0609020204030204" pitchFamily="49" charset="0"/>
+              </a:rPr>
+              <a:t>int</a:t>
+            </a:r>
+            <a:endParaRPr lang="en-US" sz="1400" dirty="0">
+              <a:solidFill>
+                <a:schemeClr val="tx1">
+                  <a:lumMod val="50000"/>
+                  <a:lumOff val="50000"/>
+                </a:schemeClr>
+              </a:solidFill>
+              <a:latin typeface="Consolas" panose="020B0609020204030204" pitchFamily="49" charset="0"/>
+            </a:endParaRPr>
+          </a:p>
+          <a:p>
+            <a:pPr marL="0" indent="0">
+              <a:buNone/>
+            </a:pPr>
+            <a:endParaRPr lang="en-US" sz="1400" dirty="0">
+              <a:solidFill>
+                <a:srgbClr val="00B0F0"/>
+              </a:solidFill>
+              <a:latin typeface="Consolas" panose="020B0609020204030204" pitchFamily="49" charset="0"/>
+            </a:endParaRPr>
+          </a:p>
+          <a:p>
+            <a:pPr marL="0" indent="0">
+              <a:buNone/>
+            </a:pPr>
+            <a:r>
+              <a:rPr lang="en-US" sz="1400" dirty="0">
+                <a:solidFill>
+                  <a:srgbClr val="00B0F0"/>
+                </a:solidFill>
+                <a:latin typeface="Consolas" panose="020B0609020204030204" pitchFamily="49" charset="0"/>
+              </a:rPr>
+              <a:t>    </a:t>
+            </a:r>
+            <a:r>
+              <a:rPr lang="en-US" sz="1400" dirty="0" err="1">
+                <a:solidFill>
+                  <a:schemeClr val="accent6"/>
+                </a:solidFill>
+                <a:latin typeface="Consolas" panose="020B0609020204030204" pitchFamily="49" charset="0"/>
+              </a:rPr>
+              <a:t>System</a:t>
+            </a:r>
+            <a:r>
+              <a:rPr lang="en-US" sz="1400" dirty="0" err="1">
+                <a:solidFill>
+                  <a:srgbClr val="00B0F0"/>
+                </a:solidFill>
+                <a:latin typeface="Consolas" panose="020B0609020204030204" pitchFamily="49" charset="0"/>
+              </a:rPr>
+              <a:t>.</a:t>
+            </a:r>
+            <a:r>
+              <a:rPr lang="en-US" sz="1400" dirty="0" err="1">
+                <a:solidFill>
+                  <a:schemeClr val="tx1"/>
+                </a:solidFill>
+                <a:latin typeface="Consolas" panose="020B0609020204030204" pitchFamily="49" charset="0"/>
+              </a:rPr>
+              <a:t>out</a:t>
+            </a:r>
+            <a:r>
+              <a:rPr lang="en-US" sz="1400" dirty="0" err="1">
+                <a:solidFill>
+                  <a:srgbClr val="00B0F0"/>
+                </a:solidFill>
+                <a:latin typeface="Consolas" panose="020B0609020204030204" pitchFamily="49" charset="0"/>
+              </a:rPr>
+              <a:t>.</a:t>
+            </a:r>
+            <a:r>
+              <a:rPr lang="en-US" sz="1400" dirty="0" err="1">
+                <a:solidFill>
+                  <a:schemeClr val="accent6"/>
+                </a:solidFill>
+                <a:latin typeface="Consolas" panose="020B0609020204030204" pitchFamily="49" charset="0"/>
+              </a:rPr>
+              <a:t>println</a:t>
+            </a:r>
+            <a:r>
+              <a:rPr lang="en-US" sz="1400" dirty="0">
+                <a:solidFill>
+                  <a:srgbClr val="00B0F0"/>
+                </a:solidFill>
+                <a:latin typeface="Consolas" panose="020B0609020204030204" pitchFamily="49" charset="0"/>
+              </a:rPr>
+              <a:t>(</a:t>
+            </a:r>
+            <a:r>
+              <a:rPr lang="en-US" sz="1400" dirty="0" err="1">
+                <a:solidFill>
+                  <a:schemeClr val="tx1"/>
+                </a:solidFill>
+                <a:latin typeface="Consolas" panose="020B0609020204030204" pitchFamily="49" charset="0"/>
+              </a:rPr>
+              <a:t>myDouble</a:t>
+            </a:r>
+            <a:r>
+              <a:rPr lang="en-US" sz="1400" dirty="0">
+                <a:solidFill>
+                  <a:srgbClr val="00B0F0"/>
+                </a:solidFill>
+                <a:latin typeface="Consolas" panose="020B0609020204030204" pitchFamily="49" charset="0"/>
+              </a:rPr>
+              <a:t>);   </a:t>
+            </a:r>
+            <a:r>
+              <a:rPr lang="en-US" sz="1400" dirty="0">
+                <a:solidFill>
+                  <a:schemeClr val="tx1">
+                    <a:lumMod val="50000"/>
+                    <a:lumOff val="50000"/>
+                  </a:schemeClr>
+                </a:solidFill>
+                <a:latin typeface="Consolas" panose="020B0609020204030204" pitchFamily="49" charset="0"/>
+              </a:rPr>
+              <a:t>// Outputs 9.78</a:t>
+            </a:r>
+          </a:p>
+          <a:p>
+            <a:pPr marL="0" indent="0">
+              <a:buNone/>
+            </a:pPr>
+            <a:r>
+              <a:rPr lang="en-US" sz="1400" dirty="0">
+                <a:solidFill>
+                  <a:srgbClr val="00B0F0"/>
+                </a:solidFill>
+                <a:latin typeface="Consolas" panose="020B0609020204030204" pitchFamily="49" charset="0"/>
+              </a:rPr>
+              <a:t>    </a:t>
+            </a:r>
+            <a:r>
+              <a:rPr lang="en-US" sz="1400" dirty="0" err="1">
+                <a:solidFill>
+                  <a:schemeClr val="accent6"/>
+                </a:solidFill>
+                <a:latin typeface="Consolas" panose="020B0609020204030204" pitchFamily="49" charset="0"/>
+              </a:rPr>
+              <a:t>System</a:t>
+            </a:r>
+            <a:r>
+              <a:rPr lang="en-US" sz="1400" dirty="0" err="1">
+                <a:solidFill>
+                  <a:srgbClr val="00B0F0"/>
+                </a:solidFill>
+                <a:latin typeface="Consolas" panose="020B0609020204030204" pitchFamily="49" charset="0"/>
+              </a:rPr>
+              <a:t>.</a:t>
+            </a:r>
+            <a:r>
+              <a:rPr lang="en-US" sz="1400" dirty="0" err="1">
+                <a:solidFill>
+                  <a:schemeClr val="tx1"/>
+                </a:solidFill>
+                <a:latin typeface="Consolas" panose="020B0609020204030204" pitchFamily="49" charset="0"/>
+              </a:rPr>
+              <a:t>out</a:t>
+            </a:r>
+            <a:r>
+              <a:rPr lang="en-US" sz="1400" dirty="0" err="1">
+                <a:solidFill>
+                  <a:srgbClr val="00B0F0"/>
+                </a:solidFill>
+                <a:latin typeface="Consolas" panose="020B0609020204030204" pitchFamily="49" charset="0"/>
+              </a:rPr>
+              <a:t>.</a:t>
+            </a:r>
+            <a:r>
+              <a:rPr lang="en-US" sz="1400" dirty="0" err="1">
+                <a:solidFill>
+                  <a:schemeClr val="accent6"/>
+                </a:solidFill>
+                <a:latin typeface="Consolas" panose="020B0609020204030204" pitchFamily="49" charset="0"/>
+              </a:rPr>
+              <a:t>println</a:t>
+            </a:r>
+            <a:r>
+              <a:rPr lang="en-US" sz="1400" dirty="0">
+                <a:solidFill>
+                  <a:srgbClr val="00B0F0"/>
+                </a:solidFill>
+                <a:latin typeface="Consolas" panose="020B0609020204030204" pitchFamily="49" charset="0"/>
+              </a:rPr>
+              <a:t>(</a:t>
+            </a:r>
+            <a:r>
+              <a:rPr lang="en-US" sz="1400" dirty="0" err="1">
+                <a:solidFill>
+                  <a:schemeClr val="tx1"/>
+                </a:solidFill>
+                <a:latin typeface="Consolas" panose="020B0609020204030204" pitchFamily="49" charset="0"/>
+              </a:rPr>
+              <a:t>myInt</a:t>
+            </a:r>
+            <a:r>
+              <a:rPr lang="en-US" sz="1400" dirty="0">
+                <a:solidFill>
+                  <a:srgbClr val="00B0F0"/>
+                </a:solidFill>
+                <a:latin typeface="Consolas" panose="020B0609020204030204" pitchFamily="49" charset="0"/>
+              </a:rPr>
+              <a:t>);      </a:t>
+            </a:r>
+            <a:r>
+              <a:rPr lang="en-US" sz="1400" dirty="0">
+                <a:solidFill>
+                  <a:schemeClr val="tx1">
+                    <a:lumMod val="50000"/>
+                    <a:lumOff val="50000"/>
+                  </a:schemeClr>
+                </a:solidFill>
+                <a:latin typeface="Consolas" panose="020B0609020204030204" pitchFamily="49" charset="0"/>
+              </a:rPr>
+              <a:t>// Outputs 9</a:t>
+            </a:r>
+          </a:p>
+          <a:p>
+            <a:pPr marL="0" indent="0">
+              <a:buNone/>
+            </a:pPr>
+            <a:r>
+              <a:rPr lang="en-US" sz="1400" dirty="0">
+                <a:solidFill>
+                  <a:srgbClr val="00B0F0"/>
+                </a:solidFill>
+                <a:latin typeface="Consolas" panose="020B0609020204030204" pitchFamily="49" charset="0"/>
+              </a:rPr>
+              <a:t>  }</a:t>
+            </a:r>
+          </a:p>
+          <a:p>
+            <a:pPr marL="0" indent="0">
+              <a:buNone/>
+            </a:pPr>
+            <a:r>
+              <a:rPr lang="en-US" sz="1400" dirty="0">
+                <a:solidFill>
+                  <a:srgbClr val="00B0F0"/>
+                </a:solidFill>
+                <a:latin typeface="Consolas" panose="020B0609020204030204" pitchFamily="49" charset="0"/>
+              </a:rPr>
+              <a:t>}</a:t>
+            </a:r>
+            <a:endParaRPr lang="en-US" sz="1400" dirty="0">
+              <a:latin typeface="Consolas" panose="020B0609020204030204" pitchFamily="49" charset="0"/>
+            </a:endParaRPr>
+          </a:p>
+        </p:txBody>
+      </p:sp>
+    </p:spTree>
+    <p:extLst>
+      <p:ext uri="{BB962C8B-B14F-4D97-AF65-F5344CB8AC3E}">
+        <p14:creationId xmlns:p14="http://schemas.microsoft.com/office/powerpoint/2010/main" val="1999433263"/>
+      </p:ext>
+    </p:extLst>
+  </p:cSld>
+  <p:clrMapOvr>
+    <a:masterClrMapping/>
+  </p:clrMapOvr>
+  <p:timing>
+    <p:tnLst>
+      <p:par>
+        <p:cTn id="1" dur="indefinite" restart="never" nodeType="tmRoot"/>
+      </p:par>
+    </p:tnLst>
+  </p:timing>
+</p:sld>
+</file>
+
+<file path=ppt/slides/slide16.xml><?xml version="1.0" encoding="utf-8"?>
+<p:sld xmlns:a="http://schemas.openxmlformats.org/drawingml/2006/main" xmlns:r="http://schemas.openxmlformats.org/officeDocument/2006/relationships" xmlns:p="http://schemas.openxmlformats.org/presentationml/2006/main">
+  <p:cSld>
+    <p:spTree>
+      <p:nvGrpSpPr>
+        <p:cNvPr id="1" name=""/>
+        <p:cNvGrpSpPr/>
+        <p:nvPr/>
+      </p:nvGrpSpPr>
+      <p:grpSpPr>
+        <a:xfrm>
+          <a:off x="0" y="0"/>
+          <a:ext cx="0" cy="0"/>
+          <a:chOff x="0" y="0"/>
+          <a:chExt cx="0" cy="0"/>
+        </a:xfrm>
+      </p:grpSpPr>
+      <p:sp>
+        <p:nvSpPr>
+          <p:cNvPr id="2" name="Title 1"/>
+          <p:cNvSpPr>
+            <a:spLocks noGrp="1"/>
+          </p:cNvSpPr>
+          <p:nvPr>
+            <p:ph type="title"/>
+          </p:nvPr>
+        </p:nvSpPr>
+        <p:spPr>
+          <a:xfrm>
+            <a:off x="252919" y="1123837"/>
+            <a:ext cx="3103892" cy="4601183"/>
+          </a:xfrm>
+        </p:spPr>
+        <p:txBody>
+          <a:bodyPr/>
+          <a:lstStyle/>
+          <a:p>
+            <a:r>
+              <a:rPr lang="en-US" dirty="0"/>
+              <a:t>Java Operators</a:t>
+            </a:r>
+          </a:p>
+        </p:txBody>
+      </p:sp>
+      <p:sp>
+        <p:nvSpPr>
+          <p:cNvPr id="3" name="Content Placeholder 2"/>
+          <p:cNvSpPr>
+            <a:spLocks noGrp="1"/>
+          </p:cNvSpPr>
+          <p:nvPr>
+            <p:ph idx="1"/>
+          </p:nvPr>
+        </p:nvSpPr>
+        <p:spPr>
+          <a:xfrm>
+            <a:off x="3869268" y="765908"/>
+            <a:ext cx="7315200" cy="5314461"/>
+          </a:xfrm>
+        </p:spPr>
+        <p:txBody>
+          <a:bodyPr/>
+          <a:lstStyle/>
+          <a:p>
+            <a:r>
+              <a:rPr lang="en-US" dirty="0" smtClean="0">
+                <a:solidFill>
+                  <a:schemeClr val="accent4"/>
+                </a:solidFill>
+              </a:rPr>
+              <a:t>Operators </a:t>
+            </a:r>
+            <a:r>
+              <a:rPr lang="en-US" dirty="0">
+                <a:solidFill>
+                  <a:schemeClr val="accent4"/>
+                </a:solidFill>
+              </a:rPr>
+              <a:t>are used to perform operations on variables and values</a:t>
+            </a:r>
+            <a:r>
+              <a:rPr lang="en-US" dirty="0" smtClean="0">
+                <a:solidFill>
+                  <a:schemeClr val="accent4"/>
+                </a:solidFill>
+              </a:rPr>
+              <a:t>.</a:t>
+            </a:r>
+          </a:p>
+          <a:p>
+            <a:r>
+              <a:rPr lang="en-US" dirty="0">
+                <a:solidFill>
+                  <a:schemeClr val="accent4"/>
+                </a:solidFill>
+              </a:rPr>
+              <a:t>Java divides the operators into the following groups</a:t>
+            </a:r>
+            <a:r>
+              <a:rPr lang="en-US" dirty="0" smtClean="0">
+                <a:solidFill>
+                  <a:schemeClr val="accent4"/>
+                </a:solidFill>
+              </a:rPr>
+              <a:t>:</a:t>
+            </a:r>
+          </a:p>
+          <a:p>
+            <a:pPr lvl="1"/>
+            <a:r>
+              <a:rPr lang="en-US" dirty="0"/>
+              <a:t>Arithmetic operators</a:t>
+            </a:r>
+          </a:p>
+          <a:p>
+            <a:pPr lvl="1"/>
+            <a:r>
+              <a:rPr lang="en-US" dirty="0"/>
+              <a:t>Assignment operators</a:t>
+            </a:r>
+          </a:p>
+          <a:p>
+            <a:pPr lvl="1"/>
+            <a:r>
+              <a:rPr lang="en-US" dirty="0"/>
+              <a:t>Comparison operators</a:t>
+            </a:r>
+          </a:p>
+          <a:p>
+            <a:pPr lvl="1"/>
+            <a:r>
+              <a:rPr lang="en-US" dirty="0"/>
+              <a:t>Logical operators</a:t>
+            </a:r>
+          </a:p>
+          <a:p>
+            <a:pPr lvl="1"/>
+            <a:r>
+              <a:rPr lang="en-US" dirty="0"/>
+              <a:t>Bitwise operators</a:t>
+            </a:r>
+          </a:p>
+          <a:p>
+            <a:pPr marL="0" indent="0">
+              <a:buNone/>
+            </a:pPr>
+            <a:endParaRPr lang="en-US" sz="1400" dirty="0">
+              <a:latin typeface="Consolas" panose="020B0609020204030204" pitchFamily="49" charset="0"/>
+            </a:endParaRPr>
+          </a:p>
+        </p:txBody>
+      </p:sp>
+    </p:spTree>
+    <p:extLst>
+      <p:ext uri="{BB962C8B-B14F-4D97-AF65-F5344CB8AC3E}">
+        <p14:creationId xmlns:p14="http://schemas.microsoft.com/office/powerpoint/2010/main" val="2741179239"/>
+      </p:ext>
+    </p:extLst>
+  </p:cSld>
+  <p:clrMapOvr>
+    <a:masterClrMapping/>
+  </p:clrMapOvr>
+  <p:timing>
+    <p:tnLst>
+      <p:par>
+        <p:cTn id="1" dur="indefinite" restart="never" nodeType="tmRoot"/>
+      </p:par>
+    </p:tnLst>
+  </p:timing>
+</p:sld>
+</file>
+
+<file path=ppt/slides/slide17.xml><?xml version="1.0" encoding="utf-8"?>
+<p:sld xmlns:a="http://schemas.openxmlformats.org/drawingml/2006/main" xmlns:r="http://schemas.openxmlformats.org/officeDocument/2006/relationships" xmlns:p="http://schemas.openxmlformats.org/presentationml/2006/main">
+  <p:cSld>
+    <p:spTree>
+      <p:nvGrpSpPr>
+        <p:cNvPr id="1" name=""/>
+        <p:cNvGrpSpPr/>
+        <p:nvPr/>
+      </p:nvGrpSpPr>
+      <p:grpSpPr>
+        <a:xfrm>
+          <a:off x="0" y="0"/>
+          <a:ext cx="0" cy="0"/>
+          <a:chOff x="0" y="0"/>
+          <a:chExt cx="0" cy="0"/>
+        </a:xfrm>
+      </p:grpSpPr>
+      <p:sp>
+        <p:nvSpPr>
+          <p:cNvPr id="2" name="Title 1"/>
+          <p:cNvSpPr>
+            <a:spLocks noGrp="1"/>
+          </p:cNvSpPr>
+          <p:nvPr>
+            <p:ph type="title"/>
+          </p:nvPr>
+        </p:nvSpPr>
+        <p:spPr>
+          <a:xfrm>
+            <a:off x="252919" y="1123837"/>
+            <a:ext cx="3103892" cy="4601183"/>
+          </a:xfrm>
+        </p:spPr>
+        <p:txBody>
+          <a:bodyPr/>
+          <a:lstStyle/>
+          <a:p>
+            <a:r>
+              <a:rPr lang="en-US" dirty="0"/>
+              <a:t>Java Operators</a:t>
+            </a:r>
+          </a:p>
+        </p:txBody>
+      </p:sp>
+      <p:sp>
+        <p:nvSpPr>
+          <p:cNvPr id="3" name="Content Placeholder 2"/>
+          <p:cNvSpPr>
+            <a:spLocks noGrp="1"/>
+          </p:cNvSpPr>
+          <p:nvPr>
+            <p:ph idx="1"/>
+          </p:nvPr>
+        </p:nvSpPr>
+        <p:spPr>
+          <a:xfrm>
+            <a:off x="3869268" y="765908"/>
+            <a:ext cx="7315200" cy="1135081"/>
+          </a:xfrm>
+        </p:spPr>
+        <p:txBody>
+          <a:bodyPr/>
+          <a:lstStyle/>
+          <a:p>
+            <a:r>
+              <a:rPr lang="en-US" dirty="0">
+                <a:solidFill>
+                  <a:schemeClr val="accent4"/>
+                </a:solidFill>
+              </a:rPr>
+              <a:t>Arithmetic </a:t>
+            </a:r>
+            <a:r>
+              <a:rPr lang="en-US" dirty="0" smtClean="0">
+                <a:solidFill>
+                  <a:schemeClr val="accent4"/>
+                </a:solidFill>
+              </a:rPr>
+              <a:t>Operators</a:t>
+            </a:r>
+          </a:p>
+        </p:txBody>
+      </p:sp>
+      <p:sp>
+        <p:nvSpPr>
+          <p:cNvPr id="5" name="Content Placeholder 2"/>
+          <p:cNvSpPr txBox="1">
+            <a:spLocks/>
+          </p:cNvSpPr>
+          <p:nvPr/>
+        </p:nvSpPr>
+        <p:spPr>
+          <a:xfrm>
+            <a:off x="4021668" y="1600200"/>
+            <a:ext cx="7315200" cy="4632569"/>
+          </a:xfrm>
+          <a:prstGeom prst="rect">
+            <a:avLst/>
+          </a:prstGeom>
+        </p:spPr>
+        <p:txBody>
+          <a:bodyPr vert="horz" lIns="91440" tIns="45720" rIns="91440" bIns="45720" rtlCol="0" anchor="ctr">
+            <a:normAutofit/>
+          </a:bodyPr>
+          <a:lstStyle>
+            <a:lvl1pPr marL="182880" indent="-182880" algn="l" defTabSz="914400" rtl="0" eaLnBrk="1" latinLnBrk="0" hangingPunct="1">
+              <a:lnSpc>
+                <a:spcPct val="90000"/>
+              </a:lnSpc>
+              <a:spcBef>
+                <a:spcPts val="1200"/>
+              </a:spcBef>
+              <a:buClr>
+                <a:schemeClr val="accent1"/>
+              </a:buClr>
+              <a:buFont typeface="Wingdings 2" pitchFamily="18" charset="2"/>
+              <a:buChar char=""/>
+              <a:defRPr sz="2000" kern="1200">
+                <a:solidFill>
+                  <a:schemeClr val="tx1">
+                    <a:lumMod val="65000"/>
+                    <a:lumOff val="35000"/>
+                  </a:schemeClr>
+                </a:solidFill>
+                <a:latin typeface="+mn-lt"/>
+                <a:ea typeface="+mn-ea"/>
+                <a:cs typeface="+mn-cs"/>
+              </a:defRPr>
+            </a:lvl1pPr>
+            <a:lvl2pPr marL="685800" indent="-182880" algn="l" defTabSz="914400" rtl="0" eaLnBrk="1" latinLnBrk="0" hangingPunct="1">
+              <a:lnSpc>
+                <a:spcPct val="90000"/>
+              </a:lnSpc>
+              <a:spcBef>
+                <a:spcPts val="250"/>
+              </a:spcBef>
+              <a:spcAft>
+                <a:spcPts val="250"/>
+              </a:spcAft>
+              <a:buClr>
+                <a:schemeClr val="accent1"/>
+              </a:buClr>
+              <a:buFont typeface="Wingdings 2" pitchFamily="18" charset="2"/>
+              <a:buChar char=""/>
+              <a:defRPr sz="1800" kern="1200">
+                <a:solidFill>
+                  <a:schemeClr val="tx1">
+                    <a:lumMod val="65000"/>
+                    <a:lumOff val="35000"/>
+                  </a:schemeClr>
+                </a:solidFill>
+                <a:latin typeface="+mn-lt"/>
+                <a:ea typeface="+mn-ea"/>
+                <a:cs typeface="+mn-cs"/>
+              </a:defRPr>
+            </a:lvl2pPr>
+            <a:lvl3pPr marL="1143000" indent="-182880" algn="l" defTabSz="914400" rtl="0" eaLnBrk="1" latinLnBrk="0" hangingPunct="1">
+              <a:lnSpc>
+                <a:spcPct val="90000"/>
+              </a:lnSpc>
+              <a:spcBef>
+                <a:spcPts val="250"/>
+              </a:spcBef>
+              <a:spcAft>
+                <a:spcPts val="250"/>
+              </a:spcAft>
+              <a:buClr>
+                <a:schemeClr val="accent1"/>
+              </a:buClr>
+              <a:buFont typeface="Wingdings 2" pitchFamily="18" charset="2"/>
+              <a:buChar char=""/>
+              <a:defRPr sz="1600" kern="1200">
+                <a:solidFill>
+                  <a:schemeClr val="tx1">
+                    <a:lumMod val="65000"/>
+                    <a:lumOff val="35000"/>
+                  </a:schemeClr>
+                </a:solidFill>
+                <a:latin typeface="+mn-lt"/>
+                <a:ea typeface="+mn-ea"/>
+                <a:cs typeface="+mn-cs"/>
+              </a:defRPr>
+            </a:lvl3pPr>
+            <a:lvl4pPr marL="1600200" indent="-182880" algn="l" defTabSz="914400" rtl="0" eaLnBrk="1" latinLnBrk="0" hangingPunct="1">
+              <a:lnSpc>
+                <a:spcPct val="90000"/>
+              </a:lnSpc>
+              <a:spcBef>
+                <a:spcPts val="250"/>
+              </a:spcBef>
+              <a:spcAft>
+                <a:spcPts val="250"/>
+              </a:spcAft>
+              <a:buClr>
+                <a:schemeClr val="accent1"/>
+              </a:buClr>
+              <a:buFont typeface="Wingdings 2" pitchFamily="18" charset="2"/>
+              <a:buChar char=""/>
+              <a:defRPr sz="1400" kern="1200">
+                <a:solidFill>
+                  <a:schemeClr val="tx1">
+                    <a:lumMod val="65000"/>
+                    <a:lumOff val="35000"/>
+                  </a:schemeClr>
+                </a:solidFill>
+                <a:latin typeface="+mn-lt"/>
+                <a:ea typeface="+mn-ea"/>
+                <a:cs typeface="+mn-cs"/>
+              </a:defRPr>
+            </a:lvl4pPr>
+            <a:lvl5pPr marL="2057400" indent="-182880" algn="l" defTabSz="914400" rtl="0" eaLnBrk="1" latinLnBrk="0" hangingPunct="1">
+              <a:lnSpc>
+                <a:spcPct val="90000"/>
+              </a:lnSpc>
+              <a:spcBef>
+                <a:spcPts val="250"/>
+              </a:spcBef>
+              <a:spcAft>
+                <a:spcPts val="250"/>
+              </a:spcAft>
+              <a:buClr>
+                <a:schemeClr val="accent1"/>
+              </a:buClr>
+              <a:buFont typeface="Wingdings 2" pitchFamily="18" charset="2"/>
+              <a:buChar char=""/>
+              <a:defRPr sz="1400" kern="1200">
+                <a:solidFill>
+                  <a:schemeClr val="tx1">
+                    <a:lumMod val="65000"/>
+                    <a:lumOff val="35000"/>
+                  </a:schemeClr>
+                </a:solidFill>
+                <a:latin typeface="+mn-lt"/>
+                <a:ea typeface="+mn-ea"/>
+                <a:cs typeface="+mn-cs"/>
+              </a:defRPr>
+            </a:lvl5pPr>
+            <a:lvl6pPr marL="2514600" indent="-228600" algn="l" defTabSz="914400" rtl="0" eaLnBrk="1" latinLnBrk="0" hangingPunct="1">
+              <a:lnSpc>
+                <a:spcPct val="90000"/>
+              </a:lnSpc>
+              <a:spcBef>
+                <a:spcPts val="250"/>
+              </a:spcBef>
+              <a:spcAft>
+                <a:spcPts val="250"/>
+              </a:spcAft>
+              <a:buClr>
+                <a:schemeClr val="accent1"/>
+              </a:buClr>
+              <a:buFont typeface="Wingdings 2" pitchFamily="18" charset="2"/>
+              <a:buChar char=""/>
+              <a:defRPr sz="1400" kern="1200">
+                <a:solidFill>
+                  <a:schemeClr val="tx1">
+                    <a:lumMod val="65000"/>
+                    <a:lumOff val="35000"/>
+                  </a:schemeClr>
+                </a:solidFill>
+                <a:latin typeface="+mn-lt"/>
+                <a:ea typeface="+mn-ea"/>
+                <a:cs typeface="+mn-cs"/>
+              </a:defRPr>
+            </a:lvl6pPr>
+            <a:lvl7pPr marL="2971800" indent="-228600" algn="l" defTabSz="914400" rtl="0" eaLnBrk="1" latinLnBrk="0" hangingPunct="1">
+              <a:lnSpc>
+                <a:spcPct val="90000"/>
+              </a:lnSpc>
+              <a:spcBef>
+                <a:spcPts val="250"/>
+              </a:spcBef>
+              <a:spcAft>
+                <a:spcPts val="250"/>
+              </a:spcAft>
+              <a:buClr>
+                <a:schemeClr val="accent1"/>
+              </a:buClr>
+              <a:buFont typeface="Wingdings 2" pitchFamily="18" charset="2"/>
+              <a:buChar char=""/>
+              <a:defRPr sz="1400" kern="1200">
+                <a:solidFill>
+                  <a:schemeClr val="tx1">
+                    <a:lumMod val="65000"/>
+                    <a:lumOff val="35000"/>
+                  </a:schemeClr>
+                </a:solidFill>
+                <a:latin typeface="+mn-lt"/>
+                <a:ea typeface="+mn-ea"/>
+                <a:cs typeface="+mn-cs"/>
+              </a:defRPr>
+            </a:lvl7pPr>
+            <a:lvl8pPr marL="3429000" indent="-228600" algn="l" defTabSz="914400" rtl="0" eaLnBrk="1" latinLnBrk="0" hangingPunct="1">
+              <a:lnSpc>
+                <a:spcPct val="90000"/>
+              </a:lnSpc>
+              <a:spcBef>
+                <a:spcPts val="250"/>
+              </a:spcBef>
+              <a:spcAft>
+                <a:spcPts val="250"/>
+              </a:spcAft>
+              <a:buClr>
+                <a:schemeClr val="accent1"/>
+              </a:buClr>
+              <a:buFont typeface="Wingdings 2" pitchFamily="18" charset="2"/>
+              <a:buChar char=""/>
+              <a:defRPr sz="1400" kern="1200">
+                <a:solidFill>
+                  <a:schemeClr val="tx1">
+                    <a:lumMod val="65000"/>
+                    <a:lumOff val="35000"/>
+                  </a:schemeClr>
+                </a:solidFill>
+                <a:latin typeface="+mn-lt"/>
+                <a:ea typeface="+mn-ea"/>
+                <a:cs typeface="+mn-cs"/>
+              </a:defRPr>
+            </a:lvl8pPr>
+            <a:lvl9pPr marL="3886200" indent="-228600" algn="l" defTabSz="914400" rtl="0" eaLnBrk="1" latinLnBrk="0" hangingPunct="1">
+              <a:lnSpc>
+                <a:spcPct val="90000"/>
+              </a:lnSpc>
+              <a:spcBef>
+                <a:spcPts val="250"/>
+              </a:spcBef>
+              <a:spcAft>
+                <a:spcPts val="250"/>
+              </a:spcAft>
+              <a:buClr>
+                <a:schemeClr val="accent1"/>
+              </a:buClr>
+              <a:buFont typeface="Wingdings 2" pitchFamily="18" charset="2"/>
+              <a:buChar char=""/>
+              <a:defRPr sz="1400" kern="1200">
+                <a:solidFill>
+                  <a:schemeClr val="tx1">
+                    <a:lumMod val="65000"/>
+                    <a:lumOff val="35000"/>
+                  </a:schemeClr>
+                </a:solidFill>
+                <a:latin typeface="+mn-lt"/>
+                <a:ea typeface="+mn-ea"/>
+                <a:cs typeface="+mn-cs"/>
+              </a:defRPr>
+            </a:lvl9pPr>
+          </a:lstStyle>
+          <a:p>
+            <a:pPr marL="0" indent="0">
+              <a:buFont typeface="Wingdings 2" pitchFamily="18" charset="2"/>
+              <a:buNone/>
+            </a:pPr>
+            <a:endParaRPr lang="en-US" sz="1400" dirty="0">
+              <a:latin typeface="Consolas" panose="020B0609020204030204" pitchFamily="49" charset="0"/>
+            </a:endParaRPr>
+          </a:p>
+        </p:txBody>
+      </p:sp>
+      <p:graphicFrame>
+        <p:nvGraphicFramePr>
+          <p:cNvPr id="6" name="Table 5"/>
+          <p:cNvGraphicFramePr>
+            <a:graphicFrameLocks noGrp="1"/>
+          </p:cNvGraphicFramePr>
+          <p:nvPr>
+            <p:extLst>
+              <p:ext uri="{D42A27DB-BD31-4B8C-83A1-F6EECF244321}">
+                <p14:modId xmlns:p14="http://schemas.microsoft.com/office/powerpoint/2010/main" val="3808385239"/>
+              </p:ext>
+            </p:extLst>
+          </p:nvPr>
+        </p:nvGraphicFramePr>
+        <p:xfrm>
+          <a:off x="3898231" y="1764634"/>
+          <a:ext cx="7438637" cy="4723981"/>
+        </p:xfrm>
+        <a:graphic>
+          <a:graphicData uri="http://schemas.openxmlformats.org/drawingml/2006/table">
+            <a:tbl>
+              <a:tblPr/>
+              <a:tblGrid>
+                <a:gridCol w="1245137">
+                  <a:extLst>
+                    <a:ext uri="{9D8B030D-6E8A-4147-A177-3AD203B41FA5}">
+                      <a16:colId xmlns:a16="http://schemas.microsoft.com/office/drawing/2014/main" val="2335864017"/>
+                    </a:ext>
+                  </a:extLst>
+                </a:gridCol>
+                <a:gridCol w="1493449">
+                  <a:extLst>
+                    <a:ext uri="{9D8B030D-6E8A-4147-A177-3AD203B41FA5}">
+                      <a16:colId xmlns:a16="http://schemas.microsoft.com/office/drawing/2014/main" val="3676223278"/>
+                    </a:ext>
+                  </a:extLst>
+                </a:gridCol>
+                <a:gridCol w="3293330">
+                  <a:extLst>
+                    <a:ext uri="{9D8B030D-6E8A-4147-A177-3AD203B41FA5}">
+                      <a16:colId xmlns:a16="http://schemas.microsoft.com/office/drawing/2014/main" val="533659802"/>
+                    </a:ext>
+                  </a:extLst>
+                </a:gridCol>
+                <a:gridCol w="1406721">
+                  <a:extLst>
+                    <a:ext uri="{9D8B030D-6E8A-4147-A177-3AD203B41FA5}">
+                      <a16:colId xmlns:a16="http://schemas.microsoft.com/office/drawing/2014/main" val="2211324056"/>
+                    </a:ext>
+                  </a:extLst>
+                </a:gridCol>
+              </a:tblGrid>
+              <a:tr h="401652">
+                <a:tc>
+                  <a:txBody>
+                    <a:bodyPr/>
+                    <a:lstStyle/>
+                    <a:p>
+                      <a:pPr algn="l" fontAlgn="t"/>
+                      <a:r>
+                        <a:rPr lang="en-US" sz="1700" dirty="0">
+                          <a:effectLst/>
+                        </a:rPr>
+                        <a:t>Operator</a:t>
+                      </a:r>
+                    </a:p>
+                  </a:txBody>
+                  <a:tcPr marL="146322" marR="73161" marT="73161" marB="73161">
+                    <a:lnL>
+                      <a:noFill/>
+                    </a:lnL>
+                    <a:lnR>
+                      <a:noFill/>
+                    </a:lnR>
+                    <a:lnT>
+                      <a:noFill/>
+                    </a:lnT>
+                    <a:lnB w="9525" cap="flat" cmpd="sng" algn="ctr">
+                      <a:solidFill>
+                        <a:srgbClr val="DDDDDD"/>
+                      </a:solidFill>
+                      <a:prstDash val="solid"/>
+                      <a:round/>
+                      <a:headEnd type="none" w="med" len="med"/>
+                      <a:tailEnd type="none" w="med" len="med"/>
+                    </a:lnB>
+                    <a:solidFill>
+                      <a:srgbClr val="FFFFFF"/>
+                    </a:solidFill>
+                  </a:tcPr>
+                </a:tc>
+                <a:tc>
+                  <a:txBody>
+                    <a:bodyPr/>
+                    <a:lstStyle/>
+                    <a:p>
+                      <a:pPr algn="l" fontAlgn="t"/>
+                      <a:r>
+                        <a:rPr lang="en-US" sz="1700">
+                          <a:effectLst/>
+                        </a:rPr>
+                        <a:t>Name</a:t>
+                      </a:r>
+                    </a:p>
+                  </a:txBody>
+                  <a:tcPr marL="73161" marR="73161" marT="73161" marB="73161">
+                    <a:lnL>
+                      <a:noFill/>
+                    </a:lnL>
+                    <a:lnR>
+                      <a:noFill/>
+                    </a:lnR>
+                    <a:lnT>
+                      <a:noFill/>
+                    </a:lnT>
+                    <a:lnB w="9525" cap="flat" cmpd="sng" algn="ctr">
+                      <a:solidFill>
+                        <a:srgbClr val="DDDDDD"/>
+                      </a:solidFill>
+                      <a:prstDash val="solid"/>
+                      <a:round/>
+                      <a:headEnd type="none" w="med" len="med"/>
+                      <a:tailEnd type="none" w="med" len="med"/>
+                    </a:lnB>
+                    <a:solidFill>
+                      <a:srgbClr val="FFFFFF"/>
+                    </a:solidFill>
+                  </a:tcPr>
+                </a:tc>
+                <a:tc>
+                  <a:txBody>
+                    <a:bodyPr/>
+                    <a:lstStyle/>
+                    <a:p>
+                      <a:pPr algn="l" fontAlgn="t"/>
+                      <a:r>
+                        <a:rPr lang="en-US" sz="1700" dirty="0">
+                          <a:effectLst/>
+                        </a:rPr>
+                        <a:t>Description</a:t>
+                      </a:r>
+                    </a:p>
+                  </a:txBody>
+                  <a:tcPr marL="73161" marR="73161" marT="73161" marB="73161">
+                    <a:lnL>
+                      <a:noFill/>
+                    </a:lnL>
+                    <a:lnR>
+                      <a:noFill/>
+                    </a:lnR>
+                    <a:lnT>
+                      <a:noFill/>
+                    </a:lnT>
+                    <a:lnB w="9525" cap="flat" cmpd="sng" algn="ctr">
+                      <a:solidFill>
+                        <a:srgbClr val="DDDDDD"/>
+                      </a:solidFill>
+                      <a:prstDash val="solid"/>
+                      <a:round/>
+                      <a:headEnd type="none" w="med" len="med"/>
+                      <a:tailEnd type="none" w="med" len="med"/>
+                    </a:lnB>
+                    <a:solidFill>
+                      <a:srgbClr val="FFFFFF"/>
+                    </a:solidFill>
+                  </a:tcPr>
+                </a:tc>
+                <a:tc>
+                  <a:txBody>
+                    <a:bodyPr/>
+                    <a:lstStyle/>
+                    <a:p>
+                      <a:pPr algn="l" fontAlgn="t"/>
+                      <a:r>
+                        <a:rPr lang="en-US" sz="1700">
+                          <a:effectLst/>
+                        </a:rPr>
+                        <a:t>Example</a:t>
+                      </a:r>
+                    </a:p>
+                  </a:txBody>
+                  <a:tcPr marL="73161" marR="73161" marT="73161" marB="73161">
+                    <a:lnL>
+                      <a:noFill/>
+                    </a:lnL>
+                    <a:lnR>
+                      <a:noFill/>
+                    </a:lnR>
+                    <a:lnT>
+                      <a:noFill/>
+                    </a:lnT>
+                    <a:lnB w="9525" cap="flat" cmpd="sng" algn="ctr">
+                      <a:solidFill>
+                        <a:srgbClr val="DDDDDD"/>
+                      </a:solidFill>
+                      <a:prstDash val="solid"/>
+                      <a:round/>
+                      <a:headEnd type="none" w="med" len="med"/>
+                      <a:tailEnd type="none" w="med" len="med"/>
+                    </a:lnB>
+                    <a:solidFill>
+                      <a:srgbClr val="FFFFFF"/>
+                    </a:solidFill>
+                  </a:tcPr>
+                </a:tc>
+                <a:extLst>
+                  <a:ext uri="{0D108BD9-81ED-4DB2-BD59-A6C34878D82A}">
+                    <a16:rowId xmlns:a16="http://schemas.microsoft.com/office/drawing/2014/main" val="340516316"/>
+                  </a:ext>
+                </a:extLst>
+              </a:tr>
+              <a:tr h="597923">
+                <a:tc>
+                  <a:txBody>
+                    <a:bodyPr/>
+                    <a:lstStyle/>
+                    <a:p>
+                      <a:pPr algn="l" fontAlgn="t"/>
+                      <a:r>
+                        <a:rPr lang="en-US" sz="1700">
+                          <a:effectLst/>
+                        </a:rPr>
+                        <a:t>+</a:t>
+                      </a:r>
+                    </a:p>
+                  </a:txBody>
+                  <a:tcPr marL="146322" marR="73161" marT="73161" marB="73161">
+                    <a:lnL>
+                      <a:noFill/>
+                    </a:lnL>
+                    <a:lnR>
+                      <a:noFill/>
+                    </a:lnR>
+                    <a:lnT w="9525" cap="flat" cmpd="sng" algn="ctr">
+                      <a:solidFill>
+                        <a:srgbClr val="DDDDDD"/>
+                      </a:solidFill>
+                      <a:prstDash val="solid"/>
+                      <a:round/>
+                      <a:headEnd type="none" w="med" len="med"/>
+                      <a:tailEnd type="none" w="med" len="med"/>
+                    </a:lnT>
+                    <a:lnB w="9525" cap="flat" cmpd="sng" algn="ctr">
+                      <a:solidFill>
+                        <a:srgbClr val="DDDDDD"/>
+                      </a:solidFill>
+                      <a:prstDash val="solid"/>
+                      <a:round/>
+                      <a:headEnd type="none" w="med" len="med"/>
+                      <a:tailEnd type="none" w="med" len="med"/>
+                    </a:lnB>
+                    <a:solidFill>
+                      <a:srgbClr val="E7E9EB"/>
+                    </a:solidFill>
+                  </a:tcPr>
+                </a:tc>
+                <a:tc>
+                  <a:txBody>
+                    <a:bodyPr/>
+                    <a:lstStyle/>
+                    <a:p>
+                      <a:pPr algn="l" fontAlgn="t"/>
+                      <a:r>
+                        <a:rPr lang="en-US" sz="1700">
+                          <a:effectLst/>
+                        </a:rPr>
+                        <a:t>Addition</a:t>
+                      </a:r>
+                    </a:p>
+                  </a:txBody>
+                  <a:tcPr marL="73161" marR="73161" marT="73161" marB="73161">
+                    <a:lnL>
+                      <a:noFill/>
+                    </a:lnL>
+                    <a:lnR>
+                      <a:noFill/>
+                    </a:lnR>
+                    <a:lnT w="9525" cap="flat" cmpd="sng" algn="ctr">
+                      <a:solidFill>
+                        <a:srgbClr val="DDDDDD"/>
+                      </a:solidFill>
+                      <a:prstDash val="solid"/>
+                      <a:round/>
+                      <a:headEnd type="none" w="med" len="med"/>
+                      <a:tailEnd type="none" w="med" len="med"/>
+                    </a:lnT>
+                    <a:lnB w="9525" cap="flat" cmpd="sng" algn="ctr">
+                      <a:solidFill>
+                        <a:srgbClr val="DDDDDD"/>
+                      </a:solidFill>
+                      <a:prstDash val="solid"/>
+                      <a:round/>
+                      <a:headEnd type="none" w="med" len="med"/>
+                      <a:tailEnd type="none" w="med" len="med"/>
+                    </a:lnB>
+                    <a:solidFill>
+                      <a:srgbClr val="E7E9EB"/>
+                    </a:solidFill>
+                  </a:tcPr>
+                </a:tc>
+                <a:tc>
+                  <a:txBody>
+                    <a:bodyPr/>
+                    <a:lstStyle/>
+                    <a:p>
+                      <a:pPr algn="l" fontAlgn="t"/>
+                      <a:r>
+                        <a:rPr lang="en-US" sz="1700" dirty="0">
+                          <a:effectLst/>
+                        </a:rPr>
+                        <a:t>Adds together two values</a:t>
+                      </a:r>
+                    </a:p>
+                  </a:txBody>
+                  <a:tcPr marL="73161" marR="73161" marT="73161" marB="73161">
+                    <a:lnL>
+                      <a:noFill/>
+                    </a:lnL>
+                    <a:lnR>
+                      <a:noFill/>
+                    </a:lnR>
+                    <a:lnT w="9525" cap="flat" cmpd="sng" algn="ctr">
+                      <a:solidFill>
+                        <a:srgbClr val="DDDDDD"/>
+                      </a:solidFill>
+                      <a:prstDash val="solid"/>
+                      <a:round/>
+                      <a:headEnd type="none" w="med" len="med"/>
+                      <a:tailEnd type="none" w="med" len="med"/>
+                    </a:lnT>
+                    <a:lnB w="9525" cap="flat" cmpd="sng" algn="ctr">
+                      <a:solidFill>
+                        <a:srgbClr val="DDDDDD"/>
+                      </a:solidFill>
+                      <a:prstDash val="solid"/>
+                      <a:round/>
+                      <a:headEnd type="none" w="med" len="med"/>
+                      <a:tailEnd type="none" w="med" len="med"/>
+                    </a:lnB>
+                    <a:solidFill>
+                      <a:srgbClr val="E7E9EB"/>
+                    </a:solidFill>
+                  </a:tcPr>
+                </a:tc>
+                <a:tc>
+                  <a:txBody>
+                    <a:bodyPr/>
+                    <a:lstStyle/>
+                    <a:p>
+                      <a:pPr algn="l" fontAlgn="t"/>
+                      <a:r>
+                        <a:rPr lang="en-US" sz="1700">
+                          <a:effectLst/>
+                        </a:rPr>
+                        <a:t>x + y</a:t>
+                      </a:r>
+                    </a:p>
+                  </a:txBody>
+                  <a:tcPr marL="73161" marR="73161" marT="73161" marB="73161">
+                    <a:lnL>
+                      <a:noFill/>
+                    </a:lnL>
+                    <a:lnR>
+                      <a:noFill/>
+                    </a:lnR>
+                    <a:lnT w="9525" cap="flat" cmpd="sng" algn="ctr">
+                      <a:solidFill>
+                        <a:srgbClr val="DDDDDD"/>
+                      </a:solidFill>
+                      <a:prstDash val="solid"/>
+                      <a:round/>
+                      <a:headEnd type="none" w="med" len="med"/>
+                      <a:tailEnd type="none" w="med" len="med"/>
+                    </a:lnT>
+                    <a:lnB w="9525" cap="flat" cmpd="sng" algn="ctr">
+                      <a:solidFill>
+                        <a:srgbClr val="DDDDDD"/>
+                      </a:solidFill>
+                      <a:prstDash val="solid"/>
+                      <a:round/>
+                      <a:headEnd type="none" w="med" len="med"/>
+                      <a:tailEnd type="none" w="med" len="med"/>
+                    </a:lnB>
+                    <a:solidFill>
+                      <a:srgbClr val="E7E9EB"/>
+                    </a:solidFill>
+                  </a:tcPr>
+                </a:tc>
+                <a:extLst>
+                  <a:ext uri="{0D108BD9-81ED-4DB2-BD59-A6C34878D82A}">
+                    <a16:rowId xmlns:a16="http://schemas.microsoft.com/office/drawing/2014/main" val="2002422121"/>
+                  </a:ext>
+                </a:extLst>
+              </a:tr>
+              <a:tr h="597923">
+                <a:tc>
+                  <a:txBody>
+                    <a:bodyPr/>
+                    <a:lstStyle/>
+                    <a:p>
+                      <a:pPr algn="l" fontAlgn="t"/>
+                      <a:r>
+                        <a:rPr lang="en-US" sz="1700">
+                          <a:effectLst/>
+                        </a:rPr>
+                        <a:t>-</a:t>
+                      </a:r>
+                    </a:p>
+                  </a:txBody>
+                  <a:tcPr marL="146322" marR="73161" marT="73161" marB="73161">
+                    <a:lnL>
+                      <a:noFill/>
+                    </a:lnL>
+                    <a:lnR>
+                      <a:noFill/>
+                    </a:lnR>
+                    <a:lnT w="9525" cap="flat" cmpd="sng" algn="ctr">
+                      <a:solidFill>
+                        <a:srgbClr val="DDDDDD"/>
+                      </a:solidFill>
+                      <a:prstDash val="solid"/>
+                      <a:round/>
+                      <a:headEnd type="none" w="med" len="med"/>
+                      <a:tailEnd type="none" w="med" len="med"/>
+                    </a:lnT>
+                    <a:lnB w="9525" cap="flat" cmpd="sng" algn="ctr">
+                      <a:solidFill>
+                        <a:srgbClr val="DDDDDD"/>
+                      </a:solidFill>
+                      <a:prstDash val="solid"/>
+                      <a:round/>
+                      <a:headEnd type="none" w="med" len="med"/>
+                      <a:tailEnd type="none" w="med" len="med"/>
+                    </a:lnB>
+                    <a:solidFill>
+                      <a:srgbClr val="FFFFFF"/>
+                    </a:solidFill>
+                  </a:tcPr>
+                </a:tc>
+                <a:tc>
+                  <a:txBody>
+                    <a:bodyPr/>
+                    <a:lstStyle/>
+                    <a:p>
+                      <a:pPr algn="l" fontAlgn="t"/>
+                      <a:r>
+                        <a:rPr lang="en-US" sz="1700" dirty="0">
+                          <a:effectLst/>
+                        </a:rPr>
+                        <a:t>Subtraction</a:t>
+                      </a:r>
+                    </a:p>
+                  </a:txBody>
+                  <a:tcPr marL="73161" marR="73161" marT="73161" marB="73161">
+                    <a:lnL>
+                      <a:noFill/>
+                    </a:lnL>
+                    <a:lnR>
+                      <a:noFill/>
+                    </a:lnR>
+                    <a:lnT w="9525" cap="flat" cmpd="sng" algn="ctr">
+                      <a:solidFill>
+                        <a:srgbClr val="DDDDDD"/>
+                      </a:solidFill>
+                      <a:prstDash val="solid"/>
+                      <a:round/>
+                      <a:headEnd type="none" w="med" len="med"/>
+                      <a:tailEnd type="none" w="med" len="med"/>
+                    </a:lnT>
+                    <a:lnB w="9525" cap="flat" cmpd="sng" algn="ctr">
+                      <a:solidFill>
+                        <a:srgbClr val="DDDDDD"/>
+                      </a:solidFill>
+                      <a:prstDash val="solid"/>
+                      <a:round/>
+                      <a:headEnd type="none" w="med" len="med"/>
+                      <a:tailEnd type="none" w="med" len="med"/>
+                    </a:lnB>
+                    <a:solidFill>
+                      <a:srgbClr val="FFFFFF"/>
+                    </a:solidFill>
+                  </a:tcPr>
+                </a:tc>
+                <a:tc>
+                  <a:txBody>
+                    <a:bodyPr/>
+                    <a:lstStyle/>
+                    <a:p>
+                      <a:pPr algn="l" fontAlgn="t"/>
+                      <a:r>
+                        <a:rPr lang="en-US" sz="1700">
+                          <a:effectLst/>
+                        </a:rPr>
+                        <a:t>Subtracts one value from another</a:t>
+                      </a:r>
+                    </a:p>
+                  </a:txBody>
+                  <a:tcPr marL="73161" marR="73161" marT="73161" marB="73161">
+                    <a:lnL>
+                      <a:noFill/>
+                    </a:lnL>
+                    <a:lnR>
+                      <a:noFill/>
+                    </a:lnR>
+                    <a:lnT w="9525" cap="flat" cmpd="sng" algn="ctr">
+                      <a:solidFill>
+                        <a:srgbClr val="DDDDDD"/>
+                      </a:solidFill>
+                      <a:prstDash val="solid"/>
+                      <a:round/>
+                      <a:headEnd type="none" w="med" len="med"/>
+                      <a:tailEnd type="none" w="med" len="med"/>
+                    </a:lnT>
+                    <a:lnB w="9525" cap="flat" cmpd="sng" algn="ctr">
+                      <a:solidFill>
+                        <a:srgbClr val="DDDDDD"/>
+                      </a:solidFill>
+                      <a:prstDash val="solid"/>
+                      <a:round/>
+                      <a:headEnd type="none" w="med" len="med"/>
+                      <a:tailEnd type="none" w="med" len="med"/>
+                    </a:lnB>
+                    <a:solidFill>
+                      <a:srgbClr val="FFFFFF"/>
+                    </a:solidFill>
+                  </a:tcPr>
+                </a:tc>
+                <a:tc>
+                  <a:txBody>
+                    <a:bodyPr/>
+                    <a:lstStyle/>
+                    <a:p>
+                      <a:pPr algn="l" fontAlgn="t"/>
+                      <a:r>
+                        <a:rPr lang="en-US" sz="1700">
+                          <a:effectLst/>
+                        </a:rPr>
+                        <a:t>x - y</a:t>
+                      </a:r>
+                    </a:p>
+                  </a:txBody>
+                  <a:tcPr marL="73161" marR="73161" marT="73161" marB="73161">
+                    <a:lnL>
+                      <a:noFill/>
+                    </a:lnL>
+                    <a:lnR>
+                      <a:noFill/>
+                    </a:lnR>
+                    <a:lnT w="9525" cap="flat" cmpd="sng" algn="ctr">
+                      <a:solidFill>
+                        <a:srgbClr val="DDDDDD"/>
+                      </a:solidFill>
+                      <a:prstDash val="solid"/>
+                      <a:round/>
+                      <a:headEnd type="none" w="med" len="med"/>
+                      <a:tailEnd type="none" w="med" len="med"/>
+                    </a:lnT>
+                    <a:lnB w="9525" cap="flat" cmpd="sng" algn="ctr">
+                      <a:solidFill>
+                        <a:srgbClr val="DDDDDD"/>
+                      </a:solidFill>
+                      <a:prstDash val="solid"/>
+                      <a:round/>
+                      <a:headEnd type="none" w="med" len="med"/>
+                      <a:tailEnd type="none" w="med" len="med"/>
+                    </a:lnB>
+                    <a:solidFill>
+                      <a:srgbClr val="FFFFFF"/>
+                    </a:solidFill>
+                  </a:tcPr>
+                </a:tc>
+                <a:extLst>
+                  <a:ext uri="{0D108BD9-81ED-4DB2-BD59-A6C34878D82A}">
+                    <a16:rowId xmlns:a16="http://schemas.microsoft.com/office/drawing/2014/main" val="2049708537"/>
+                  </a:ext>
+                </a:extLst>
+              </a:tr>
+              <a:tr h="597923">
+                <a:tc>
+                  <a:txBody>
+                    <a:bodyPr/>
+                    <a:lstStyle/>
+                    <a:p>
+                      <a:pPr algn="l" fontAlgn="t"/>
+                      <a:r>
+                        <a:rPr lang="en-US" sz="1700">
+                          <a:effectLst/>
+                        </a:rPr>
+                        <a:t>*</a:t>
+                      </a:r>
+                    </a:p>
+                  </a:txBody>
+                  <a:tcPr marL="146322" marR="73161" marT="73161" marB="73161">
+                    <a:lnL>
+                      <a:noFill/>
+                    </a:lnL>
+                    <a:lnR>
+                      <a:noFill/>
+                    </a:lnR>
+                    <a:lnT w="9525" cap="flat" cmpd="sng" algn="ctr">
+                      <a:solidFill>
+                        <a:srgbClr val="DDDDDD"/>
+                      </a:solidFill>
+                      <a:prstDash val="solid"/>
+                      <a:round/>
+                      <a:headEnd type="none" w="med" len="med"/>
+                      <a:tailEnd type="none" w="med" len="med"/>
+                    </a:lnT>
+                    <a:lnB w="9525" cap="flat" cmpd="sng" algn="ctr">
+                      <a:solidFill>
+                        <a:srgbClr val="DDDDDD"/>
+                      </a:solidFill>
+                      <a:prstDash val="solid"/>
+                      <a:round/>
+                      <a:headEnd type="none" w="med" len="med"/>
+                      <a:tailEnd type="none" w="med" len="med"/>
+                    </a:lnB>
+                    <a:solidFill>
+                      <a:srgbClr val="E7E9EB"/>
+                    </a:solidFill>
+                  </a:tcPr>
+                </a:tc>
+                <a:tc>
+                  <a:txBody>
+                    <a:bodyPr/>
+                    <a:lstStyle/>
+                    <a:p>
+                      <a:pPr algn="l" fontAlgn="t"/>
+                      <a:r>
+                        <a:rPr lang="en-US" sz="1700">
+                          <a:effectLst/>
+                        </a:rPr>
+                        <a:t>Multiplication</a:t>
+                      </a:r>
+                    </a:p>
+                  </a:txBody>
+                  <a:tcPr marL="73161" marR="73161" marT="73161" marB="73161">
+                    <a:lnL>
+                      <a:noFill/>
+                    </a:lnL>
+                    <a:lnR>
+                      <a:noFill/>
+                    </a:lnR>
+                    <a:lnT w="9525" cap="flat" cmpd="sng" algn="ctr">
+                      <a:solidFill>
+                        <a:srgbClr val="DDDDDD"/>
+                      </a:solidFill>
+                      <a:prstDash val="solid"/>
+                      <a:round/>
+                      <a:headEnd type="none" w="med" len="med"/>
+                      <a:tailEnd type="none" w="med" len="med"/>
+                    </a:lnT>
+                    <a:lnB w="9525" cap="flat" cmpd="sng" algn="ctr">
+                      <a:solidFill>
+                        <a:srgbClr val="DDDDDD"/>
+                      </a:solidFill>
+                      <a:prstDash val="solid"/>
+                      <a:round/>
+                      <a:headEnd type="none" w="med" len="med"/>
+                      <a:tailEnd type="none" w="med" len="med"/>
+                    </a:lnB>
+                    <a:solidFill>
+                      <a:srgbClr val="E7E9EB"/>
+                    </a:solidFill>
+                  </a:tcPr>
+                </a:tc>
+                <a:tc>
+                  <a:txBody>
+                    <a:bodyPr/>
+                    <a:lstStyle/>
+                    <a:p>
+                      <a:pPr algn="l" fontAlgn="t"/>
+                      <a:r>
+                        <a:rPr lang="en-US" sz="1700" dirty="0">
+                          <a:effectLst/>
+                        </a:rPr>
+                        <a:t>Multiplies two values</a:t>
+                      </a:r>
+                    </a:p>
+                  </a:txBody>
+                  <a:tcPr marL="73161" marR="73161" marT="73161" marB="73161">
+                    <a:lnL>
+                      <a:noFill/>
+                    </a:lnL>
+                    <a:lnR>
+                      <a:noFill/>
+                    </a:lnR>
+                    <a:lnT w="9525" cap="flat" cmpd="sng" algn="ctr">
+                      <a:solidFill>
+                        <a:srgbClr val="DDDDDD"/>
+                      </a:solidFill>
+                      <a:prstDash val="solid"/>
+                      <a:round/>
+                      <a:headEnd type="none" w="med" len="med"/>
+                      <a:tailEnd type="none" w="med" len="med"/>
+                    </a:lnT>
+                    <a:lnB w="9525" cap="flat" cmpd="sng" algn="ctr">
+                      <a:solidFill>
+                        <a:srgbClr val="DDDDDD"/>
+                      </a:solidFill>
+                      <a:prstDash val="solid"/>
+                      <a:round/>
+                      <a:headEnd type="none" w="med" len="med"/>
+                      <a:tailEnd type="none" w="med" len="med"/>
+                    </a:lnB>
+                    <a:solidFill>
+                      <a:srgbClr val="E7E9EB"/>
+                    </a:solidFill>
+                  </a:tcPr>
+                </a:tc>
+                <a:tc>
+                  <a:txBody>
+                    <a:bodyPr/>
+                    <a:lstStyle/>
+                    <a:p>
+                      <a:pPr algn="l" fontAlgn="t"/>
+                      <a:r>
+                        <a:rPr lang="en-US" sz="1700">
+                          <a:effectLst/>
+                        </a:rPr>
+                        <a:t>x * y</a:t>
+                      </a:r>
+                    </a:p>
+                  </a:txBody>
+                  <a:tcPr marL="73161" marR="73161" marT="73161" marB="73161">
+                    <a:lnL>
+                      <a:noFill/>
+                    </a:lnL>
+                    <a:lnR>
+                      <a:noFill/>
+                    </a:lnR>
+                    <a:lnT w="9525" cap="flat" cmpd="sng" algn="ctr">
+                      <a:solidFill>
+                        <a:srgbClr val="DDDDDD"/>
+                      </a:solidFill>
+                      <a:prstDash val="solid"/>
+                      <a:round/>
+                      <a:headEnd type="none" w="med" len="med"/>
+                      <a:tailEnd type="none" w="med" len="med"/>
+                    </a:lnT>
+                    <a:lnB w="9525" cap="flat" cmpd="sng" algn="ctr">
+                      <a:solidFill>
+                        <a:srgbClr val="DDDDDD"/>
+                      </a:solidFill>
+                      <a:prstDash val="solid"/>
+                      <a:round/>
+                      <a:headEnd type="none" w="med" len="med"/>
+                      <a:tailEnd type="none" w="med" len="med"/>
+                    </a:lnB>
+                    <a:solidFill>
+                      <a:srgbClr val="E7E9EB"/>
+                    </a:solidFill>
+                  </a:tcPr>
+                </a:tc>
+                <a:extLst>
+                  <a:ext uri="{0D108BD9-81ED-4DB2-BD59-A6C34878D82A}">
+                    <a16:rowId xmlns:a16="http://schemas.microsoft.com/office/drawing/2014/main" val="1337987553"/>
+                  </a:ext>
+                </a:extLst>
+              </a:tr>
+              <a:tr h="597923">
+                <a:tc>
+                  <a:txBody>
+                    <a:bodyPr/>
+                    <a:lstStyle/>
+                    <a:p>
+                      <a:pPr algn="l" fontAlgn="t"/>
+                      <a:r>
+                        <a:rPr lang="en-US" sz="1700">
+                          <a:effectLst/>
+                        </a:rPr>
+                        <a:t>/</a:t>
+                      </a:r>
+                    </a:p>
+                  </a:txBody>
+                  <a:tcPr marL="146322" marR="73161" marT="73161" marB="73161">
+                    <a:lnL>
+                      <a:noFill/>
+                    </a:lnL>
+                    <a:lnR>
+                      <a:noFill/>
+                    </a:lnR>
+                    <a:lnT w="9525" cap="flat" cmpd="sng" algn="ctr">
+                      <a:solidFill>
+                        <a:srgbClr val="DDDDDD"/>
+                      </a:solidFill>
+                      <a:prstDash val="solid"/>
+                      <a:round/>
+                      <a:headEnd type="none" w="med" len="med"/>
+                      <a:tailEnd type="none" w="med" len="med"/>
+                    </a:lnT>
+                    <a:lnB w="9525" cap="flat" cmpd="sng" algn="ctr">
+                      <a:solidFill>
+                        <a:srgbClr val="DDDDDD"/>
+                      </a:solidFill>
+                      <a:prstDash val="solid"/>
+                      <a:round/>
+                      <a:headEnd type="none" w="med" len="med"/>
+                      <a:tailEnd type="none" w="med" len="med"/>
+                    </a:lnB>
+                    <a:solidFill>
+                      <a:srgbClr val="FFFFFF"/>
+                    </a:solidFill>
+                  </a:tcPr>
+                </a:tc>
+                <a:tc>
+                  <a:txBody>
+                    <a:bodyPr/>
+                    <a:lstStyle/>
+                    <a:p>
+                      <a:pPr algn="l" fontAlgn="t"/>
+                      <a:r>
+                        <a:rPr lang="en-US" sz="1700">
+                          <a:effectLst/>
+                        </a:rPr>
+                        <a:t>Division</a:t>
+                      </a:r>
+                    </a:p>
+                  </a:txBody>
+                  <a:tcPr marL="73161" marR="73161" marT="73161" marB="73161">
+                    <a:lnL>
+                      <a:noFill/>
+                    </a:lnL>
+                    <a:lnR>
+                      <a:noFill/>
+                    </a:lnR>
+                    <a:lnT w="9525" cap="flat" cmpd="sng" algn="ctr">
+                      <a:solidFill>
+                        <a:srgbClr val="DDDDDD"/>
+                      </a:solidFill>
+                      <a:prstDash val="solid"/>
+                      <a:round/>
+                      <a:headEnd type="none" w="med" len="med"/>
+                      <a:tailEnd type="none" w="med" len="med"/>
+                    </a:lnT>
+                    <a:lnB w="9525" cap="flat" cmpd="sng" algn="ctr">
+                      <a:solidFill>
+                        <a:srgbClr val="DDDDDD"/>
+                      </a:solidFill>
+                      <a:prstDash val="solid"/>
+                      <a:round/>
+                      <a:headEnd type="none" w="med" len="med"/>
+                      <a:tailEnd type="none" w="med" len="med"/>
+                    </a:lnB>
+                    <a:solidFill>
+                      <a:srgbClr val="FFFFFF"/>
+                    </a:solidFill>
+                  </a:tcPr>
+                </a:tc>
+                <a:tc>
+                  <a:txBody>
+                    <a:bodyPr/>
+                    <a:lstStyle/>
+                    <a:p>
+                      <a:pPr algn="l" fontAlgn="t"/>
+                      <a:r>
+                        <a:rPr lang="en-US" sz="1700">
+                          <a:effectLst/>
+                        </a:rPr>
+                        <a:t>Divides one value by another</a:t>
+                      </a:r>
+                    </a:p>
+                  </a:txBody>
+                  <a:tcPr marL="73161" marR="73161" marT="73161" marB="73161">
+                    <a:lnL>
+                      <a:noFill/>
+                    </a:lnL>
+                    <a:lnR>
+                      <a:noFill/>
+                    </a:lnR>
+                    <a:lnT w="9525" cap="flat" cmpd="sng" algn="ctr">
+                      <a:solidFill>
+                        <a:srgbClr val="DDDDDD"/>
+                      </a:solidFill>
+                      <a:prstDash val="solid"/>
+                      <a:round/>
+                      <a:headEnd type="none" w="med" len="med"/>
+                      <a:tailEnd type="none" w="med" len="med"/>
+                    </a:lnT>
+                    <a:lnB w="9525" cap="flat" cmpd="sng" algn="ctr">
+                      <a:solidFill>
+                        <a:srgbClr val="DDDDDD"/>
+                      </a:solidFill>
+                      <a:prstDash val="solid"/>
+                      <a:round/>
+                      <a:headEnd type="none" w="med" len="med"/>
+                      <a:tailEnd type="none" w="med" len="med"/>
+                    </a:lnB>
+                    <a:solidFill>
+                      <a:srgbClr val="FFFFFF"/>
+                    </a:solidFill>
+                  </a:tcPr>
+                </a:tc>
+                <a:tc>
+                  <a:txBody>
+                    <a:bodyPr/>
+                    <a:lstStyle/>
+                    <a:p>
+                      <a:pPr algn="l" fontAlgn="t"/>
+                      <a:r>
+                        <a:rPr lang="en-US" sz="1700">
+                          <a:effectLst/>
+                        </a:rPr>
+                        <a:t>x / y</a:t>
+                      </a:r>
+                    </a:p>
+                  </a:txBody>
+                  <a:tcPr marL="73161" marR="73161" marT="73161" marB="73161">
+                    <a:lnL>
+                      <a:noFill/>
+                    </a:lnL>
+                    <a:lnR>
+                      <a:noFill/>
+                    </a:lnR>
+                    <a:lnT w="9525" cap="flat" cmpd="sng" algn="ctr">
+                      <a:solidFill>
+                        <a:srgbClr val="DDDDDD"/>
+                      </a:solidFill>
+                      <a:prstDash val="solid"/>
+                      <a:round/>
+                      <a:headEnd type="none" w="med" len="med"/>
+                      <a:tailEnd type="none" w="med" len="med"/>
+                    </a:lnT>
+                    <a:lnB w="9525" cap="flat" cmpd="sng" algn="ctr">
+                      <a:solidFill>
+                        <a:srgbClr val="DDDDDD"/>
+                      </a:solidFill>
+                      <a:prstDash val="solid"/>
+                      <a:round/>
+                      <a:headEnd type="none" w="med" len="med"/>
+                      <a:tailEnd type="none" w="med" len="med"/>
+                    </a:lnB>
+                    <a:solidFill>
+                      <a:srgbClr val="FFFFFF"/>
+                    </a:solidFill>
+                  </a:tcPr>
+                </a:tc>
+                <a:extLst>
+                  <a:ext uri="{0D108BD9-81ED-4DB2-BD59-A6C34878D82A}">
+                    <a16:rowId xmlns:a16="http://schemas.microsoft.com/office/drawing/2014/main" val="1525303722"/>
+                  </a:ext>
+                </a:extLst>
+              </a:tr>
+              <a:tr h="597923">
+                <a:tc>
+                  <a:txBody>
+                    <a:bodyPr/>
+                    <a:lstStyle/>
+                    <a:p>
+                      <a:pPr algn="l" fontAlgn="t"/>
+                      <a:r>
+                        <a:rPr lang="en-US" sz="1700">
+                          <a:effectLst/>
+                        </a:rPr>
+                        <a:t>%</a:t>
+                      </a:r>
+                    </a:p>
+                  </a:txBody>
+                  <a:tcPr marL="146322" marR="73161" marT="73161" marB="73161">
+                    <a:lnL>
+                      <a:noFill/>
+                    </a:lnL>
+                    <a:lnR>
+                      <a:noFill/>
+                    </a:lnR>
+                    <a:lnT w="9525" cap="flat" cmpd="sng" algn="ctr">
+                      <a:solidFill>
+                        <a:srgbClr val="DDDDDD"/>
+                      </a:solidFill>
+                      <a:prstDash val="solid"/>
+                      <a:round/>
+                      <a:headEnd type="none" w="med" len="med"/>
+                      <a:tailEnd type="none" w="med" len="med"/>
+                    </a:lnT>
+                    <a:lnB w="9525" cap="flat" cmpd="sng" algn="ctr">
+                      <a:solidFill>
+                        <a:srgbClr val="DDDDDD"/>
+                      </a:solidFill>
+                      <a:prstDash val="solid"/>
+                      <a:round/>
+                      <a:headEnd type="none" w="med" len="med"/>
+                      <a:tailEnd type="none" w="med" len="med"/>
+                    </a:lnB>
+                    <a:solidFill>
+                      <a:srgbClr val="E7E9EB"/>
+                    </a:solidFill>
+                  </a:tcPr>
+                </a:tc>
+                <a:tc>
+                  <a:txBody>
+                    <a:bodyPr/>
+                    <a:lstStyle/>
+                    <a:p>
+                      <a:pPr algn="l" fontAlgn="t"/>
+                      <a:r>
+                        <a:rPr lang="en-US" sz="1700">
+                          <a:effectLst/>
+                        </a:rPr>
+                        <a:t>Modulus</a:t>
+                      </a:r>
+                    </a:p>
+                  </a:txBody>
+                  <a:tcPr marL="73161" marR="73161" marT="73161" marB="73161">
+                    <a:lnL>
+                      <a:noFill/>
+                    </a:lnL>
+                    <a:lnR>
+                      <a:noFill/>
+                    </a:lnR>
+                    <a:lnT w="9525" cap="flat" cmpd="sng" algn="ctr">
+                      <a:solidFill>
+                        <a:srgbClr val="DDDDDD"/>
+                      </a:solidFill>
+                      <a:prstDash val="solid"/>
+                      <a:round/>
+                      <a:headEnd type="none" w="med" len="med"/>
+                      <a:tailEnd type="none" w="med" len="med"/>
+                    </a:lnT>
+                    <a:lnB w="9525" cap="flat" cmpd="sng" algn="ctr">
+                      <a:solidFill>
+                        <a:srgbClr val="DDDDDD"/>
+                      </a:solidFill>
+                      <a:prstDash val="solid"/>
+                      <a:round/>
+                      <a:headEnd type="none" w="med" len="med"/>
+                      <a:tailEnd type="none" w="med" len="med"/>
+                    </a:lnB>
+                    <a:solidFill>
+                      <a:srgbClr val="E7E9EB"/>
+                    </a:solidFill>
+                  </a:tcPr>
+                </a:tc>
+                <a:tc>
+                  <a:txBody>
+                    <a:bodyPr/>
+                    <a:lstStyle/>
+                    <a:p>
+                      <a:pPr algn="l" fontAlgn="t"/>
+                      <a:r>
+                        <a:rPr lang="en-US" sz="1700">
+                          <a:effectLst/>
+                        </a:rPr>
+                        <a:t>Returns the division remainder</a:t>
+                      </a:r>
+                    </a:p>
+                  </a:txBody>
+                  <a:tcPr marL="73161" marR="73161" marT="73161" marB="73161">
+                    <a:lnL>
+                      <a:noFill/>
+                    </a:lnL>
+                    <a:lnR>
+                      <a:noFill/>
+                    </a:lnR>
+                    <a:lnT w="9525" cap="flat" cmpd="sng" algn="ctr">
+                      <a:solidFill>
+                        <a:srgbClr val="DDDDDD"/>
+                      </a:solidFill>
+                      <a:prstDash val="solid"/>
+                      <a:round/>
+                      <a:headEnd type="none" w="med" len="med"/>
+                      <a:tailEnd type="none" w="med" len="med"/>
+                    </a:lnT>
+                    <a:lnB w="9525" cap="flat" cmpd="sng" algn="ctr">
+                      <a:solidFill>
+                        <a:srgbClr val="DDDDDD"/>
+                      </a:solidFill>
+                      <a:prstDash val="solid"/>
+                      <a:round/>
+                      <a:headEnd type="none" w="med" len="med"/>
+                      <a:tailEnd type="none" w="med" len="med"/>
+                    </a:lnB>
+                    <a:solidFill>
+                      <a:srgbClr val="E7E9EB"/>
+                    </a:solidFill>
+                  </a:tcPr>
+                </a:tc>
+                <a:tc>
+                  <a:txBody>
+                    <a:bodyPr/>
+                    <a:lstStyle/>
+                    <a:p>
+                      <a:pPr algn="l" fontAlgn="t"/>
+                      <a:r>
+                        <a:rPr lang="en-US" sz="1700">
+                          <a:effectLst/>
+                        </a:rPr>
+                        <a:t>x % y</a:t>
+                      </a:r>
+                    </a:p>
+                  </a:txBody>
+                  <a:tcPr marL="73161" marR="73161" marT="73161" marB="73161">
+                    <a:lnL>
+                      <a:noFill/>
+                    </a:lnL>
+                    <a:lnR>
+                      <a:noFill/>
+                    </a:lnR>
+                    <a:lnT w="9525" cap="flat" cmpd="sng" algn="ctr">
+                      <a:solidFill>
+                        <a:srgbClr val="DDDDDD"/>
+                      </a:solidFill>
+                      <a:prstDash val="solid"/>
+                      <a:round/>
+                      <a:headEnd type="none" w="med" len="med"/>
+                      <a:tailEnd type="none" w="med" len="med"/>
+                    </a:lnT>
+                    <a:lnB w="9525" cap="flat" cmpd="sng" algn="ctr">
+                      <a:solidFill>
+                        <a:srgbClr val="DDDDDD"/>
+                      </a:solidFill>
+                      <a:prstDash val="solid"/>
+                      <a:round/>
+                      <a:headEnd type="none" w="med" len="med"/>
+                      <a:tailEnd type="none" w="med" len="med"/>
+                    </a:lnB>
+                    <a:solidFill>
+                      <a:srgbClr val="E7E9EB"/>
+                    </a:solidFill>
+                  </a:tcPr>
+                </a:tc>
+                <a:extLst>
+                  <a:ext uri="{0D108BD9-81ED-4DB2-BD59-A6C34878D82A}">
+                    <a16:rowId xmlns:a16="http://schemas.microsoft.com/office/drawing/2014/main" val="4271258089"/>
+                  </a:ext>
+                </a:extLst>
+              </a:tr>
+              <a:tr h="658336">
+                <a:tc>
+                  <a:txBody>
+                    <a:bodyPr/>
+                    <a:lstStyle/>
+                    <a:p>
+                      <a:pPr algn="l" fontAlgn="t"/>
+                      <a:r>
+                        <a:rPr lang="en-US" sz="1700">
+                          <a:effectLst/>
+                        </a:rPr>
+                        <a:t>++</a:t>
+                      </a:r>
+                    </a:p>
+                  </a:txBody>
+                  <a:tcPr marL="146322" marR="73161" marT="73161" marB="73161">
+                    <a:lnL>
+                      <a:noFill/>
+                    </a:lnL>
+                    <a:lnR>
+                      <a:noFill/>
+                    </a:lnR>
+                    <a:lnT w="9525" cap="flat" cmpd="sng" algn="ctr">
+                      <a:solidFill>
+                        <a:srgbClr val="DDDDDD"/>
+                      </a:solidFill>
+                      <a:prstDash val="solid"/>
+                      <a:round/>
+                      <a:headEnd type="none" w="med" len="med"/>
+                      <a:tailEnd type="none" w="med" len="med"/>
+                    </a:lnT>
+                    <a:lnB w="9525" cap="flat" cmpd="sng" algn="ctr">
+                      <a:solidFill>
+                        <a:srgbClr val="DDDDDD"/>
+                      </a:solidFill>
+                      <a:prstDash val="solid"/>
+                      <a:round/>
+                      <a:headEnd type="none" w="med" len="med"/>
+                      <a:tailEnd type="none" w="med" len="med"/>
+                    </a:lnB>
+                    <a:solidFill>
+                      <a:srgbClr val="FFFFFF"/>
+                    </a:solidFill>
+                  </a:tcPr>
+                </a:tc>
+                <a:tc>
+                  <a:txBody>
+                    <a:bodyPr/>
+                    <a:lstStyle/>
+                    <a:p>
+                      <a:pPr algn="l" fontAlgn="t"/>
+                      <a:r>
+                        <a:rPr lang="en-US" sz="1700">
+                          <a:effectLst/>
+                        </a:rPr>
+                        <a:t>Increment</a:t>
+                      </a:r>
+                    </a:p>
+                  </a:txBody>
+                  <a:tcPr marL="73161" marR="73161" marT="73161" marB="73161">
+                    <a:lnL>
+                      <a:noFill/>
+                    </a:lnL>
+                    <a:lnR>
+                      <a:noFill/>
+                    </a:lnR>
+                    <a:lnT w="9525" cap="flat" cmpd="sng" algn="ctr">
+                      <a:solidFill>
+                        <a:srgbClr val="DDDDDD"/>
+                      </a:solidFill>
+                      <a:prstDash val="solid"/>
+                      <a:round/>
+                      <a:headEnd type="none" w="med" len="med"/>
+                      <a:tailEnd type="none" w="med" len="med"/>
+                    </a:lnT>
+                    <a:lnB w="9525" cap="flat" cmpd="sng" algn="ctr">
+                      <a:solidFill>
+                        <a:srgbClr val="DDDDDD"/>
+                      </a:solidFill>
+                      <a:prstDash val="solid"/>
+                      <a:round/>
+                      <a:headEnd type="none" w="med" len="med"/>
+                      <a:tailEnd type="none" w="med" len="med"/>
+                    </a:lnB>
+                    <a:solidFill>
+                      <a:srgbClr val="FFFFFF"/>
+                    </a:solidFill>
+                  </a:tcPr>
+                </a:tc>
+                <a:tc>
+                  <a:txBody>
+                    <a:bodyPr/>
+                    <a:lstStyle/>
+                    <a:p>
+                      <a:pPr algn="l" fontAlgn="t"/>
+                      <a:r>
+                        <a:rPr lang="en-US" sz="1700">
+                          <a:effectLst/>
+                        </a:rPr>
+                        <a:t>Increases the value of a variable by 1</a:t>
+                      </a:r>
+                    </a:p>
+                  </a:txBody>
+                  <a:tcPr marL="73161" marR="73161" marT="73161" marB="73161">
+                    <a:lnL>
+                      <a:noFill/>
+                    </a:lnL>
+                    <a:lnR>
+                      <a:noFill/>
+                    </a:lnR>
+                    <a:lnT w="9525" cap="flat" cmpd="sng" algn="ctr">
+                      <a:solidFill>
+                        <a:srgbClr val="DDDDDD"/>
+                      </a:solidFill>
+                      <a:prstDash val="solid"/>
+                      <a:round/>
+                      <a:headEnd type="none" w="med" len="med"/>
+                      <a:tailEnd type="none" w="med" len="med"/>
+                    </a:lnT>
+                    <a:lnB w="9525" cap="flat" cmpd="sng" algn="ctr">
+                      <a:solidFill>
+                        <a:srgbClr val="DDDDDD"/>
+                      </a:solidFill>
+                      <a:prstDash val="solid"/>
+                      <a:round/>
+                      <a:headEnd type="none" w="med" len="med"/>
+                      <a:tailEnd type="none" w="med" len="med"/>
+                    </a:lnB>
+                    <a:solidFill>
+                      <a:srgbClr val="FFFFFF"/>
+                    </a:solidFill>
+                  </a:tcPr>
+                </a:tc>
+                <a:tc>
+                  <a:txBody>
+                    <a:bodyPr/>
+                    <a:lstStyle/>
+                    <a:p>
+                      <a:pPr algn="l" fontAlgn="t"/>
+                      <a:r>
+                        <a:rPr lang="en-US" sz="1700">
+                          <a:effectLst/>
+                        </a:rPr>
+                        <a:t>++x</a:t>
+                      </a:r>
+                    </a:p>
+                  </a:txBody>
+                  <a:tcPr marL="73161" marR="73161" marT="73161" marB="73161">
+                    <a:lnL>
+                      <a:noFill/>
+                    </a:lnL>
+                    <a:lnR>
+                      <a:noFill/>
+                    </a:lnR>
+                    <a:lnT w="9525" cap="flat" cmpd="sng" algn="ctr">
+                      <a:solidFill>
+                        <a:srgbClr val="DDDDDD"/>
+                      </a:solidFill>
+                      <a:prstDash val="solid"/>
+                      <a:round/>
+                      <a:headEnd type="none" w="med" len="med"/>
+                      <a:tailEnd type="none" w="med" len="med"/>
+                    </a:lnT>
+                    <a:lnB w="9525" cap="flat" cmpd="sng" algn="ctr">
+                      <a:solidFill>
+                        <a:srgbClr val="DDDDDD"/>
+                      </a:solidFill>
+                      <a:prstDash val="solid"/>
+                      <a:round/>
+                      <a:headEnd type="none" w="med" len="med"/>
+                      <a:tailEnd type="none" w="med" len="med"/>
+                    </a:lnB>
+                    <a:solidFill>
+                      <a:srgbClr val="FFFFFF"/>
+                    </a:solidFill>
+                  </a:tcPr>
+                </a:tc>
+                <a:extLst>
+                  <a:ext uri="{0D108BD9-81ED-4DB2-BD59-A6C34878D82A}">
+                    <a16:rowId xmlns:a16="http://schemas.microsoft.com/office/drawing/2014/main" val="2663380923"/>
+                  </a:ext>
+                </a:extLst>
+              </a:tr>
+              <a:tr h="658336">
+                <a:tc>
+                  <a:txBody>
+                    <a:bodyPr/>
+                    <a:lstStyle/>
+                    <a:p>
+                      <a:pPr algn="l" fontAlgn="t"/>
+                      <a:r>
+                        <a:rPr lang="en-US" sz="1700">
+                          <a:effectLst/>
+                        </a:rPr>
+                        <a:t>--</a:t>
+                      </a:r>
+                    </a:p>
+                  </a:txBody>
+                  <a:tcPr marL="146322" marR="73161" marT="73161" marB="73161">
+                    <a:lnL>
+                      <a:noFill/>
+                    </a:lnL>
+                    <a:lnR>
+                      <a:noFill/>
+                    </a:lnR>
+                    <a:lnT w="9525" cap="flat" cmpd="sng" algn="ctr">
+                      <a:solidFill>
+                        <a:srgbClr val="DDDDDD"/>
+                      </a:solidFill>
+                      <a:prstDash val="solid"/>
+                      <a:round/>
+                      <a:headEnd type="none" w="med" len="med"/>
+                      <a:tailEnd type="none" w="med" len="med"/>
+                    </a:lnT>
+                    <a:lnB w="9525" cap="flat" cmpd="sng" algn="ctr">
+                      <a:solidFill>
+                        <a:srgbClr val="DDDDDD"/>
+                      </a:solidFill>
+                      <a:prstDash val="solid"/>
+                      <a:round/>
+                      <a:headEnd type="none" w="med" len="med"/>
+                      <a:tailEnd type="none" w="med" len="med"/>
+                    </a:lnB>
+                    <a:solidFill>
+                      <a:srgbClr val="E7E9EB"/>
+                    </a:solidFill>
+                  </a:tcPr>
+                </a:tc>
+                <a:tc>
+                  <a:txBody>
+                    <a:bodyPr/>
+                    <a:lstStyle/>
+                    <a:p>
+                      <a:pPr algn="l" fontAlgn="t"/>
+                      <a:r>
+                        <a:rPr lang="en-US" sz="1700">
+                          <a:effectLst/>
+                        </a:rPr>
+                        <a:t>Decrement</a:t>
+                      </a:r>
+                    </a:p>
+                  </a:txBody>
+                  <a:tcPr marL="73161" marR="73161" marT="73161" marB="73161">
+                    <a:lnL>
+                      <a:noFill/>
+                    </a:lnL>
+                    <a:lnR>
+                      <a:noFill/>
+                    </a:lnR>
+                    <a:lnT w="9525" cap="flat" cmpd="sng" algn="ctr">
+                      <a:solidFill>
+                        <a:srgbClr val="DDDDDD"/>
+                      </a:solidFill>
+                      <a:prstDash val="solid"/>
+                      <a:round/>
+                      <a:headEnd type="none" w="med" len="med"/>
+                      <a:tailEnd type="none" w="med" len="med"/>
+                    </a:lnT>
+                    <a:lnB w="9525" cap="flat" cmpd="sng" algn="ctr">
+                      <a:solidFill>
+                        <a:srgbClr val="DDDDDD"/>
+                      </a:solidFill>
+                      <a:prstDash val="solid"/>
+                      <a:round/>
+                      <a:headEnd type="none" w="med" len="med"/>
+                      <a:tailEnd type="none" w="med" len="med"/>
+                    </a:lnB>
+                    <a:solidFill>
+                      <a:srgbClr val="E7E9EB"/>
+                    </a:solidFill>
+                  </a:tcPr>
+                </a:tc>
+                <a:tc>
+                  <a:txBody>
+                    <a:bodyPr/>
+                    <a:lstStyle/>
+                    <a:p>
+                      <a:pPr algn="l" fontAlgn="t"/>
+                      <a:r>
+                        <a:rPr lang="en-US" sz="1700">
+                          <a:effectLst/>
+                        </a:rPr>
+                        <a:t>Decreases the value of a variable by 1</a:t>
+                      </a:r>
+                    </a:p>
+                  </a:txBody>
+                  <a:tcPr marL="73161" marR="73161" marT="73161" marB="73161">
+                    <a:lnL>
+                      <a:noFill/>
+                    </a:lnL>
+                    <a:lnR>
+                      <a:noFill/>
+                    </a:lnR>
+                    <a:lnT w="9525" cap="flat" cmpd="sng" algn="ctr">
+                      <a:solidFill>
+                        <a:srgbClr val="DDDDDD"/>
+                      </a:solidFill>
+                      <a:prstDash val="solid"/>
+                      <a:round/>
+                      <a:headEnd type="none" w="med" len="med"/>
+                      <a:tailEnd type="none" w="med" len="med"/>
+                    </a:lnT>
+                    <a:lnB w="9525" cap="flat" cmpd="sng" algn="ctr">
+                      <a:solidFill>
+                        <a:srgbClr val="DDDDDD"/>
+                      </a:solidFill>
+                      <a:prstDash val="solid"/>
+                      <a:round/>
+                      <a:headEnd type="none" w="med" len="med"/>
+                      <a:tailEnd type="none" w="med" len="med"/>
+                    </a:lnB>
+                    <a:solidFill>
+                      <a:srgbClr val="E7E9EB"/>
+                    </a:solidFill>
+                  </a:tcPr>
+                </a:tc>
+                <a:tc>
+                  <a:txBody>
+                    <a:bodyPr/>
+                    <a:lstStyle/>
+                    <a:p>
+                      <a:pPr algn="l" fontAlgn="t"/>
+                      <a:r>
+                        <a:rPr lang="en-US" sz="1700" dirty="0">
+                          <a:effectLst/>
+                        </a:rPr>
+                        <a:t>--x</a:t>
+                      </a:r>
+                    </a:p>
+                  </a:txBody>
+                  <a:tcPr marL="73161" marR="73161" marT="73161" marB="73161">
+                    <a:lnL>
+                      <a:noFill/>
+                    </a:lnL>
+                    <a:lnR>
+                      <a:noFill/>
+                    </a:lnR>
+                    <a:lnT w="9525" cap="flat" cmpd="sng" algn="ctr">
+                      <a:solidFill>
+                        <a:srgbClr val="DDDDDD"/>
+                      </a:solidFill>
+                      <a:prstDash val="solid"/>
+                      <a:round/>
+                      <a:headEnd type="none" w="med" len="med"/>
+                      <a:tailEnd type="none" w="med" len="med"/>
+                    </a:lnT>
+                    <a:lnB w="9525" cap="flat" cmpd="sng" algn="ctr">
+                      <a:solidFill>
+                        <a:srgbClr val="DDDDDD"/>
+                      </a:solidFill>
+                      <a:prstDash val="solid"/>
+                      <a:round/>
+                      <a:headEnd type="none" w="med" len="med"/>
+                      <a:tailEnd type="none" w="med" len="med"/>
+                    </a:lnB>
+                    <a:solidFill>
+                      <a:srgbClr val="E7E9EB"/>
+                    </a:solidFill>
+                  </a:tcPr>
+                </a:tc>
+                <a:extLst>
+                  <a:ext uri="{0D108BD9-81ED-4DB2-BD59-A6C34878D82A}">
+                    <a16:rowId xmlns:a16="http://schemas.microsoft.com/office/drawing/2014/main" val="1559413468"/>
+                  </a:ext>
+                </a:extLst>
+              </a:tr>
+            </a:tbl>
+          </a:graphicData>
+        </a:graphic>
+      </p:graphicFrame>
+    </p:spTree>
+    <p:extLst>
+      <p:ext uri="{BB962C8B-B14F-4D97-AF65-F5344CB8AC3E}">
+        <p14:creationId xmlns:p14="http://schemas.microsoft.com/office/powerpoint/2010/main" val="1324757391"/>
+      </p:ext>
+    </p:extLst>
+  </p:cSld>
+  <p:clrMapOvr>
+    <a:masterClrMapping/>
+  </p:clrMapOvr>
+  <p:timing>
+    <p:tnLst>
+      <p:par>
+        <p:cTn id="1" dur="indefinite" restart="never" nodeType="tmRoot"/>
+      </p:par>
+    </p:tnLst>
+  </p:timing>
+</p:sld>
+</file>
+
+<file path=ppt/slides/slide18.xml><?xml version="1.0" encoding="utf-8"?>
+<p:sld xmlns:a="http://schemas.openxmlformats.org/drawingml/2006/main" xmlns:r="http://schemas.openxmlformats.org/officeDocument/2006/relationships" xmlns:p="http://schemas.openxmlformats.org/presentationml/2006/main">
+  <p:cSld>
+    <p:spTree>
+      <p:nvGrpSpPr>
+        <p:cNvPr id="1" name=""/>
+        <p:cNvGrpSpPr/>
+        <p:nvPr/>
+      </p:nvGrpSpPr>
+      <p:grpSpPr>
+        <a:xfrm>
+          <a:off x="0" y="0"/>
+          <a:ext cx="0" cy="0"/>
+          <a:chOff x="0" y="0"/>
+          <a:chExt cx="0" cy="0"/>
+        </a:xfrm>
+      </p:grpSpPr>
+      <p:sp>
+        <p:nvSpPr>
+          <p:cNvPr id="2" name="Title 1"/>
+          <p:cNvSpPr>
+            <a:spLocks noGrp="1"/>
+          </p:cNvSpPr>
+          <p:nvPr>
+            <p:ph type="title"/>
+          </p:nvPr>
+        </p:nvSpPr>
+        <p:spPr>
+          <a:xfrm>
+            <a:off x="252919" y="1123837"/>
+            <a:ext cx="3103892" cy="4601183"/>
+          </a:xfrm>
+        </p:spPr>
+        <p:txBody>
+          <a:bodyPr/>
+          <a:lstStyle/>
+          <a:p>
+            <a:r>
+              <a:rPr lang="en-US" dirty="0"/>
+              <a:t>Java Operators</a:t>
+            </a:r>
+          </a:p>
+        </p:txBody>
+      </p:sp>
+      <p:sp>
+        <p:nvSpPr>
+          <p:cNvPr id="3" name="Content Placeholder 2"/>
+          <p:cNvSpPr>
+            <a:spLocks noGrp="1"/>
+          </p:cNvSpPr>
+          <p:nvPr>
+            <p:ph idx="1"/>
+          </p:nvPr>
+        </p:nvSpPr>
+        <p:spPr>
+          <a:xfrm>
+            <a:off x="3869268" y="765908"/>
+            <a:ext cx="7315200" cy="1135081"/>
+          </a:xfrm>
+        </p:spPr>
+        <p:txBody>
+          <a:bodyPr/>
+          <a:lstStyle/>
+          <a:p>
+            <a:r>
+              <a:rPr lang="en-US" dirty="0">
+                <a:solidFill>
+                  <a:schemeClr val="accent4"/>
+                </a:solidFill>
+              </a:rPr>
+              <a:t>Assignment Operators</a:t>
+            </a:r>
+            <a:endParaRPr lang="en-US" dirty="0" smtClean="0">
+              <a:solidFill>
+                <a:schemeClr val="accent4"/>
+              </a:solidFill>
+            </a:endParaRPr>
+          </a:p>
+        </p:txBody>
+      </p:sp>
+      <p:sp>
+        <p:nvSpPr>
+          <p:cNvPr id="5" name="Content Placeholder 2"/>
+          <p:cNvSpPr txBox="1">
+            <a:spLocks/>
+          </p:cNvSpPr>
+          <p:nvPr/>
+        </p:nvSpPr>
+        <p:spPr>
+          <a:xfrm>
+            <a:off x="4021668" y="1600200"/>
+            <a:ext cx="7315200" cy="4632569"/>
+          </a:xfrm>
+          <a:prstGeom prst="rect">
+            <a:avLst/>
+          </a:prstGeom>
+        </p:spPr>
+        <p:txBody>
+          <a:bodyPr vert="horz" lIns="91440" tIns="45720" rIns="91440" bIns="45720" rtlCol="0" anchor="ctr">
+            <a:normAutofit/>
+          </a:bodyPr>
+          <a:lstStyle>
+            <a:lvl1pPr marL="182880" indent="-182880" algn="l" defTabSz="914400" rtl="0" eaLnBrk="1" latinLnBrk="0" hangingPunct="1">
+              <a:lnSpc>
+                <a:spcPct val="90000"/>
+              </a:lnSpc>
+              <a:spcBef>
+                <a:spcPts val="1200"/>
+              </a:spcBef>
+              <a:buClr>
+                <a:schemeClr val="accent1"/>
+              </a:buClr>
+              <a:buFont typeface="Wingdings 2" pitchFamily="18" charset="2"/>
+              <a:buChar char=""/>
+              <a:defRPr sz="2000" kern="1200">
+                <a:solidFill>
+                  <a:schemeClr val="tx1">
+                    <a:lumMod val="65000"/>
+                    <a:lumOff val="35000"/>
+                  </a:schemeClr>
+                </a:solidFill>
+                <a:latin typeface="+mn-lt"/>
+                <a:ea typeface="+mn-ea"/>
+                <a:cs typeface="+mn-cs"/>
+              </a:defRPr>
+            </a:lvl1pPr>
+            <a:lvl2pPr marL="685800" indent="-182880" algn="l" defTabSz="914400" rtl="0" eaLnBrk="1" latinLnBrk="0" hangingPunct="1">
+              <a:lnSpc>
+                <a:spcPct val="90000"/>
+              </a:lnSpc>
+              <a:spcBef>
+                <a:spcPts val="250"/>
+              </a:spcBef>
+              <a:spcAft>
+                <a:spcPts val="250"/>
+              </a:spcAft>
+              <a:buClr>
+                <a:schemeClr val="accent1"/>
+              </a:buClr>
+              <a:buFont typeface="Wingdings 2" pitchFamily="18" charset="2"/>
+              <a:buChar char=""/>
+              <a:defRPr sz="1800" kern="1200">
+                <a:solidFill>
+                  <a:schemeClr val="tx1">
+                    <a:lumMod val="65000"/>
+                    <a:lumOff val="35000"/>
+                  </a:schemeClr>
+                </a:solidFill>
+                <a:latin typeface="+mn-lt"/>
+                <a:ea typeface="+mn-ea"/>
+                <a:cs typeface="+mn-cs"/>
+              </a:defRPr>
+            </a:lvl2pPr>
+            <a:lvl3pPr marL="1143000" indent="-182880" algn="l" defTabSz="914400" rtl="0" eaLnBrk="1" latinLnBrk="0" hangingPunct="1">
+              <a:lnSpc>
+                <a:spcPct val="90000"/>
+              </a:lnSpc>
+              <a:spcBef>
+                <a:spcPts val="250"/>
+              </a:spcBef>
+              <a:spcAft>
+                <a:spcPts val="250"/>
+              </a:spcAft>
+              <a:buClr>
+                <a:schemeClr val="accent1"/>
+              </a:buClr>
+              <a:buFont typeface="Wingdings 2" pitchFamily="18" charset="2"/>
+              <a:buChar char=""/>
+              <a:defRPr sz="1600" kern="1200">
+                <a:solidFill>
+                  <a:schemeClr val="tx1">
+                    <a:lumMod val="65000"/>
+                    <a:lumOff val="35000"/>
+                  </a:schemeClr>
+                </a:solidFill>
+                <a:latin typeface="+mn-lt"/>
+                <a:ea typeface="+mn-ea"/>
+                <a:cs typeface="+mn-cs"/>
+              </a:defRPr>
+            </a:lvl3pPr>
+            <a:lvl4pPr marL="1600200" indent="-182880" algn="l" defTabSz="914400" rtl="0" eaLnBrk="1" latinLnBrk="0" hangingPunct="1">
+              <a:lnSpc>
+                <a:spcPct val="90000"/>
+              </a:lnSpc>
+              <a:spcBef>
+                <a:spcPts val="250"/>
+              </a:spcBef>
+              <a:spcAft>
+                <a:spcPts val="250"/>
+              </a:spcAft>
+              <a:buClr>
+                <a:schemeClr val="accent1"/>
+              </a:buClr>
+              <a:buFont typeface="Wingdings 2" pitchFamily="18" charset="2"/>
+              <a:buChar char=""/>
+              <a:defRPr sz="1400" kern="1200">
+                <a:solidFill>
+                  <a:schemeClr val="tx1">
+                    <a:lumMod val="65000"/>
+                    <a:lumOff val="35000"/>
+                  </a:schemeClr>
+                </a:solidFill>
+                <a:latin typeface="+mn-lt"/>
+                <a:ea typeface="+mn-ea"/>
+                <a:cs typeface="+mn-cs"/>
+              </a:defRPr>
+            </a:lvl4pPr>
+            <a:lvl5pPr marL="2057400" indent="-182880" algn="l" defTabSz="914400" rtl="0" eaLnBrk="1" latinLnBrk="0" hangingPunct="1">
+              <a:lnSpc>
+                <a:spcPct val="90000"/>
+              </a:lnSpc>
+              <a:spcBef>
+                <a:spcPts val="250"/>
+              </a:spcBef>
+              <a:spcAft>
+                <a:spcPts val="250"/>
+              </a:spcAft>
+              <a:buClr>
+                <a:schemeClr val="accent1"/>
+              </a:buClr>
+              <a:buFont typeface="Wingdings 2" pitchFamily="18" charset="2"/>
+              <a:buChar char=""/>
+              <a:defRPr sz="1400" kern="1200">
+                <a:solidFill>
+                  <a:schemeClr val="tx1">
+                    <a:lumMod val="65000"/>
+                    <a:lumOff val="35000"/>
+                  </a:schemeClr>
+                </a:solidFill>
+                <a:latin typeface="+mn-lt"/>
+                <a:ea typeface="+mn-ea"/>
+                <a:cs typeface="+mn-cs"/>
+              </a:defRPr>
+            </a:lvl5pPr>
+            <a:lvl6pPr marL="2514600" indent="-228600" algn="l" defTabSz="914400" rtl="0" eaLnBrk="1" latinLnBrk="0" hangingPunct="1">
+              <a:lnSpc>
+                <a:spcPct val="90000"/>
+              </a:lnSpc>
+              <a:spcBef>
+                <a:spcPts val="250"/>
+              </a:spcBef>
+              <a:spcAft>
+                <a:spcPts val="250"/>
+              </a:spcAft>
+              <a:buClr>
+                <a:schemeClr val="accent1"/>
+              </a:buClr>
+              <a:buFont typeface="Wingdings 2" pitchFamily="18" charset="2"/>
+              <a:buChar char=""/>
+              <a:defRPr sz="1400" kern="1200">
+                <a:solidFill>
+                  <a:schemeClr val="tx1">
+                    <a:lumMod val="65000"/>
+                    <a:lumOff val="35000"/>
+                  </a:schemeClr>
+                </a:solidFill>
+                <a:latin typeface="+mn-lt"/>
+                <a:ea typeface="+mn-ea"/>
+                <a:cs typeface="+mn-cs"/>
+              </a:defRPr>
+            </a:lvl6pPr>
+            <a:lvl7pPr marL="2971800" indent="-228600" algn="l" defTabSz="914400" rtl="0" eaLnBrk="1" latinLnBrk="0" hangingPunct="1">
+              <a:lnSpc>
+                <a:spcPct val="90000"/>
+              </a:lnSpc>
+              <a:spcBef>
+                <a:spcPts val="250"/>
+              </a:spcBef>
+              <a:spcAft>
+                <a:spcPts val="250"/>
+              </a:spcAft>
+              <a:buClr>
+                <a:schemeClr val="accent1"/>
+              </a:buClr>
+              <a:buFont typeface="Wingdings 2" pitchFamily="18" charset="2"/>
+              <a:buChar char=""/>
+              <a:defRPr sz="1400" kern="1200">
+                <a:solidFill>
+                  <a:schemeClr val="tx1">
+                    <a:lumMod val="65000"/>
+                    <a:lumOff val="35000"/>
+                  </a:schemeClr>
+                </a:solidFill>
+                <a:latin typeface="+mn-lt"/>
+                <a:ea typeface="+mn-ea"/>
+                <a:cs typeface="+mn-cs"/>
+              </a:defRPr>
+            </a:lvl7pPr>
+            <a:lvl8pPr marL="3429000" indent="-228600" algn="l" defTabSz="914400" rtl="0" eaLnBrk="1" latinLnBrk="0" hangingPunct="1">
+              <a:lnSpc>
+                <a:spcPct val="90000"/>
+              </a:lnSpc>
+              <a:spcBef>
+                <a:spcPts val="250"/>
+              </a:spcBef>
+              <a:spcAft>
+                <a:spcPts val="250"/>
+              </a:spcAft>
+              <a:buClr>
+                <a:schemeClr val="accent1"/>
+              </a:buClr>
+              <a:buFont typeface="Wingdings 2" pitchFamily="18" charset="2"/>
+              <a:buChar char=""/>
+              <a:defRPr sz="1400" kern="1200">
+                <a:solidFill>
+                  <a:schemeClr val="tx1">
+                    <a:lumMod val="65000"/>
+                    <a:lumOff val="35000"/>
+                  </a:schemeClr>
+                </a:solidFill>
+                <a:latin typeface="+mn-lt"/>
+                <a:ea typeface="+mn-ea"/>
+                <a:cs typeface="+mn-cs"/>
+              </a:defRPr>
+            </a:lvl8pPr>
+            <a:lvl9pPr marL="3886200" indent="-228600" algn="l" defTabSz="914400" rtl="0" eaLnBrk="1" latinLnBrk="0" hangingPunct="1">
+              <a:lnSpc>
+                <a:spcPct val="90000"/>
+              </a:lnSpc>
+              <a:spcBef>
+                <a:spcPts val="250"/>
+              </a:spcBef>
+              <a:spcAft>
+                <a:spcPts val="250"/>
+              </a:spcAft>
+              <a:buClr>
+                <a:schemeClr val="accent1"/>
+              </a:buClr>
+              <a:buFont typeface="Wingdings 2" pitchFamily="18" charset="2"/>
+              <a:buChar char=""/>
+              <a:defRPr sz="1400" kern="1200">
+                <a:solidFill>
+                  <a:schemeClr val="tx1">
+                    <a:lumMod val="65000"/>
+                    <a:lumOff val="35000"/>
+                  </a:schemeClr>
+                </a:solidFill>
+                <a:latin typeface="+mn-lt"/>
+                <a:ea typeface="+mn-ea"/>
+                <a:cs typeface="+mn-cs"/>
+              </a:defRPr>
+            </a:lvl9pPr>
+          </a:lstStyle>
+          <a:p>
+            <a:pPr marL="0" indent="0">
+              <a:buFont typeface="Wingdings 2" pitchFamily="18" charset="2"/>
+              <a:buNone/>
+            </a:pPr>
+            <a:endParaRPr lang="en-US" sz="1400" dirty="0">
+              <a:latin typeface="Consolas" panose="020B0609020204030204" pitchFamily="49" charset="0"/>
+            </a:endParaRPr>
+          </a:p>
+        </p:txBody>
+      </p:sp>
+      <p:sp>
+        <p:nvSpPr>
+          <p:cNvPr id="7" name="Content Placeholder 2"/>
+          <p:cNvSpPr txBox="1">
+            <a:spLocks/>
+          </p:cNvSpPr>
+          <p:nvPr/>
+        </p:nvSpPr>
+        <p:spPr>
+          <a:xfrm>
+            <a:off x="4021668" y="1600200"/>
+            <a:ext cx="7315200" cy="1135081"/>
+          </a:xfrm>
+          <a:prstGeom prst="rect">
+            <a:avLst/>
+          </a:prstGeom>
+        </p:spPr>
+        <p:txBody>
+          <a:bodyPr vert="horz" lIns="91440" tIns="45720" rIns="91440" bIns="45720" rtlCol="0" anchor="ctr">
+            <a:normAutofit/>
+          </a:bodyPr>
+          <a:lstStyle>
+            <a:lvl1pPr marL="182880" indent="-182880" algn="l" defTabSz="914400" rtl="0" eaLnBrk="1" latinLnBrk="0" hangingPunct="1">
+              <a:lnSpc>
+                <a:spcPct val="90000"/>
+              </a:lnSpc>
+              <a:spcBef>
+                <a:spcPts val="1200"/>
+              </a:spcBef>
+              <a:buClr>
+                <a:schemeClr val="accent1"/>
+              </a:buClr>
+              <a:buFont typeface="Wingdings 2" pitchFamily="18" charset="2"/>
+              <a:buChar char=""/>
+              <a:defRPr sz="2000" kern="1200">
+                <a:solidFill>
+                  <a:schemeClr val="tx1">
+                    <a:lumMod val="65000"/>
+                    <a:lumOff val="35000"/>
+                  </a:schemeClr>
+                </a:solidFill>
+                <a:latin typeface="+mn-lt"/>
+                <a:ea typeface="+mn-ea"/>
+                <a:cs typeface="+mn-cs"/>
+              </a:defRPr>
+            </a:lvl1pPr>
+            <a:lvl2pPr marL="685800" indent="-182880" algn="l" defTabSz="914400" rtl="0" eaLnBrk="1" latinLnBrk="0" hangingPunct="1">
+              <a:lnSpc>
+                <a:spcPct val="90000"/>
+              </a:lnSpc>
+              <a:spcBef>
+                <a:spcPts val="250"/>
+              </a:spcBef>
+              <a:spcAft>
+                <a:spcPts val="250"/>
+              </a:spcAft>
+              <a:buClr>
+                <a:schemeClr val="accent1"/>
+              </a:buClr>
+              <a:buFont typeface="Wingdings 2" pitchFamily="18" charset="2"/>
+              <a:buChar char=""/>
+              <a:defRPr sz="1800" kern="1200">
+                <a:solidFill>
+                  <a:schemeClr val="tx1">
+                    <a:lumMod val="65000"/>
+                    <a:lumOff val="35000"/>
+                  </a:schemeClr>
+                </a:solidFill>
+                <a:latin typeface="+mn-lt"/>
+                <a:ea typeface="+mn-ea"/>
+                <a:cs typeface="+mn-cs"/>
+              </a:defRPr>
+            </a:lvl2pPr>
+            <a:lvl3pPr marL="1143000" indent="-182880" algn="l" defTabSz="914400" rtl="0" eaLnBrk="1" latinLnBrk="0" hangingPunct="1">
+              <a:lnSpc>
+                <a:spcPct val="90000"/>
+              </a:lnSpc>
+              <a:spcBef>
+                <a:spcPts val="250"/>
+              </a:spcBef>
+              <a:spcAft>
+                <a:spcPts val="250"/>
+              </a:spcAft>
+              <a:buClr>
+                <a:schemeClr val="accent1"/>
+              </a:buClr>
+              <a:buFont typeface="Wingdings 2" pitchFamily="18" charset="2"/>
+              <a:buChar char=""/>
+              <a:defRPr sz="1600" kern="1200">
+                <a:solidFill>
+                  <a:schemeClr val="tx1">
+                    <a:lumMod val="65000"/>
+                    <a:lumOff val="35000"/>
+                  </a:schemeClr>
+                </a:solidFill>
+                <a:latin typeface="+mn-lt"/>
+                <a:ea typeface="+mn-ea"/>
+                <a:cs typeface="+mn-cs"/>
+              </a:defRPr>
+            </a:lvl3pPr>
+            <a:lvl4pPr marL="1600200" indent="-182880" algn="l" defTabSz="914400" rtl="0" eaLnBrk="1" latinLnBrk="0" hangingPunct="1">
+              <a:lnSpc>
+                <a:spcPct val="90000"/>
+              </a:lnSpc>
+              <a:spcBef>
+                <a:spcPts val="250"/>
+              </a:spcBef>
+              <a:spcAft>
+                <a:spcPts val="250"/>
+              </a:spcAft>
+              <a:buClr>
+                <a:schemeClr val="accent1"/>
+              </a:buClr>
+              <a:buFont typeface="Wingdings 2" pitchFamily="18" charset="2"/>
+              <a:buChar char=""/>
+              <a:defRPr sz="1400" kern="1200">
+                <a:solidFill>
+                  <a:schemeClr val="tx1">
+                    <a:lumMod val="65000"/>
+                    <a:lumOff val="35000"/>
+                  </a:schemeClr>
+                </a:solidFill>
+                <a:latin typeface="+mn-lt"/>
+                <a:ea typeface="+mn-ea"/>
+                <a:cs typeface="+mn-cs"/>
+              </a:defRPr>
+            </a:lvl4pPr>
+            <a:lvl5pPr marL="2057400" indent="-182880" algn="l" defTabSz="914400" rtl="0" eaLnBrk="1" latinLnBrk="0" hangingPunct="1">
+              <a:lnSpc>
+                <a:spcPct val="90000"/>
+              </a:lnSpc>
+              <a:spcBef>
+                <a:spcPts val="250"/>
+              </a:spcBef>
+              <a:spcAft>
+                <a:spcPts val="250"/>
+              </a:spcAft>
+              <a:buClr>
+                <a:schemeClr val="accent1"/>
+              </a:buClr>
+              <a:buFont typeface="Wingdings 2" pitchFamily="18" charset="2"/>
+              <a:buChar char=""/>
+              <a:defRPr sz="1400" kern="1200">
+                <a:solidFill>
+                  <a:schemeClr val="tx1">
+                    <a:lumMod val="65000"/>
+                    <a:lumOff val="35000"/>
+                  </a:schemeClr>
+                </a:solidFill>
+                <a:latin typeface="+mn-lt"/>
+                <a:ea typeface="+mn-ea"/>
+                <a:cs typeface="+mn-cs"/>
+              </a:defRPr>
+            </a:lvl5pPr>
+            <a:lvl6pPr marL="2514600" indent="-228600" algn="l" defTabSz="914400" rtl="0" eaLnBrk="1" latinLnBrk="0" hangingPunct="1">
+              <a:lnSpc>
+                <a:spcPct val="90000"/>
+              </a:lnSpc>
+              <a:spcBef>
+                <a:spcPts val="250"/>
+              </a:spcBef>
+              <a:spcAft>
+                <a:spcPts val="250"/>
+              </a:spcAft>
+              <a:buClr>
+                <a:schemeClr val="accent1"/>
+              </a:buClr>
+              <a:buFont typeface="Wingdings 2" pitchFamily="18" charset="2"/>
+              <a:buChar char=""/>
+              <a:defRPr sz="1400" kern="1200">
+                <a:solidFill>
+                  <a:schemeClr val="tx1">
+                    <a:lumMod val="65000"/>
+                    <a:lumOff val="35000"/>
+                  </a:schemeClr>
+                </a:solidFill>
+                <a:latin typeface="+mn-lt"/>
+                <a:ea typeface="+mn-ea"/>
+                <a:cs typeface="+mn-cs"/>
+              </a:defRPr>
+            </a:lvl6pPr>
+            <a:lvl7pPr marL="2971800" indent="-228600" algn="l" defTabSz="914400" rtl="0" eaLnBrk="1" latinLnBrk="0" hangingPunct="1">
+              <a:lnSpc>
+                <a:spcPct val="90000"/>
+              </a:lnSpc>
+              <a:spcBef>
+                <a:spcPts val="250"/>
+              </a:spcBef>
+              <a:spcAft>
+                <a:spcPts val="250"/>
+              </a:spcAft>
+              <a:buClr>
+                <a:schemeClr val="accent1"/>
+              </a:buClr>
+              <a:buFont typeface="Wingdings 2" pitchFamily="18" charset="2"/>
+              <a:buChar char=""/>
+              <a:defRPr sz="1400" kern="1200">
+                <a:solidFill>
+                  <a:schemeClr val="tx1">
+                    <a:lumMod val="65000"/>
+                    <a:lumOff val="35000"/>
+                  </a:schemeClr>
+                </a:solidFill>
+                <a:latin typeface="+mn-lt"/>
+                <a:ea typeface="+mn-ea"/>
+                <a:cs typeface="+mn-cs"/>
+              </a:defRPr>
+            </a:lvl7pPr>
+            <a:lvl8pPr marL="3429000" indent="-228600" algn="l" defTabSz="914400" rtl="0" eaLnBrk="1" latinLnBrk="0" hangingPunct="1">
+              <a:lnSpc>
+                <a:spcPct val="90000"/>
+              </a:lnSpc>
+              <a:spcBef>
+                <a:spcPts val="250"/>
+              </a:spcBef>
+              <a:spcAft>
+                <a:spcPts val="250"/>
+              </a:spcAft>
+              <a:buClr>
+                <a:schemeClr val="accent1"/>
+              </a:buClr>
+              <a:buFont typeface="Wingdings 2" pitchFamily="18" charset="2"/>
+              <a:buChar char=""/>
+              <a:defRPr sz="1400" kern="1200">
+                <a:solidFill>
+                  <a:schemeClr val="tx1">
+                    <a:lumMod val="65000"/>
+                    <a:lumOff val="35000"/>
+                  </a:schemeClr>
+                </a:solidFill>
+                <a:latin typeface="+mn-lt"/>
+                <a:ea typeface="+mn-ea"/>
+                <a:cs typeface="+mn-cs"/>
+              </a:defRPr>
+            </a:lvl8pPr>
+            <a:lvl9pPr marL="3886200" indent="-228600" algn="l" defTabSz="914400" rtl="0" eaLnBrk="1" latinLnBrk="0" hangingPunct="1">
+              <a:lnSpc>
+                <a:spcPct val="90000"/>
+              </a:lnSpc>
+              <a:spcBef>
+                <a:spcPts val="250"/>
+              </a:spcBef>
+              <a:spcAft>
+                <a:spcPts val="250"/>
+              </a:spcAft>
+              <a:buClr>
+                <a:schemeClr val="accent1"/>
+              </a:buClr>
+              <a:buFont typeface="Wingdings 2" pitchFamily="18" charset="2"/>
+              <a:buChar char=""/>
+              <a:defRPr sz="1400" kern="1200">
+                <a:solidFill>
+                  <a:schemeClr val="tx1">
+                    <a:lumMod val="65000"/>
+                    <a:lumOff val="35000"/>
+                  </a:schemeClr>
+                </a:solidFill>
+                <a:latin typeface="+mn-lt"/>
+                <a:ea typeface="+mn-ea"/>
+                <a:cs typeface="+mn-cs"/>
+              </a:defRPr>
+            </a:lvl9pPr>
+          </a:lstStyle>
+          <a:p>
+            <a:pPr marL="0" indent="0">
+              <a:buNone/>
+            </a:pPr>
+            <a:endParaRPr lang="en-US" dirty="0" smtClean="0">
+              <a:solidFill>
+                <a:schemeClr val="accent4"/>
+              </a:solidFill>
+            </a:endParaRPr>
+          </a:p>
+        </p:txBody>
+      </p:sp>
+      <p:graphicFrame>
+        <p:nvGraphicFramePr>
+          <p:cNvPr id="8" name="Table 7"/>
+          <p:cNvGraphicFramePr>
+            <a:graphicFrameLocks noGrp="1"/>
+          </p:cNvGraphicFramePr>
+          <p:nvPr>
+            <p:extLst>
+              <p:ext uri="{D42A27DB-BD31-4B8C-83A1-F6EECF244321}">
+                <p14:modId xmlns:p14="http://schemas.microsoft.com/office/powerpoint/2010/main" val="3630888064"/>
+              </p:ext>
+            </p:extLst>
+          </p:nvPr>
+        </p:nvGraphicFramePr>
+        <p:xfrm>
+          <a:off x="4021668" y="1900996"/>
+          <a:ext cx="7315200" cy="3894048"/>
+        </p:xfrm>
+        <a:graphic>
+          <a:graphicData uri="http://schemas.openxmlformats.org/drawingml/2006/table">
+            <a:tbl>
+              <a:tblPr/>
+              <a:tblGrid>
+                <a:gridCol w="2440213">
+                  <a:extLst>
+                    <a:ext uri="{9D8B030D-6E8A-4147-A177-3AD203B41FA5}">
+                      <a16:colId xmlns:a16="http://schemas.microsoft.com/office/drawing/2014/main" val="1978212203"/>
+                    </a:ext>
+                  </a:extLst>
+                </a:gridCol>
+                <a:gridCol w="2438895">
+                  <a:extLst>
+                    <a:ext uri="{9D8B030D-6E8A-4147-A177-3AD203B41FA5}">
+                      <a16:colId xmlns:a16="http://schemas.microsoft.com/office/drawing/2014/main" val="256339827"/>
+                    </a:ext>
+                  </a:extLst>
+                </a:gridCol>
+                <a:gridCol w="2436092">
+                  <a:extLst>
+                    <a:ext uri="{9D8B030D-6E8A-4147-A177-3AD203B41FA5}">
+                      <a16:colId xmlns:a16="http://schemas.microsoft.com/office/drawing/2014/main" val="569290513"/>
+                    </a:ext>
+                  </a:extLst>
+                </a:gridCol>
+              </a:tblGrid>
+              <a:tr h="215122">
+                <a:tc>
+                  <a:txBody>
+                    <a:bodyPr/>
+                    <a:lstStyle/>
+                    <a:p>
+                      <a:pPr algn="l" fontAlgn="t"/>
+                      <a:r>
+                        <a:rPr lang="en-US" sz="1500">
+                          <a:effectLst/>
+                        </a:rPr>
+                        <a:t>Operator</a:t>
+                      </a:r>
+                    </a:p>
+                  </a:txBody>
+                  <a:tcPr marL="95904" marR="47952" marT="47952" marB="47952">
+                    <a:lnL>
+                      <a:noFill/>
+                    </a:lnL>
+                    <a:lnR>
+                      <a:noFill/>
+                    </a:lnR>
+                    <a:lnT>
+                      <a:noFill/>
+                    </a:lnT>
+                    <a:lnB w="9525" cap="flat" cmpd="sng" algn="ctr">
+                      <a:solidFill>
+                        <a:srgbClr val="DDDDDD"/>
+                      </a:solidFill>
+                      <a:prstDash val="solid"/>
+                      <a:round/>
+                      <a:headEnd type="none" w="med" len="med"/>
+                      <a:tailEnd type="none" w="med" len="med"/>
+                    </a:lnB>
+                    <a:solidFill>
+                      <a:srgbClr val="FFFFFF"/>
+                    </a:solidFill>
+                  </a:tcPr>
+                </a:tc>
+                <a:tc>
+                  <a:txBody>
+                    <a:bodyPr/>
+                    <a:lstStyle/>
+                    <a:p>
+                      <a:pPr algn="l" fontAlgn="t"/>
+                      <a:r>
+                        <a:rPr lang="en-US" sz="1500">
+                          <a:effectLst/>
+                        </a:rPr>
+                        <a:t>Example</a:t>
+                      </a:r>
+                    </a:p>
+                  </a:txBody>
+                  <a:tcPr marL="47952" marR="47952" marT="47952" marB="47952">
+                    <a:lnL>
+                      <a:noFill/>
+                    </a:lnL>
+                    <a:lnR>
+                      <a:noFill/>
+                    </a:lnR>
+                    <a:lnT>
+                      <a:noFill/>
+                    </a:lnT>
+                    <a:lnB w="9525" cap="flat" cmpd="sng" algn="ctr">
+                      <a:solidFill>
+                        <a:srgbClr val="DDDDDD"/>
+                      </a:solidFill>
+                      <a:prstDash val="solid"/>
+                      <a:round/>
+                      <a:headEnd type="none" w="med" len="med"/>
+                      <a:tailEnd type="none" w="med" len="med"/>
+                    </a:lnB>
+                    <a:solidFill>
+                      <a:srgbClr val="FFFFFF"/>
+                    </a:solidFill>
+                  </a:tcPr>
+                </a:tc>
+                <a:tc>
+                  <a:txBody>
+                    <a:bodyPr/>
+                    <a:lstStyle/>
+                    <a:p>
+                      <a:pPr algn="l" fontAlgn="t"/>
+                      <a:r>
+                        <a:rPr lang="en-US" sz="1500">
+                          <a:effectLst/>
+                        </a:rPr>
+                        <a:t>Same As</a:t>
+                      </a:r>
+                    </a:p>
+                  </a:txBody>
+                  <a:tcPr marL="47952" marR="47952" marT="47952" marB="47952">
+                    <a:lnL>
+                      <a:noFill/>
+                    </a:lnL>
+                    <a:lnR>
+                      <a:noFill/>
+                    </a:lnR>
+                    <a:lnT>
+                      <a:noFill/>
+                    </a:lnT>
+                    <a:lnB w="9525" cap="flat" cmpd="sng" algn="ctr">
+                      <a:solidFill>
+                        <a:srgbClr val="DDDDDD"/>
+                      </a:solidFill>
+                      <a:prstDash val="solid"/>
+                      <a:round/>
+                      <a:headEnd type="none" w="med" len="med"/>
+                      <a:tailEnd type="none" w="med" len="med"/>
+                    </a:lnB>
+                    <a:solidFill>
+                      <a:srgbClr val="FFFFFF"/>
+                    </a:solidFill>
+                  </a:tcPr>
+                </a:tc>
+                <a:extLst>
+                  <a:ext uri="{0D108BD9-81ED-4DB2-BD59-A6C34878D82A}">
+                    <a16:rowId xmlns:a16="http://schemas.microsoft.com/office/drawing/2014/main" val="104028381"/>
+                  </a:ext>
+                </a:extLst>
+              </a:tr>
+              <a:tr h="312952">
+                <a:tc>
+                  <a:txBody>
+                    <a:bodyPr/>
+                    <a:lstStyle/>
+                    <a:p>
+                      <a:pPr algn="l" fontAlgn="t"/>
+                      <a:r>
+                        <a:rPr lang="en-US" sz="1500">
+                          <a:effectLst/>
+                        </a:rPr>
+                        <a:t>=</a:t>
+                      </a:r>
+                    </a:p>
+                  </a:txBody>
+                  <a:tcPr marL="95904" marR="47952" marT="47952" marB="47952">
+                    <a:lnL>
+                      <a:noFill/>
+                    </a:lnL>
+                    <a:lnR>
+                      <a:noFill/>
+                    </a:lnR>
+                    <a:lnT w="9525" cap="flat" cmpd="sng" algn="ctr">
+                      <a:solidFill>
+                        <a:srgbClr val="DDDDDD"/>
+                      </a:solidFill>
+                      <a:prstDash val="solid"/>
+                      <a:round/>
+                      <a:headEnd type="none" w="med" len="med"/>
+                      <a:tailEnd type="none" w="med" len="med"/>
+                    </a:lnT>
+                    <a:lnB w="9525" cap="flat" cmpd="sng" algn="ctr">
+                      <a:solidFill>
+                        <a:srgbClr val="DDDDDD"/>
+                      </a:solidFill>
+                      <a:prstDash val="solid"/>
+                      <a:round/>
+                      <a:headEnd type="none" w="med" len="med"/>
+                      <a:tailEnd type="none" w="med" len="med"/>
+                    </a:lnB>
+                    <a:solidFill>
+                      <a:srgbClr val="E7E9EB"/>
+                    </a:solidFill>
+                  </a:tcPr>
+                </a:tc>
+                <a:tc>
+                  <a:txBody>
+                    <a:bodyPr/>
+                    <a:lstStyle/>
+                    <a:p>
+                      <a:pPr algn="l" fontAlgn="t"/>
+                      <a:r>
+                        <a:rPr lang="en-US" sz="1500">
+                          <a:effectLst/>
+                        </a:rPr>
+                        <a:t>x = 5</a:t>
+                      </a:r>
+                    </a:p>
+                  </a:txBody>
+                  <a:tcPr marL="47952" marR="47952" marT="47952" marB="47952">
+                    <a:lnL>
+                      <a:noFill/>
+                    </a:lnL>
+                    <a:lnR>
+                      <a:noFill/>
+                    </a:lnR>
+                    <a:lnT w="9525" cap="flat" cmpd="sng" algn="ctr">
+                      <a:solidFill>
+                        <a:srgbClr val="DDDDDD"/>
+                      </a:solidFill>
+                      <a:prstDash val="solid"/>
+                      <a:round/>
+                      <a:headEnd type="none" w="med" len="med"/>
+                      <a:tailEnd type="none" w="med" len="med"/>
+                    </a:lnT>
+                    <a:lnB w="9525" cap="flat" cmpd="sng" algn="ctr">
+                      <a:solidFill>
+                        <a:srgbClr val="DDDDDD"/>
+                      </a:solidFill>
+                      <a:prstDash val="solid"/>
+                      <a:round/>
+                      <a:headEnd type="none" w="med" len="med"/>
+                      <a:tailEnd type="none" w="med" len="med"/>
+                    </a:lnB>
+                    <a:solidFill>
+                      <a:srgbClr val="E7E9EB"/>
+                    </a:solidFill>
+                  </a:tcPr>
+                </a:tc>
+                <a:tc>
+                  <a:txBody>
+                    <a:bodyPr/>
+                    <a:lstStyle/>
+                    <a:p>
+                      <a:pPr algn="l" fontAlgn="t"/>
+                      <a:r>
+                        <a:rPr lang="en-US" sz="1500">
+                          <a:effectLst/>
+                        </a:rPr>
+                        <a:t>x = 5</a:t>
+                      </a:r>
+                    </a:p>
+                  </a:txBody>
+                  <a:tcPr marL="47952" marR="47952" marT="47952" marB="47952">
+                    <a:lnL>
+                      <a:noFill/>
+                    </a:lnL>
+                    <a:lnR>
+                      <a:noFill/>
+                    </a:lnR>
+                    <a:lnT w="9525" cap="flat" cmpd="sng" algn="ctr">
+                      <a:solidFill>
+                        <a:srgbClr val="DDDDDD"/>
+                      </a:solidFill>
+                      <a:prstDash val="solid"/>
+                      <a:round/>
+                      <a:headEnd type="none" w="med" len="med"/>
+                      <a:tailEnd type="none" w="med" len="med"/>
+                    </a:lnT>
+                    <a:lnB w="9525" cap="flat" cmpd="sng" algn="ctr">
+                      <a:solidFill>
+                        <a:srgbClr val="DDDDDD"/>
+                      </a:solidFill>
+                      <a:prstDash val="solid"/>
+                      <a:round/>
+                      <a:headEnd type="none" w="med" len="med"/>
+                      <a:tailEnd type="none" w="med" len="med"/>
+                    </a:lnB>
+                    <a:solidFill>
+                      <a:srgbClr val="E7E9EB"/>
+                    </a:solidFill>
+                  </a:tcPr>
+                </a:tc>
+                <a:extLst>
+                  <a:ext uri="{0D108BD9-81ED-4DB2-BD59-A6C34878D82A}">
+                    <a16:rowId xmlns:a16="http://schemas.microsoft.com/office/drawing/2014/main" val="1804786658"/>
+                  </a:ext>
+                </a:extLst>
+              </a:tr>
+              <a:tr h="312952">
+                <a:tc>
+                  <a:txBody>
+                    <a:bodyPr/>
+                    <a:lstStyle/>
+                    <a:p>
+                      <a:pPr algn="l" fontAlgn="t"/>
+                      <a:r>
+                        <a:rPr lang="en-US" sz="1500">
+                          <a:effectLst/>
+                        </a:rPr>
+                        <a:t>+=</a:t>
+                      </a:r>
+                    </a:p>
+                  </a:txBody>
+                  <a:tcPr marL="95904" marR="47952" marT="47952" marB="47952">
+                    <a:lnL>
+                      <a:noFill/>
+                    </a:lnL>
+                    <a:lnR>
+                      <a:noFill/>
+                    </a:lnR>
+                    <a:lnT w="9525" cap="flat" cmpd="sng" algn="ctr">
+                      <a:solidFill>
+                        <a:srgbClr val="DDDDDD"/>
+                      </a:solidFill>
+                      <a:prstDash val="solid"/>
+                      <a:round/>
+                      <a:headEnd type="none" w="med" len="med"/>
+                      <a:tailEnd type="none" w="med" len="med"/>
+                    </a:lnT>
+                    <a:lnB w="9525" cap="flat" cmpd="sng" algn="ctr">
+                      <a:solidFill>
+                        <a:srgbClr val="DDDDDD"/>
+                      </a:solidFill>
+                      <a:prstDash val="solid"/>
+                      <a:round/>
+                      <a:headEnd type="none" w="med" len="med"/>
+                      <a:tailEnd type="none" w="med" len="med"/>
+                    </a:lnB>
+                    <a:solidFill>
+                      <a:srgbClr val="FFFFFF"/>
+                    </a:solidFill>
+                  </a:tcPr>
+                </a:tc>
+                <a:tc>
+                  <a:txBody>
+                    <a:bodyPr/>
+                    <a:lstStyle/>
+                    <a:p>
+                      <a:pPr algn="l" fontAlgn="t"/>
+                      <a:r>
+                        <a:rPr lang="en-US" sz="1500">
+                          <a:effectLst/>
+                        </a:rPr>
+                        <a:t>x += 3</a:t>
+                      </a:r>
+                    </a:p>
+                  </a:txBody>
+                  <a:tcPr marL="47952" marR="47952" marT="47952" marB="47952">
+                    <a:lnL>
+                      <a:noFill/>
+                    </a:lnL>
+                    <a:lnR>
+                      <a:noFill/>
+                    </a:lnR>
+                    <a:lnT w="9525" cap="flat" cmpd="sng" algn="ctr">
+                      <a:solidFill>
+                        <a:srgbClr val="DDDDDD"/>
+                      </a:solidFill>
+                      <a:prstDash val="solid"/>
+                      <a:round/>
+                      <a:headEnd type="none" w="med" len="med"/>
+                      <a:tailEnd type="none" w="med" len="med"/>
+                    </a:lnT>
+                    <a:lnB w="9525" cap="flat" cmpd="sng" algn="ctr">
+                      <a:solidFill>
+                        <a:srgbClr val="DDDDDD"/>
+                      </a:solidFill>
+                      <a:prstDash val="solid"/>
+                      <a:round/>
+                      <a:headEnd type="none" w="med" len="med"/>
+                      <a:tailEnd type="none" w="med" len="med"/>
+                    </a:lnB>
+                    <a:solidFill>
+                      <a:srgbClr val="FFFFFF"/>
+                    </a:solidFill>
+                  </a:tcPr>
+                </a:tc>
+                <a:tc>
+                  <a:txBody>
+                    <a:bodyPr/>
+                    <a:lstStyle/>
+                    <a:p>
+                      <a:pPr algn="l" fontAlgn="t"/>
+                      <a:r>
+                        <a:rPr lang="en-US" sz="1500">
+                          <a:effectLst/>
+                        </a:rPr>
+                        <a:t>x = x + 3</a:t>
+                      </a:r>
+                    </a:p>
+                  </a:txBody>
+                  <a:tcPr marL="47952" marR="47952" marT="47952" marB="47952">
+                    <a:lnL>
+                      <a:noFill/>
+                    </a:lnL>
+                    <a:lnR>
+                      <a:noFill/>
+                    </a:lnR>
+                    <a:lnT w="9525" cap="flat" cmpd="sng" algn="ctr">
+                      <a:solidFill>
+                        <a:srgbClr val="DDDDDD"/>
+                      </a:solidFill>
+                      <a:prstDash val="solid"/>
+                      <a:round/>
+                      <a:headEnd type="none" w="med" len="med"/>
+                      <a:tailEnd type="none" w="med" len="med"/>
+                    </a:lnT>
+                    <a:lnB w="9525" cap="flat" cmpd="sng" algn="ctr">
+                      <a:solidFill>
+                        <a:srgbClr val="DDDDDD"/>
+                      </a:solidFill>
+                      <a:prstDash val="solid"/>
+                      <a:round/>
+                      <a:headEnd type="none" w="med" len="med"/>
+                      <a:tailEnd type="none" w="med" len="med"/>
+                    </a:lnB>
+                    <a:solidFill>
+                      <a:srgbClr val="FFFFFF"/>
+                    </a:solidFill>
+                  </a:tcPr>
+                </a:tc>
+                <a:extLst>
+                  <a:ext uri="{0D108BD9-81ED-4DB2-BD59-A6C34878D82A}">
+                    <a16:rowId xmlns:a16="http://schemas.microsoft.com/office/drawing/2014/main" val="252577602"/>
+                  </a:ext>
+                </a:extLst>
+              </a:tr>
+              <a:tr h="312952">
+                <a:tc>
+                  <a:txBody>
+                    <a:bodyPr/>
+                    <a:lstStyle/>
+                    <a:p>
+                      <a:pPr algn="l" fontAlgn="t"/>
+                      <a:r>
+                        <a:rPr lang="en-US" sz="1500" dirty="0">
+                          <a:effectLst/>
+                        </a:rPr>
+                        <a:t>-=</a:t>
+                      </a:r>
+                    </a:p>
+                  </a:txBody>
+                  <a:tcPr marL="95904" marR="47952" marT="47952" marB="47952">
+                    <a:lnL>
+                      <a:noFill/>
+                    </a:lnL>
+                    <a:lnR>
+                      <a:noFill/>
+                    </a:lnR>
+                    <a:lnT w="9525" cap="flat" cmpd="sng" algn="ctr">
+                      <a:solidFill>
+                        <a:srgbClr val="DDDDDD"/>
+                      </a:solidFill>
+                      <a:prstDash val="solid"/>
+                      <a:round/>
+                      <a:headEnd type="none" w="med" len="med"/>
+                      <a:tailEnd type="none" w="med" len="med"/>
+                    </a:lnT>
+                    <a:lnB w="9525" cap="flat" cmpd="sng" algn="ctr">
+                      <a:solidFill>
+                        <a:srgbClr val="DDDDDD"/>
+                      </a:solidFill>
+                      <a:prstDash val="solid"/>
+                      <a:round/>
+                      <a:headEnd type="none" w="med" len="med"/>
+                      <a:tailEnd type="none" w="med" len="med"/>
+                    </a:lnB>
+                    <a:solidFill>
+                      <a:srgbClr val="E7E9EB"/>
+                    </a:solidFill>
+                  </a:tcPr>
+                </a:tc>
+                <a:tc>
+                  <a:txBody>
+                    <a:bodyPr/>
+                    <a:lstStyle/>
+                    <a:p>
+                      <a:pPr algn="l" fontAlgn="t"/>
+                      <a:r>
+                        <a:rPr lang="en-US" sz="1500">
+                          <a:effectLst/>
+                        </a:rPr>
+                        <a:t>x -= 3</a:t>
+                      </a:r>
+                    </a:p>
+                  </a:txBody>
+                  <a:tcPr marL="47952" marR="47952" marT="47952" marB="47952">
+                    <a:lnL>
+                      <a:noFill/>
+                    </a:lnL>
+                    <a:lnR>
+                      <a:noFill/>
+                    </a:lnR>
+                    <a:lnT w="9525" cap="flat" cmpd="sng" algn="ctr">
+                      <a:solidFill>
+                        <a:srgbClr val="DDDDDD"/>
+                      </a:solidFill>
+                      <a:prstDash val="solid"/>
+                      <a:round/>
+                      <a:headEnd type="none" w="med" len="med"/>
+                      <a:tailEnd type="none" w="med" len="med"/>
+                    </a:lnT>
+                    <a:lnB w="9525" cap="flat" cmpd="sng" algn="ctr">
+                      <a:solidFill>
+                        <a:srgbClr val="DDDDDD"/>
+                      </a:solidFill>
+                      <a:prstDash val="solid"/>
+                      <a:round/>
+                      <a:headEnd type="none" w="med" len="med"/>
+                      <a:tailEnd type="none" w="med" len="med"/>
+                    </a:lnB>
+                    <a:solidFill>
+                      <a:srgbClr val="E7E9EB"/>
+                    </a:solidFill>
+                  </a:tcPr>
+                </a:tc>
+                <a:tc>
+                  <a:txBody>
+                    <a:bodyPr/>
+                    <a:lstStyle/>
+                    <a:p>
+                      <a:pPr algn="l" fontAlgn="t"/>
+                      <a:r>
+                        <a:rPr lang="en-US" sz="1500">
+                          <a:effectLst/>
+                        </a:rPr>
+                        <a:t>x = x - 3</a:t>
+                      </a:r>
+                    </a:p>
+                  </a:txBody>
+                  <a:tcPr marL="47952" marR="47952" marT="47952" marB="47952">
+                    <a:lnL>
+                      <a:noFill/>
+                    </a:lnL>
+                    <a:lnR>
+                      <a:noFill/>
+                    </a:lnR>
+                    <a:lnT w="9525" cap="flat" cmpd="sng" algn="ctr">
+                      <a:solidFill>
+                        <a:srgbClr val="DDDDDD"/>
+                      </a:solidFill>
+                      <a:prstDash val="solid"/>
+                      <a:round/>
+                      <a:headEnd type="none" w="med" len="med"/>
+                      <a:tailEnd type="none" w="med" len="med"/>
+                    </a:lnT>
+                    <a:lnB w="9525" cap="flat" cmpd="sng" algn="ctr">
+                      <a:solidFill>
+                        <a:srgbClr val="DDDDDD"/>
+                      </a:solidFill>
+                      <a:prstDash val="solid"/>
+                      <a:round/>
+                      <a:headEnd type="none" w="med" len="med"/>
+                      <a:tailEnd type="none" w="med" len="med"/>
+                    </a:lnB>
+                    <a:solidFill>
+                      <a:srgbClr val="E7E9EB"/>
+                    </a:solidFill>
+                  </a:tcPr>
+                </a:tc>
+                <a:extLst>
+                  <a:ext uri="{0D108BD9-81ED-4DB2-BD59-A6C34878D82A}">
+                    <a16:rowId xmlns:a16="http://schemas.microsoft.com/office/drawing/2014/main" val="444102322"/>
+                  </a:ext>
+                </a:extLst>
+              </a:tr>
+              <a:tr h="312952">
+                <a:tc>
+                  <a:txBody>
+                    <a:bodyPr/>
+                    <a:lstStyle/>
+                    <a:p>
+                      <a:pPr algn="l" fontAlgn="t"/>
+                      <a:r>
+                        <a:rPr lang="en-US" sz="1500">
+                          <a:effectLst/>
+                        </a:rPr>
+                        <a:t>*=</a:t>
+                      </a:r>
+                    </a:p>
+                  </a:txBody>
+                  <a:tcPr marL="95904" marR="47952" marT="47952" marB="47952">
+                    <a:lnL>
+                      <a:noFill/>
+                    </a:lnL>
+                    <a:lnR>
+                      <a:noFill/>
+                    </a:lnR>
+                    <a:lnT w="9525" cap="flat" cmpd="sng" algn="ctr">
+                      <a:solidFill>
+                        <a:srgbClr val="DDDDDD"/>
+                      </a:solidFill>
+                      <a:prstDash val="solid"/>
+                      <a:round/>
+                      <a:headEnd type="none" w="med" len="med"/>
+                      <a:tailEnd type="none" w="med" len="med"/>
+                    </a:lnT>
+                    <a:lnB w="9525" cap="flat" cmpd="sng" algn="ctr">
+                      <a:solidFill>
+                        <a:srgbClr val="DDDDDD"/>
+                      </a:solidFill>
+                      <a:prstDash val="solid"/>
+                      <a:round/>
+                      <a:headEnd type="none" w="med" len="med"/>
+                      <a:tailEnd type="none" w="med" len="med"/>
+                    </a:lnB>
+                    <a:solidFill>
+                      <a:srgbClr val="FFFFFF"/>
+                    </a:solidFill>
+                  </a:tcPr>
+                </a:tc>
+                <a:tc>
+                  <a:txBody>
+                    <a:bodyPr/>
+                    <a:lstStyle/>
+                    <a:p>
+                      <a:pPr algn="l" fontAlgn="t"/>
+                      <a:r>
+                        <a:rPr lang="en-US" sz="1500">
+                          <a:effectLst/>
+                        </a:rPr>
+                        <a:t>x *= 3</a:t>
+                      </a:r>
+                    </a:p>
+                  </a:txBody>
+                  <a:tcPr marL="47952" marR="47952" marT="47952" marB="47952">
+                    <a:lnL>
+                      <a:noFill/>
+                    </a:lnL>
+                    <a:lnR>
+                      <a:noFill/>
+                    </a:lnR>
+                    <a:lnT w="9525" cap="flat" cmpd="sng" algn="ctr">
+                      <a:solidFill>
+                        <a:srgbClr val="DDDDDD"/>
+                      </a:solidFill>
+                      <a:prstDash val="solid"/>
+                      <a:round/>
+                      <a:headEnd type="none" w="med" len="med"/>
+                      <a:tailEnd type="none" w="med" len="med"/>
+                    </a:lnT>
+                    <a:lnB w="9525" cap="flat" cmpd="sng" algn="ctr">
+                      <a:solidFill>
+                        <a:srgbClr val="DDDDDD"/>
+                      </a:solidFill>
+                      <a:prstDash val="solid"/>
+                      <a:round/>
+                      <a:headEnd type="none" w="med" len="med"/>
+                      <a:tailEnd type="none" w="med" len="med"/>
+                    </a:lnB>
+                    <a:solidFill>
+                      <a:srgbClr val="FFFFFF"/>
+                    </a:solidFill>
+                  </a:tcPr>
+                </a:tc>
+                <a:tc>
+                  <a:txBody>
+                    <a:bodyPr/>
+                    <a:lstStyle/>
+                    <a:p>
+                      <a:pPr algn="l" fontAlgn="t"/>
+                      <a:r>
+                        <a:rPr lang="en-US" sz="1500">
+                          <a:effectLst/>
+                        </a:rPr>
+                        <a:t>x = x * 3</a:t>
+                      </a:r>
+                    </a:p>
+                  </a:txBody>
+                  <a:tcPr marL="47952" marR="47952" marT="47952" marB="47952">
+                    <a:lnL>
+                      <a:noFill/>
+                    </a:lnL>
+                    <a:lnR>
+                      <a:noFill/>
+                    </a:lnR>
+                    <a:lnT w="9525" cap="flat" cmpd="sng" algn="ctr">
+                      <a:solidFill>
+                        <a:srgbClr val="DDDDDD"/>
+                      </a:solidFill>
+                      <a:prstDash val="solid"/>
+                      <a:round/>
+                      <a:headEnd type="none" w="med" len="med"/>
+                      <a:tailEnd type="none" w="med" len="med"/>
+                    </a:lnT>
+                    <a:lnB w="9525" cap="flat" cmpd="sng" algn="ctr">
+                      <a:solidFill>
+                        <a:srgbClr val="DDDDDD"/>
+                      </a:solidFill>
+                      <a:prstDash val="solid"/>
+                      <a:round/>
+                      <a:headEnd type="none" w="med" len="med"/>
+                      <a:tailEnd type="none" w="med" len="med"/>
+                    </a:lnB>
+                    <a:solidFill>
+                      <a:srgbClr val="FFFFFF"/>
+                    </a:solidFill>
+                  </a:tcPr>
+                </a:tc>
+                <a:extLst>
+                  <a:ext uri="{0D108BD9-81ED-4DB2-BD59-A6C34878D82A}">
+                    <a16:rowId xmlns:a16="http://schemas.microsoft.com/office/drawing/2014/main" val="1916762165"/>
+                  </a:ext>
+                </a:extLst>
+              </a:tr>
+              <a:tr h="312952">
+                <a:tc>
+                  <a:txBody>
+                    <a:bodyPr/>
+                    <a:lstStyle/>
+                    <a:p>
+                      <a:pPr algn="l" fontAlgn="t"/>
+                      <a:r>
+                        <a:rPr lang="en-US" sz="1500">
+                          <a:effectLst/>
+                        </a:rPr>
+                        <a:t>/=</a:t>
+                      </a:r>
+                    </a:p>
+                  </a:txBody>
+                  <a:tcPr marL="95904" marR="47952" marT="47952" marB="47952">
+                    <a:lnL>
+                      <a:noFill/>
+                    </a:lnL>
+                    <a:lnR>
+                      <a:noFill/>
+                    </a:lnR>
+                    <a:lnT w="9525" cap="flat" cmpd="sng" algn="ctr">
+                      <a:solidFill>
+                        <a:srgbClr val="DDDDDD"/>
+                      </a:solidFill>
+                      <a:prstDash val="solid"/>
+                      <a:round/>
+                      <a:headEnd type="none" w="med" len="med"/>
+                      <a:tailEnd type="none" w="med" len="med"/>
+                    </a:lnT>
+                    <a:lnB w="9525" cap="flat" cmpd="sng" algn="ctr">
+                      <a:solidFill>
+                        <a:srgbClr val="DDDDDD"/>
+                      </a:solidFill>
+                      <a:prstDash val="solid"/>
+                      <a:round/>
+                      <a:headEnd type="none" w="med" len="med"/>
+                      <a:tailEnd type="none" w="med" len="med"/>
+                    </a:lnB>
+                    <a:solidFill>
+                      <a:srgbClr val="E7E9EB"/>
+                    </a:solidFill>
+                  </a:tcPr>
+                </a:tc>
+                <a:tc>
+                  <a:txBody>
+                    <a:bodyPr/>
+                    <a:lstStyle/>
+                    <a:p>
+                      <a:pPr algn="l" fontAlgn="t"/>
+                      <a:r>
+                        <a:rPr lang="en-US" sz="1500">
+                          <a:effectLst/>
+                        </a:rPr>
+                        <a:t>x /= 3</a:t>
+                      </a:r>
+                    </a:p>
+                  </a:txBody>
+                  <a:tcPr marL="47952" marR="47952" marT="47952" marB="47952">
+                    <a:lnL>
+                      <a:noFill/>
+                    </a:lnL>
+                    <a:lnR>
+                      <a:noFill/>
+                    </a:lnR>
+                    <a:lnT w="9525" cap="flat" cmpd="sng" algn="ctr">
+                      <a:solidFill>
+                        <a:srgbClr val="DDDDDD"/>
+                      </a:solidFill>
+                      <a:prstDash val="solid"/>
+                      <a:round/>
+                      <a:headEnd type="none" w="med" len="med"/>
+                      <a:tailEnd type="none" w="med" len="med"/>
+                    </a:lnT>
+                    <a:lnB w="9525" cap="flat" cmpd="sng" algn="ctr">
+                      <a:solidFill>
+                        <a:srgbClr val="DDDDDD"/>
+                      </a:solidFill>
+                      <a:prstDash val="solid"/>
+                      <a:round/>
+                      <a:headEnd type="none" w="med" len="med"/>
+                      <a:tailEnd type="none" w="med" len="med"/>
+                    </a:lnB>
+                    <a:solidFill>
+                      <a:srgbClr val="E7E9EB"/>
+                    </a:solidFill>
+                  </a:tcPr>
+                </a:tc>
+                <a:tc>
+                  <a:txBody>
+                    <a:bodyPr/>
+                    <a:lstStyle/>
+                    <a:p>
+                      <a:pPr algn="l" fontAlgn="t"/>
+                      <a:r>
+                        <a:rPr lang="en-US" sz="1500">
+                          <a:effectLst/>
+                        </a:rPr>
+                        <a:t>x = x / 3</a:t>
+                      </a:r>
+                    </a:p>
+                  </a:txBody>
+                  <a:tcPr marL="47952" marR="47952" marT="47952" marB="47952">
+                    <a:lnL>
+                      <a:noFill/>
+                    </a:lnL>
+                    <a:lnR>
+                      <a:noFill/>
+                    </a:lnR>
+                    <a:lnT w="9525" cap="flat" cmpd="sng" algn="ctr">
+                      <a:solidFill>
+                        <a:srgbClr val="DDDDDD"/>
+                      </a:solidFill>
+                      <a:prstDash val="solid"/>
+                      <a:round/>
+                      <a:headEnd type="none" w="med" len="med"/>
+                      <a:tailEnd type="none" w="med" len="med"/>
+                    </a:lnT>
+                    <a:lnB w="9525" cap="flat" cmpd="sng" algn="ctr">
+                      <a:solidFill>
+                        <a:srgbClr val="DDDDDD"/>
+                      </a:solidFill>
+                      <a:prstDash val="solid"/>
+                      <a:round/>
+                      <a:headEnd type="none" w="med" len="med"/>
+                      <a:tailEnd type="none" w="med" len="med"/>
+                    </a:lnB>
+                    <a:solidFill>
+                      <a:srgbClr val="E7E9EB"/>
+                    </a:solidFill>
+                  </a:tcPr>
+                </a:tc>
+                <a:extLst>
+                  <a:ext uri="{0D108BD9-81ED-4DB2-BD59-A6C34878D82A}">
+                    <a16:rowId xmlns:a16="http://schemas.microsoft.com/office/drawing/2014/main" val="1996242547"/>
+                  </a:ext>
+                </a:extLst>
+              </a:tr>
+              <a:tr h="312952">
+                <a:tc>
+                  <a:txBody>
+                    <a:bodyPr/>
+                    <a:lstStyle/>
+                    <a:p>
+                      <a:pPr algn="l" fontAlgn="t"/>
+                      <a:r>
+                        <a:rPr lang="en-US" sz="1500">
+                          <a:effectLst/>
+                        </a:rPr>
+                        <a:t>%=</a:t>
+                      </a:r>
+                    </a:p>
+                  </a:txBody>
+                  <a:tcPr marL="95904" marR="47952" marT="47952" marB="47952">
+                    <a:lnL>
+                      <a:noFill/>
+                    </a:lnL>
+                    <a:lnR>
+                      <a:noFill/>
+                    </a:lnR>
+                    <a:lnT w="9525" cap="flat" cmpd="sng" algn="ctr">
+                      <a:solidFill>
+                        <a:srgbClr val="DDDDDD"/>
+                      </a:solidFill>
+                      <a:prstDash val="solid"/>
+                      <a:round/>
+                      <a:headEnd type="none" w="med" len="med"/>
+                      <a:tailEnd type="none" w="med" len="med"/>
+                    </a:lnT>
+                    <a:lnB w="9525" cap="flat" cmpd="sng" algn="ctr">
+                      <a:solidFill>
+                        <a:srgbClr val="DDDDDD"/>
+                      </a:solidFill>
+                      <a:prstDash val="solid"/>
+                      <a:round/>
+                      <a:headEnd type="none" w="med" len="med"/>
+                      <a:tailEnd type="none" w="med" len="med"/>
+                    </a:lnB>
+                    <a:solidFill>
+                      <a:srgbClr val="FFFFFF"/>
+                    </a:solidFill>
+                  </a:tcPr>
+                </a:tc>
+                <a:tc>
+                  <a:txBody>
+                    <a:bodyPr/>
+                    <a:lstStyle/>
+                    <a:p>
+                      <a:pPr algn="l" fontAlgn="t"/>
+                      <a:r>
+                        <a:rPr lang="en-US" sz="1500">
+                          <a:effectLst/>
+                        </a:rPr>
+                        <a:t>x %= 3</a:t>
+                      </a:r>
+                    </a:p>
+                  </a:txBody>
+                  <a:tcPr marL="47952" marR="47952" marT="47952" marB="47952">
+                    <a:lnL>
+                      <a:noFill/>
+                    </a:lnL>
+                    <a:lnR>
+                      <a:noFill/>
+                    </a:lnR>
+                    <a:lnT w="9525" cap="flat" cmpd="sng" algn="ctr">
+                      <a:solidFill>
+                        <a:srgbClr val="DDDDDD"/>
+                      </a:solidFill>
+                      <a:prstDash val="solid"/>
+                      <a:round/>
+                      <a:headEnd type="none" w="med" len="med"/>
+                      <a:tailEnd type="none" w="med" len="med"/>
+                    </a:lnT>
+                    <a:lnB w="9525" cap="flat" cmpd="sng" algn="ctr">
+                      <a:solidFill>
+                        <a:srgbClr val="DDDDDD"/>
+                      </a:solidFill>
+                      <a:prstDash val="solid"/>
+                      <a:round/>
+                      <a:headEnd type="none" w="med" len="med"/>
+                      <a:tailEnd type="none" w="med" len="med"/>
+                    </a:lnB>
+                    <a:solidFill>
+                      <a:srgbClr val="FFFFFF"/>
+                    </a:solidFill>
+                  </a:tcPr>
+                </a:tc>
+                <a:tc>
+                  <a:txBody>
+                    <a:bodyPr/>
+                    <a:lstStyle/>
+                    <a:p>
+                      <a:pPr algn="l" fontAlgn="t"/>
+                      <a:r>
+                        <a:rPr lang="en-US" sz="1500">
+                          <a:effectLst/>
+                        </a:rPr>
+                        <a:t>x = x % 3</a:t>
+                      </a:r>
+                    </a:p>
+                  </a:txBody>
+                  <a:tcPr marL="47952" marR="47952" marT="47952" marB="47952">
+                    <a:lnL>
+                      <a:noFill/>
+                    </a:lnL>
+                    <a:lnR>
+                      <a:noFill/>
+                    </a:lnR>
+                    <a:lnT w="9525" cap="flat" cmpd="sng" algn="ctr">
+                      <a:solidFill>
+                        <a:srgbClr val="DDDDDD"/>
+                      </a:solidFill>
+                      <a:prstDash val="solid"/>
+                      <a:round/>
+                      <a:headEnd type="none" w="med" len="med"/>
+                      <a:tailEnd type="none" w="med" len="med"/>
+                    </a:lnT>
+                    <a:lnB w="9525" cap="flat" cmpd="sng" algn="ctr">
+                      <a:solidFill>
+                        <a:srgbClr val="DDDDDD"/>
+                      </a:solidFill>
+                      <a:prstDash val="solid"/>
+                      <a:round/>
+                      <a:headEnd type="none" w="med" len="med"/>
+                      <a:tailEnd type="none" w="med" len="med"/>
+                    </a:lnB>
+                    <a:solidFill>
+                      <a:srgbClr val="FFFFFF"/>
+                    </a:solidFill>
+                  </a:tcPr>
+                </a:tc>
+                <a:extLst>
+                  <a:ext uri="{0D108BD9-81ED-4DB2-BD59-A6C34878D82A}">
+                    <a16:rowId xmlns:a16="http://schemas.microsoft.com/office/drawing/2014/main" val="768099853"/>
+                  </a:ext>
+                </a:extLst>
+              </a:tr>
+              <a:tr h="312952">
+                <a:tc>
+                  <a:txBody>
+                    <a:bodyPr/>
+                    <a:lstStyle/>
+                    <a:p>
+                      <a:pPr algn="l" fontAlgn="t"/>
+                      <a:r>
+                        <a:rPr lang="en-US" sz="1500">
+                          <a:effectLst/>
+                        </a:rPr>
+                        <a:t>&amp;=</a:t>
+                      </a:r>
+                    </a:p>
+                  </a:txBody>
+                  <a:tcPr marL="95904" marR="47952" marT="47952" marB="47952">
+                    <a:lnL>
+                      <a:noFill/>
+                    </a:lnL>
+                    <a:lnR>
+                      <a:noFill/>
+                    </a:lnR>
+                    <a:lnT w="9525" cap="flat" cmpd="sng" algn="ctr">
+                      <a:solidFill>
+                        <a:srgbClr val="DDDDDD"/>
+                      </a:solidFill>
+                      <a:prstDash val="solid"/>
+                      <a:round/>
+                      <a:headEnd type="none" w="med" len="med"/>
+                      <a:tailEnd type="none" w="med" len="med"/>
+                    </a:lnT>
+                    <a:lnB w="9525" cap="flat" cmpd="sng" algn="ctr">
+                      <a:solidFill>
+                        <a:srgbClr val="DDDDDD"/>
+                      </a:solidFill>
+                      <a:prstDash val="solid"/>
+                      <a:round/>
+                      <a:headEnd type="none" w="med" len="med"/>
+                      <a:tailEnd type="none" w="med" len="med"/>
+                    </a:lnB>
+                    <a:solidFill>
+                      <a:srgbClr val="E7E9EB"/>
+                    </a:solidFill>
+                  </a:tcPr>
+                </a:tc>
+                <a:tc>
+                  <a:txBody>
+                    <a:bodyPr/>
+                    <a:lstStyle/>
+                    <a:p>
+                      <a:pPr algn="l" fontAlgn="t"/>
+                      <a:r>
+                        <a:rPr lang="en-US" sz="1500">
+                          <a:effectLst/>
+                        </a:rPr>
+                        <a:t>x &amp;= 3</a:t>
+                      </a:r>
+                    </a:p>
+                  </a:txBody>
+                  <a:tcPr marL="47952" marR="47952" marT="47952" marB="47952">
+                    <a:lnL>
+                      <a:noFill/>
+                    </a:lnL>
+                    <a:lnR>
+                      <a:noFill/>
+                    </a:lnR>
+                    <a:lnT w="9525" cap="flat" cmpd="sng" algn="ctr">
+                      <a:solidFill>
+                        <a:srgbClr val="DDDDDD"/>
+                      </a:solidFill>
+                      <a:prstDash val="solid"/>
+                      <a:round/>
+                      <a:headEnd type="none" w="med" len="med"/>
+                      <a:tailEnd type="none" w="med" len="med"/>
+                    </a:lnT>
+                    <a:lnB w="9525" cap="flat" cmpd="sng" algn="ctr">
+                      <a:solidFill>
+                        <a:srgbClr val="DDDDDD"/>
+                      </a:solidFill>
+                      <a:prstDash val="solid"/>
+                      <a:round/>
+                      <a:headEnd type="none" w="med" len="med"/>
+                      <a:tailEnd type="none" w="med" len="med"/>
+                    </a:lnB>
+                    <a:solidFill>
+                      <a:srgbClr val="E7E9EB"/>
+                    </a:solidFill>
+                  </a:tcPr>
+                </a:tc>
+                <a:tc>
+                  <a:txBody>
+                    <a:bodyPr/>
+                    <a:lstStyle/>
+                    <a:p>
+                      <a:pPr algn="l" fontAlgn="t"/>
+                      <a:r>
+                        <a:rPr lang="en-US" sz="1500" dirty="0">
+                          <a:effectLst/>
+                        </a:rPr>
+                        <a:t>x = x &amp; 3</a:t>
+                      </a:r>
+                    </a:p>
+                  </a:txBody>
+                  <a:tcPr marL="47952" marR="47952" marT="47952" marB="47952">
+                    <a:lnL>
+                      <a:noFill/>
+                    </a:lnL>
+                    <a:lnR>
+                      <a:noFill/>
+                    </a:lnR>
+                    <a:lnT w="9525" cap="flat" cmpd="sng" algn="ctr">
+                      <a:solidFill>
+                        <a:srgbClr val="DDDDDD"/>
+                      </a:solidFill>
+                      <a:prstDash val="solid"/>
+                      <a:round/>
+                      <a:headEnd type="none" w="med" len="med"/>
+                      <a:tailEnd type="none" w="med" len="med"/>
+                    </a:lnT>
+                    <a:lnB w="9525" cap="flat" cmpd="sng" algn="ctr">
+                      <a:solidFill>
+                        <a:srgbClr val="DDDDDD"/>
+                      </a:solidFill>
+                      <a:prstDash val="solid"/>
+                      <a:round/>
+                      <a:headEnd type="none" w="med" len="med"/>
+                      <a:tailEnd type="none" w="med" len="med"/>
+                    </a:lnB>
+                    <a:solidFill>
+                      <a:srgbClr val="E7E9EB"/>
+                    </a:solidFill>
+                  </a:tcPr>
+                </a:tc>
+                <a:extLst>
+                  <a:ext uri="{0D108BD9-81ED-4DB2-BD59-A6C34878D82A}">
+                    <a16:rowId xmlns:a16="http://schemas.microsoft.com/office/drawing/2014/main" val="4115925185"/>
+                  </a:ext>
+                </a:extLst>
+              </a:tr>
+              <a:tr h="312952">
+                <a:tc>
+                  <a:txBody>
+                    <a:bodyPr/>
+                    <a:lstStyle/>
+                    <a:p>
+                      <a:pPr algn="l" fontAlgn="t"/>
+                      <a:r>
+                        <a:rPr lang="en-US" sz="1500" dirty="0">
+                          <a:effectLst/>
+                        </a:rPr>
+                        <a:t>|=</a:t>
+                      </a:r>
+                    </a:p>
+                  </a:txBody>
+                  <a:tcPr marL="95904" marR="47952" marT="47952" marB="47952">
+                    <a:lnL>
+                      <a:noFill/>
+                    </a:lnL>
+                    <a:lnR>
+                      <a:noFill/>
+                    </a:lnR>
+                    <a:lnT w="9525" cap="flat" cmpd="sng" algn="ctr">
+                      <a:solidFill>
+                        <a:srgbClr val="DDDDDD"/>
+                      </a:solidFill>
+                      <a:prstDash val="solid"/>
+                      <a:round/>
+                      <a:headEnd type="none" w="med" len="med"/>
+                      <a:tailEnd type="none" w="med" len="med"/>
+                    </a:lnT>
+                    <a:lnB w="9525" cap="flat" cmpd="sng" algn="ctr">
+                      <a:solidFill>
+                        <a:srgbClr val="DDDDDD"/>
+                      </a:solidFill>
+                      <a:prstDash val="solid"/>
+                      <a:round/>
+                      <a:headEnd type="none" w="med" len="med"/>
+                      <a:tailEnd type="none" w="med" len="med"/>
+                    </a:lnB>
+                    <a:solidFill>
+                      <a:srgbClr val="FFFFFF"/>
+                    </a:solidFill>
+                  </a:tcPr>
+                </a:tc>
+                <a:tc>
+                  <a:txBody>
+                    <a:bodyPr/>
+                    <a:lstStyle/>
+                    <a:p>
+                      <a:pPr algn="l" fontAlgn="t"/>
+                      <a:r>
+                        <a:rPr lang="en-US" sz="1500" dirty="0">
+                          <a:effectLst/>
+                        </a:rPr>
+                        <a:t>x |= 3</a:t>
+                      </a:r>
+                    </a:p>
+                  </a:txBody>
+                  <a:tcPr marL="47952" marR="47952" marT="47952" marB="47952">
+                    <a:lnL>
+                      <a:noFill/>
+                    </a:lnL>
+                    <a:lnR>
+                      <a:noFill/>
+                    </a:lnR>
+                    <a:lnT w="9525" cap="flat" cmpd="sng" algn="ctr">
+                      <a:solidFill>
+                        <a:srgbClr val="DDDDDD"/>
+                      </a:solidFill>
+                      <a:prstDash val="solid"/>
+                      <a:round/>
+                      <a:headEnd type="none" w="med" len="med"/>
+                      <a:tailEnd type="none" w="med" len="med"/>
+                    </a:lnT>
+                    <a:lnB w="9525" cap="flat" cmpd="sng" algn="ctr">
+                      <a:solidFill>
+                        <a:srgbClr val="DDDDDD"/>
+                      </a:solidFill>
+                      <a:prstDash val="solid"/>
+                      <a:round/>
+                      <a:headEnd type="none" w="med" len="med"/>
+                      <a:tailEnd type="none" w="med" len="med"/>
+                    </a:lnB>
+                    <a:solidFill>
+                      <a:srgbClr val="FFFFFF"/>
+                    </a:solidFill>
+                  </a:tcPr>
+                </a:tc>
+                <a:tc>
+                  <a:txBody>
+                    <a:bodyPr/>
+                    <a:lstStyle/>
+                    <a:p>
+                      <a:pPr algn="l" fontAlgn="t"/>
+                      <a:r>
+                        <a:rPr lang="en-US" sz="1500">
+                          <a:effectLst/>
+                        </a:rPr>
+                        <a:t>x = x | 3</a:t>
+                      </a:r>
+                    </a:p>
+                  </a:txBody>
+                  <a:tcPr marL="47952" marR="47952" marT="47952" marB="47952">
+                    <a:lnL>
+                      <a:noFill/>
+                    </a:lnL>
+                    <a:lnR>
+                      <a:noFill/>
+                    </a:lnR>
+                    <a:lnT w="9525" cap="flat" cmpd="sng" algn="ctr">
+                      <a:solidFill>
+                        <a:srgbClr val="DDDDDD"/>
+                      </a:solidFill>
+                      <a:prstDash val="solid"/>
+                      <a:round/>
+                      <a:headEnd type="none" w="med" len="med"/>
+                      <a:tailEnd type="none" w="med" len="med"/>
+                    </a:lnT>
+                    <a:lnB w="9525" cap="flat" cmpd="sng" algn="ctr">
+                      <a:solidFill>
+                        <a:srgbClr val="DDDDDD"/>
+                      </a:solidFill>
+                      <a:prstDash val="solid"/>
+                      <a:round/>
+                      <a:headEnd type="none" w="med" len="med"/>
+                      <a:tailEnd type="none" w="med" len="med"/>
+                    </a:lnB>
+                    <a:solidFill>
+                      <a:srgbClr val="FFFFFF"/>
+                    </a:solidFill>
+                  </a:tcPr>
+                </a:tc>
+                <a:extLst>
+                  <a:ext uri="{0D108BD9-81ED-4DB2-BD59-A6C34878D82A}">
+                    <a16:rowId xmlns:a16="http://schemas.microsoft.com/office/drawing/2014/main" val="2700879918"/>
+                  </a:ext>
+                </a:extLst>
+              </a:tr>
+              <a:tr h="312952">
+                <a:tc>
+                  <a:txBody>
+                    <a:bodyPr/>
+                    <a:lstStyle/>
+                    <a:p>
+                      <a:pPr algn="l" fontAlgn="t"/>
+                      <a:r>
+                        <a:rPr lang="en-US" sz="1500">
+                          <a:effectLst/>
+                        </a:rPr>
+                        <a:t>^=</a:t>
+                      </a:r>
+                    </a:p>
+                  </a:txBody>
+                  <a:tcPr marL="95904" marR="47952" marT="47952" marB="47952">
+                    <a:lnL>
+                      <a:noFill/>
+                    </a:lnL>
+                    <a:lnR>
+                      <a:noFill/>
+                    </a:lnR>
+                    <a:lnT w="9525" cap="flat" cmpd="sng" algn="ctr">
+                      <a:solidFill>
+                        <a:srgbClr val="DDDDDD"/>
+                      </a:solidFill>
+                      <a:prstDash val="solid"/>
+                      <a:round/>
+                      <a:headEnd type="none" w="med" len="med"/>
+                      <a:tailEnd type="none" w="med" len="med"/>
+                    </a:lnT>
+                    <a:lnB w="9525" cap="flat" cmpd="sng" algn="ctr">
+                      <a:solidFill>
+                        <a:srgbClr val="DDDDDD"/>
+                      </a:solidFill>
+                      <a:prstDash val="solid"/>
+                      <a:round/>
+                      <a:headEnd type="none" w="med" len="med"/>
+                      <a:tailEnd type="none" w="med" len="med"/>
+                    </a:lnB>
+                    <a:solidFill>
+                      <a:srgbClr val="E7E9EB"/>
+                    </a:solidFill>
+                  </a:tcPr>
+                </a:tc>
+                <a:tc>
+                  <a:txBody>
+                    <a:bodyPr/>
+                    <a:lstStyle/>
+                    <a:p>
+                      <a:pPr algn="l" fontAlgn="t"/>
+                      <a:r>
+                        <a:rPr lang="en-US" sz="1500">
+                          <a:effectLst/>
+                        </a:rPr>
+                        <a:t>x ^= 3</a:t>
+                      </a:r>
+                    </a:p>
+                  </a:txBody>
+                  <a:tcPr marL="47952" marR="47952" marT="47952" marB="47952">
+                    <a:lnL>
+                      <a:noFill/>
+                    </a:lnL>
+                    <a:lnR>
+                      <a:noFill/>
+                    </a:lnR>
+                    <a:lnT w="9525" cap="flat" cmpd="sng" algn="ctr">
+                      <a:solidFill>
+                        <a:srgbClr val="DDDDDD"/>
+                      </a:solidFill>
+                      <a:prstDash val="solid"/>
+                      <a:round/>
+                      <a:headEnd type="none" w="med" len="med"/>
+                      <a:tailEnd type="none" w="med" len="med"/>
+                    </a:lnT>
+                    <a:lnB w="9525" cap="flat" cmpd="sng" algn="ctr">
+                      <a:solidFill>
+                        <a:srgbClr val="DDDDDD"/>
+                      </a:solidFill>
+                      <a:prstDash val="solid"/>
+                      <a:round/>
+                      <a:headEnd type="none" w="med" len="med"/>
+                      <a:tailEnd type="none" w="med" len="med"/>
+                    </a:lnB>
+                    <a:solidFill>
+                      <a:srgbClr val="E7E9EB"/>
+                    </a:solidFill>
+                  </a:tcPr>
+                </a:tc>
+                <a:tc>
+                  <a:txBody>
+                    <a:bodyPr/>
+                    <a:lstStyle/>
+                    <a:p>
+                      <a:pPr algn="l" fontAlgn="t"/>
+                      <a:r>
+                        <a:rPr lang="en-US" sz="1500">
+                          <a:effectLst/>
+                        </a:rPr>
+                        <a:t>x = x ^ 3</a:t>
+                      </a:r>
+                    </a:p>
+                  </a:txBody>
+                  <a:tcPr marL="47952" marR="47952" marT="47952" marB="47952">
+                    <a:lnL>
+                      <a:noFill/>
+                    </a:lnL>
+                    <a:lnR>
+                      <a:noFill/>
+                    </a:lnR>
+                    <a:lnT w="9525" cap="flat" cmpd="sng" algn="ctr">
+                      <a:solidFill>
+                        <a:srgbClr val="DDDDDD"/>
+                      </a:solidFill>
+                      <a:prstDash val="solid"/>
+                      <a:round/>
+                      <a:headEnd type="none" w="med" len="med"/>
+                      <a:tailEnd type="none" w="med" len="med"/>
+                    </a:lnT>
+                    <a:lnB w="9525" cap="flat" cmpd="sng" algn="ctr">
+                      <a:solidFill>
+                        <a:srgbClr val="DDDDDD"/>
+                      </a:solidFill>
+                      <a:prstDash val="solid"/>
+                      <a:round/>
+                      <a:headEnd type="none" w="med" len="med"/>
+                      <a:tailEnd type="none" w="med" len="med"/>
+                    </a:lnB>
+                    <a:solidFill>
+                      <a:srgbClr val="E7E9EB"/>
+                    </a:solidFill>
+                  </a:tcPr>
+                </a:tc>
+                <a:extLst>
+                  <a:ext uri="{0D108BD9-81ED-4DB2-BD59-A6C34878D82A}">
+                    <a16:rowId xmlns:a16="http://schemas.microsoft.com/office/drawing/2014/main" val="1596162015"/>
+                  </a:ext>
+                </a:extLst>
+              </a:tr>
+              <a:tr h="312952">
+                <a:tc>
+                  <a:txBody>
+                    <a:bodyPr/>
+                    <a:lstStyle/>
+                    <a:p>
+                      <a:pPr algn="l" fontAlgn="t"/>
+                      <a:r>
+                        <a:rPr lang="en-US" sz="1500">
+                          <a:effectLst/>
+                        </a:rPr>
+                        <a:t>&gt;&gt;=</a:t>
+                      </a:r>
+                    </a:p>
+                  </a:txBody>
+                  <a:tcPr marL="95904" marR="47952" marT="47952" marB="47952">
+                    <a:lnL>
+                      <a:noFill/>
+                    </a:lnL>
+                    <a:lnR>
+                      <a:noFill/>
+                    </a:lnR>
+                    <a:lnT w="9525" cap="flat" cmpd="sng" algn="ctr">
+                      <a:solidFill>
+                        <a:srgbClr val="DDDDDD"/>
+                      </a:solidFill>
+                      <a:prstDash val="solid"/>
+                      <a:round/>
+                      <a:headEnd type="none" w="med" len="med"/>
+                      <a:tailEnd type="none" w="med" len="med"/>
+                    </a:lnT>
+                    <a:lnB w="9525" cap="flat" cmpd="sng" algn="ctr">
+                      <a:solidFill>
+                        <a:srgbClr val="DDDDDD"/>
+                      </a:solidFill>
+                      <a:prstDash val="solid"/>
+                      <a:round/>
+                      <a:headEnd type="none" w="med" len="med"/>
+                      <a:tailEnd type="none" w="med" len="med"/>
+                    </a:lnB>
+                    <a:solidFill>
+                      <a:srgbClr val="FFFFFF"/>
+                    </a:solidFill>
+                  </a:tcPr>
+                </a:tc>
+                <a:tc>
+                  <a:txBody>
+                    <a:bodyPr/>
+                    <a:lstStyle/>
+                    <a:p>
+                      <a:pPr algn="l" fontAlgn="t"/>
+                      <a:r>
+                        <a:rPr lang="en-US" sz="1500">
+                          <a:effectLst/>
+                        </a:rPr>
+                        <a:t>x &gt;&gt;= 3</a:t>
+                      </a:r>
+                    </a:p>
+                  </a:txBody>
+                  <a:tcPr marL="47952" marR="47952" marT="47952" marB="47952">
+                    <a:lnL>
+                      <a:noFill/>
+                    </a:lnL>
+                    <a:lnR>
+                      <a:noFill/>
+                    </a:lnR>
+                    <a:lnT w="9525" cap="flat" cmpd="sng" algn="ctr">
+                      <a:solidFill>
+                        <a:srgbClr val="DDDDDD"/>
+                      </a:solidFill>
+                      <a:prstDash val="solid"/>
+                      <a:round/>
+                      <a:headEnd type="none" w="med" len="med"/>
+                      <a:tailEnd type="none" w="med" len="med"/>
+                    </a:lnT>
+                    <a:lnB w="9525" cap="flat" cmpd="sng" algn="ctr">
+                      <a:solidFill>
+                        <a:srgbClr val="DDDDDD"/>
+                      </a:solidFill>
+                      <a:prstDash val="solid"/>
+                      <a:round/>
+                      <a:headEnd type="none" w="med" len="med"/>
+                      <a:tailEnd type="none" w="med" len="med"/>
+                    </a:lnB>
+                    <a:solidFill>
+                      <a:srgbClr val="FFFFFF"/>
+                    </a:solidFill>
+                  </a:tcPr>
+                </a:tc>
+                <a:tc>
+                  <a:txBody>
+                    <a:bodyPr/>
+                    <a:lstStyle/>
+                    <a:p>
+                      <a:pPr algn="l" fontAlgn="t"/>
+                      <a:r>
+                        <a:rPr lang="en-US" sz="1500">
+                          <a:effectLst/>
+                        </a:rPr>
+                        <a:t>x = x &gt;&gt; 3</a:t>
+                      </a:r>
+                    </a:p>
+                  </a:txBody>
+                  <a:tcPr marL="47952" marR="47952" marT="47952" marB="47952">
+                    <a:lnL>
+                      <a:noFill/>
+                    </a:lnL>
+                    <a:lnR>
+                      <a:noFill/>
+                    </a:lnR>
+                    <a:lnT w="9525" cap="flat" cmpd="sng" algn="ctr">
+                      <a:solidFill>
+                        <a:srgbClr val="DDDDDD"/>
+                      </a:solidFill>
+                      <a:prstDash val="solid"/>
+                      <a:round/>
+                      <a:headEnd type="none" w="med" len="med"/>
+                      <a:tailEnd type="none" w="med" len="med"/>
+                    </a:lnT>
+                    <a:lnB w="9525" cap="flat" cmpd="sng" algn="ctr">
+                      <a:solidFill>
+                        <a:srgbClr val="DDDDDD"/>
+                      </a:solidFill>
+                      <a:prstDash val="solid"/>
+                      <a:round/>
+                      <a:headEnd type="none" w="med" len="med"/>
+                      <a:tailEnd type="none" w="med" len="med"/>
+                    </a:lnB>
+                    <a:solidFill>
+                      <a:srgbClr val="FFFFFF"/>
+                    </a:solidFill>
+                  </a:tcPr>
+                </a:tc>
+                <a:extLst>
+                  <a:ext uri="{0D108BD9-81ED-4DB2-BD59-A6C34878D82A}">
+                    <a16:rowId xmlns:a16="http://schemas.microsoft.com/office/drawing/2014/main" val="2383581654"/>
+                  </a:ext>
+                </a:extLst>
+              </a:tr>
+              <a:tr h="312952">
+                <a:tc>
+                  <a:txBody>
+                    <a:bodyPr/>
+                    <a:lstStyle/>
+                    <a:p>
+                      <a:pPr algn="l" fontAlgn="t"/>
+                      <a:r>
+                        <a:rPr lang="en-US" sz="1500">
+                          <a:effectLst/>
+                        </a:rPr>
+                        <a:t>&lt;&lt;=</a:t>
+                      </a:r>
+                    </a:p>
+                  </a:txBody>
+                  <a:tcPr marL="95904" marR="47952" marT="47952" marB="47952">
+                    <a:lnL>
+                      <a:noFill/>
+                    </a:lnL>
+                    <a:lnR>
+                      <a:noFill/>
+                    </a:lnR>
+                    <a:lnT w="9525" cap="flat" cmpd="sng" algn="ctr">
+                      <a:solidFill>
+                        <a:srgbClr val="DDDDDD"/>
+                      </a:solidFill>
+                      <a:prstDash val="solid"/>
+                      <a:round/>
+                      <a:headEnd type="none" w="med" len="med"/>
+                      <a:tailEnd type="none" w="med" len="med"/>
+                    </a:lnT>
+                    <a:lnB w="9525" cap="flat" cmpd="sng" algn="ctr">
+                      <a:solidFill>
+                        <a:srgbClr val="DDDDDD"/>
+                      </a:solidFill>
+                      <a:prstDash val="solid"/>
+                      <a:round/>
+                      <a:headEnd type="none" w="med" len="med"/>
+                      <a:tailEnd type="none" w="med" len="med"/>
+                    </a:lnB>
+                    <a:solidFill>
+                      <a:srgbClr val="E7E9EB"/>
+                    </a:solidFill>
+                  </a:tcPr>
+                </a:tc>
+                <a:tc>
+                  <a:txBody>
+                    <a:bodyPr/>
+                    <a:lstStyle/>
+                    <a:p>
+                      <a:pPr algn="l" fontAlgn="t"/>
+                      <a:r>
+                        <a:rPr lang="en-US" sz="1500">
+                          <a:effectLst/>
+                        </a:rPr>
+                        <a:t>x &lt;&lt;= 3</a:t>
+                      </a:r>
+                    </a:p>
+                  </a:txBody>
+                  <a:tcPr marL="47952" marR="47952" marT="47952" marB="47952">
+                    <a:lnL>
+                      <a:noFill/>
+                    </a:lnL>
+                    <a:lnR>
+                      <a:noFill/>
+                    </a:lnR>
+                    <a:lnT w="9525" cap="flat" cmpd="sng" algn="ctr">
+                      <a:solidFill>
+                        <a:srgbClr val="DDDDDD"/>
+                      </a:solidFill>
+                      <a:prstDash val="solid"/>
+                      <a:round/>
+                      <a:headEnd type="none" w="med" len="med"/>
+                      <a:tailEnd type="none" w="med" len="med"/>
+                    </a:lnT>
+                    <a:lnB w="9525" cap="flat" cmpd="sng" algn="ctr">
+                      <a:solidFill>
+                        <a:srgbClr val="DDDDDD"/>
+                      </a:solidFill>
+                      <a:prstDash val="solid"/>
+                      <a:round/>
+                      <a:headEnd type="none" w="med" len="med"/>
+                      <a:tailEnd type="none" w="med" len="med"/>
+                    </a:lnB>
+                    <a:solidFill>
+                      <a:srgbClr val="E7E9EB"/>
+                    </a:solidFill>
+                  </a:tcPr>
+                </a:tc>
+                <a:tc>
+                  <a:txBody>
+                    <a:bodyPr/>
+                    <a:lstStyle/>
+                    <a:p>
+                      <a:pPr algn="l" fontAlgn="t"/>
+                      <a:r>
+                        <a:rPr lang="en-US" sz="1500" dirty="0">
+                          <a:effectLst/>
+                        </a:rPr>
+                        <a:t>x = x &lt;&lt; 3</a:t>
+                      </a:r>
+                    </a:p>
+                  </a:txBody>
+                  <a:tcPr marL="47952" marR="47952" marT="47952" marB="47952">
+                    <a:lnL>
+                      <a:noFill/>
+                    </a:lnL>
+                    <a:lnR>
+                      <a:noFill/>
+                    </a:lnR>
+                    <a:lnT w="9525" cap="flat" cmpd="sng" algn="ctr">
+                      <a:solidFill>
+                        <a:srgbClr val="DDDDDD"/>
+                      </a:solidFill>
+                      <a:prstDash val="solid"/>
+                      <a:round/>
+                      <a:headEnd type="none" w="med" len="med"/>
+                      <a:tailEnd type="none" w="med" len="med"/>
+                    </a:lnT>
+                    <a:lnB w="9525" cap="flat" cmpd="sng" algn="ctr">
+                      <a:solidFill>
+                        <a:srgbClr val="DDDDDD"/>
+                      </a:solidFill>
+                      <a:prstDash val="solid"/>
+                      <a:round/>
+                      <a:headEnd type="none" w="med" len="med"/>
+                      <a:tailEnd type="none" w="med" len="med"/>
+                    </a:lnB>
+                    <a:solidFill>
+                      <a:srgbClr val="E7E9EB"/>
+                    </a:solidFill>
+                  </a:tcPr>
+                </a:tc>
+                <a:extLst>
+                  <a:ext uri="{0D108BD9-81ED-4DB2-BD59-A6C34878D82A}">
+                    <a16:rowId xmlns:a16="http://schemas.microsoft.com/office/drawing/2014/main" val="3236458511"/>
+                  </a:ext>
+                </a:extLst>
+              </a:tr>
+            </a:tbl>
+          </a:graphicData>
+        </a:graphic>
+      </p:graphicFrame>
+    </p:spTree>
+    <p:extLst>
+      <p:ext uri="{BB962C8B-B14F-4D97-AF65-F5344CB8AC3E}">
+        <p14:creationId xmlns:p14="http://schemas.microsoft.com/office/powerpoint/2010/main" val="1022956880"/>
+      </p:ext>
+    </p:extLst>
+  </p:cSld>
+  <p:clrMapOvr>
+    <a:masterClrMapping/>
+  </p:clrMapOvr>
+  <p:timing>
+    <p:tnLst>
+      <p:par>
+        <p:cTn id="1" dur="indefinite" restart="never" nodeType="tmRoot"/>
+      </p:par>
+    </p:tnLst>
+  </p:timing>
+</p:sld>
+</file>
+
+<file path=ppt/slides/slide19.xml><?xml version="1.0" encoding="utf-8"?>
+<p:sld xmlns:a="http://schemas.openxmlformats.org/drawingml/2006/main" xmlns:r="http://schemas.openxmlformats.org/officeDocument/2006/relationships" xmlns:p="http://schemas.openxmlformats.org/presentationml/2006/main">
+  <p:cSld>
+    <p:spTree>
+      <p:nvGrpSpPr>
+        <p:cNvPr id="1" name=""/>
+        <p:cNvGrpSpPr/>
+        <p:nvPr/>
+      </p:nvGrpSpPr>
+      <p:grpSpPr>
+        <a:xfrm>
+          <a:off x="0" y="0"/>
+          <a:ext cx="0" cy="0"/>
+          <a:chOff x="0" y="0"/>
+          <a:chExt cx="0" cy="0"/>
+        </a:xfrm>
+      </p:grpSpPr>
+      <p:sp>
+        <p:nvSpPr>
+          <p:cNvPr id="2" name="Title 1"/>
+          <p:cNvSpPr>
+            <a:spLocks noGrp="1"/>
+          </p:cNvSpPr>
+          <p:nvPr>
+            <p:ph type="title"/>
+          </p:nvPr>
+        </p:nvSpPr>
+        <p:spPr>
+          <a:xfrm>
+            <a:off x="252919" y="1123837"/>
+            <a:ext cx="3103892" cy="4601183"/>
+          </a:xfrm>
+        </p:spPr>
+        <p:txBody>
+          <a:bodyPr/>
+          <a:lstStyle/>
+          <a:p>
+            <a:r>
+              <a:rPr lang="en-US" dirty="0"/>
+              <a:t>Java Operators</a:t>
+            </a:r>
+          </a:p>
+        </p:txBody>
+      </p:sp>
+      <p:sp>
+        <p:nvSpPr>
+          <p:cNvPr id="3" name="Content Placeholder 2"/>
+          <p:cNvSpPr>
+            <a:spLocks noGrp="1"/>
+          </p:cNvSpPr>
+          <p:nvPr>
+            <p:ph idx="1"/>
+          </p:nvPr>
+        </p:nvSpPr>
+        <p:spPr>
+          <a:xfrm>
+            <a:off x="3869268" y="765908"/>
+            <a:ext cx="7315200" cy="1135081"/>
+          </a:xfrm>
+        </p:spPr>
+        <p:txBody>
+          <a:bodyPr/>
+          <a:lstStyle/>
+          <a:p>
+            <a:r>
+              <a:rPr lang="en-US" dirty="0">
+                <a:solidFill>
+                  <a:schemeClr val="accent4"/>
+                </a:solidFill>
+              </a:rPr>
+              <a:t>Comparison Operators</a:t>
+            </a:r>
+            <a:endParaRPr lang="en-US" dirty="0" smtClean="0">
+              <a:solidFill>
+                <a:schemeClr val="accent4"/>
+              </a:solidFill>
+            </a:endParaRPr>
+          </a:p>
+        </p:txBody>
+      </p:sp>
+      <p:sp>
+        <p:nvSpPr>
+          <p:cNvPr id="5" name="Content Placeholder 2"/>
+          <p:cNvSpPr txBox="1">
+            <a:spLocks/>
+          </p:cNvSpPr>
+          <p:nvPr/>
+        </p:nvSpPr>
+        <p:spPr>
+          <a:xfrm>
+            <a:off x="4021668" y="1600200"/>
+            <a:ext cx="7315200" cy="4632569"/>
+          </a:xfrm>
+          <a:prstGeom prst="rect">
+            <a:avLst/>
+          </a:prstGeom>
+        </p:spPr>
+        <p:txBody>
+          <a:bodyPr vert="horz" lIns="91440" tIns="45720" rIns="91440" bIns="45720" rtlCol="0" anchor="ctr">
+            <a:normAutofit/>
+          </a:bodyPr>
+          <a:lstStyle>
+            <a:lvl1pPr marL="182880" indent="-182880" algn="l" defTabSz="914400" rtl="0" eaLnBrk="1" latinLnBrk="0" hangingPunct="1">
+              <a:lnSpc>
+                <a:spcPct val="90000"/>
+              </a:lnSpc>
+              <a:spcBef>
+                <a:spcPts val="1200"/>
+              </a:spcBef>
+              <a:buClr>
+                <a:schemeClr val="accent1"/>
+              </a:buClr>
+              <a:buFont typeface="Wingdings 2" pitchFamily="18" charset="2"/>
+              <a:buChar char=""/>
+              <a:defRPr sz="2000" kern="1200">
+                <a:solidFill>
+                  <a:schemeClr val="tx1">
+                    <a:lumMod val="65000"/>
+                    <a:lumOff val="35000"/>
+                  </a:schemeClr>
+                </a:solidFill>
+                <a:latin typeface="+mn-lt"/>
+                <a:ea typeface="+mn-ea"/>
+                <a:cs typeface="+mn-cs"/>
+              </a:defRPr>
+            </a:lvl1pPr>
+            <a:lvl2pPr marL="685800" indent="-182880" algn="l" defTabSz="914400" rtl="0" eaLnBrk="1" latinLnBrk="0" hangingPunct="1">
+              <a:lnSpc>
+                <a:spcPct val="90000"/>
+              </a:lnSpc>
+              <a:spcBef>
+                <a:spcPts val="250"/>
+              </a:spcBef>
+              <a:spcAft>
+                <a:spcPts val="250"/>
+              </a:spcAft>
+              <a:buClr>
+                <a:schemeClr val="accent1"/>
+              </a:buClr>
+              <a:buFont typeface="Wingdings 2" pitchFamily="18" charset="2"/>
+              <a:buChar char=""/>
+              <a:defRPr sz="1800" kern="1200">
+                <a:solidFill>
+                  <a:schemeClr val="tx1">
+                    <a:lumMod val="65000"/>
+                    <a:lumOff val="35000"/>
+                  </a:schemeClr>
+                </a:solidFill>
+                <a:latin typeface="+mn-lt"/>
+                <a:ea typeface="+mn-ea"/>
+                <a:cs typeface="+mn-cs"/>
+              </a:defRPr>
+            </a:lvl2pPr>
+            <a:lvl3pPr marL="1143000" indent="-182880" algn="l" defTabSz="914400" rtl="0" eaLnBrk="1" latinLnBrk="0" hangingPunct="1">
+              <a:lnSpc>
+                <a:spcPct val="90000"/>
+              </a:lnSpc>
+              <a:spcBef>
+                <a:spcPts val="250"/>
+              </a:spcBef>
+              <a:spcAft>
+                <a:spcPts val="250"/>
+              </a:spcAft>
+              <a:buClr>
+                <a:schemeClr val="accent1"/>
+              </a:buClr>
+              <a:buFont typeface="Wingdings 2" pitchFamily="18" charset="2"/>
+              <a:buChar char=""/>
+              <a:defRPr sz="1600" kern="1200">
+                <a:solidFill>
+                  <a:schemeClr val="tx1">
+                    <a:lumMod val="65000"/>
+                    <a:lumOff val="35000"/>
+                  </a:schemeClr>
+                </a:solidFill>
+                <a:latin typeface="+mn-lt"/>
+                <a:ea typeface="+mn-ea"/>
+                <a:cs typeface="+mn-cs"/>
+              </a:defRPr>
+            </a:lvl3pPr>
+            <a:lvl4pPr marL="1600200" indent="-182880" algn="l" defTabSz="914400" rtl="0" eaLnBrk="1" latinLnBrk="0" hangingPunct="1">
+              <a:lnSpc>
+                <a:spcPct val="90000"/>
+              </a:lnSpc>
+              <a:spcBef>
+                <a:spcPts val="250"/>
+              </a:spcBef>
+              <a:spcAft>
+                <a:spcPts val="250"/>
+              </a:spcAft>
+              <a:buClr>
+                <a:schemeClr val="accent1"/>
+              </a:buClr>
+              <a:buFont typeface="Wingdings 2" pitchFamily="18" charset="2"/>
+              <a:buChar char=""/>
+              <a:defRPr sz="1400" kern="1200">
+                <a:solidFill>
+                  <a:schemeClr val="tx1">
+                    <a:lumMod val="65000"/>
+                    <a:lumOff val="35000"/>
+                  </a:schemeClr>
+                </a:solidFill>
+                <a:latin typeface="+mn-lt"/>
+                <a:ea typeface="+mn-ea"/>
+                <a:cs typeface="+mn-cs"/>
+              </a:defRPr>
+            </a:lvl4pPr>
+            <a:lvl5pPr marL="2057400" indent="-182880" algn="l" defTabSz="914400" rtl="0" eaLnBrk="1" latinLnBrk="0" hangingPunct="1">
+              <a:lnSpc>
+                <a:spcPct val="90000"/>
+              </a:lnSpc>
+              <a:spcBef>
+                <a:spcPts val="250"/>
+              </a:spcBef>
+              <a:spcAft>
+                <a:spcPts val="250"/>
+              </a:spcAft>
+              <a:buClr>
+                <a:schemeClr val="accent1"/>
+              </a:buClr>
+              <a:buFont typeface="Wingdings 2" pitchFamily="18" charset="2"/>
+              <a:buChar char=""/>
+              <a:defRPr sz="1400" kern="1200">
+                <a:solidFill>
+                  <a:schemeClr val="tx1">
+                    <a:lumMod val="65000"/>
+                    <a:lumOff val="35000"/>
+                  </a:schemeClr>
+                </a:solidFill>
+                <a:latin typeface="+mn-lt"/>
+                <a:ea typeface="+mn-ea"/>
+                <a:cs typeface="+mn-cs"/>
+              </a:defRPr>
+            </a:lvl5pPr>
+            <a:lvl6pPr marL="2514600" indent="-228600" algn="l" defTabSz="914400" rtl="0" eaLnBrk="1" latinLnBrk="0" hangingPunct="1">
+              <a:lnSpc>
+                <a:spcPct val="90000"/>
+              </a:lnSpc>
+              <a:spcBef>
+                <a:spcPts val="250"/>
+              </a:spcBef>
+              <a:spcAft>
+                <a:spcPts val="250"/>
+              </a:spcAft>
+              <a:buClr>
+                <a:schemeClr val="accent1"/>
+              </a:buClr>
+              <a:buFont typeface="Wingdings 2" pitchFamily="18" charset="2"/>
+              <a:buChar char=""/>
+              <a:defRPr sz="1400" kern="1200">
+                <a:solidFill>
+                  <a:schemeClr val="tx1">
+                    <a:lumMod val="65000"/>
+                    <a:lumOff val="35000"/>
+                  </a:schemeClr>
+                </a:solidFill>
+                <a:latin typeface="+mn-lt"/>
+                <a:ea typeface="+mn-ea"/>
+                <a:cs typeface="+mn-cs"/>
+              </a:defRPr>
+            </a:lvl6pPr>
+            <a:lvl7pPr marL="2971800" indent="-228600" algn="l" defTabSz="914400" rtl="0" eaLnBrk="1" latinLnBrk="0" hangingPunct="1">
+              <a:lnSpc>
+                <a:spcPct val="90000"/>
+              </a:lnSpc>
+              <a:spcBef>
+                <a:spcPts val="250"/>
+              </a:spcBef>
+              <a:spcAft>
+                <a:spcPts val="250"/>
+              </a:spcAft>
+              <a:buClr>
+                <a:schemeClr val="accent1"/>
+              </a:buClr>
+              <a:buFont typeface="Wingdings 2" pitchFamily="18" charset="2"/>
+              <a:buChar char=""/>
+              <a:defRPr sz="1400" kern="1200">
+                <a:solidFill>
+                  <a:schemeClr val="tx1">
+                    <a:lumMod val="65000"/>
+                    <a:lumOff val="35000"/>
+                  </a:schemeClr>
+                </a:solidFill>
+                <a:latin typeface="+mn-lt"/>
+                <a:ea typeface="+mn-ea"/>
+                <a:cs typeface="+mn-cs"/>
+              </a:defRPr>
+            </a:lvl7pPr>
+            <a:lvl8pPr marL="3429000" indent="-228600" algn="l" defTabSz="914400" rtl="0" eaLnBrk="1" latinLnBrk="0" hangingPunct="1">
+              <a:lnSpc>
+                <a:spcPct val="90000"/>
+              </a:lnSpc>
+              <a:spcBef>
+                <a:spcPts val="250"/>
+              </a:spcBef>
+              <a:spcAft>
+                <a:spcPts val="250"/>
+              </a:spcAft>
+              <a:buClr>
+                <a:schemeClr val="accent1"/>
+              </a:buClr>
+              <a:buFont typeface="Wingdings 2" pitchFamily="18" charset="2"/>
+              <a:buChar char=""/>
+              <a:defRPr sz="1400" kern="1200">
+                <a:solidFill>
+                  <a:schemeClr val="tx1">
+                    <a:lumMod val="65000"/>
+                    <a:lumOff val="35000"/>
+                  </a:schemeClr>
+                </a:solidFill>
+                <a:latin typeface="+mn-lt"/>
+                <a:ea typeface="+mn-ea"/>
+                <a:cs typeface="+mn-cs"/>
+              </a:defRPr>
+            </a:lvl8pPr>
+            <a:lvl9pPr marL="3886200" indent="-228600" algn="l" defTabSz="914400" rtl="0" eaLnBrk="1" latinLnBrk="0" hangingPunct="1">
+              <a:lnSpc>
+                <a:spcPct val="90000"/>
+              </a:lnSpc>
+              <a:spcBef>
+                <a:spcPts val="250"/>
+              </a:spcBef>
+              <a:spcAft>
+                <a:spcPts val="250"/>
+              </a:spcAft>
+              <a:buClr>
+                <a:schemeClr val="accent1"/>
+              </a:buClr>
+              <a:buFont typeface="Wingdings 2" pitchFamily="18" charset="2"/>
+              <a:buChar char=""/>
+              <a:defRPr sz="1400" kern="1200">
+                <a:solidFill>
+                  <a:schemeClr val="tx1">
+                    <a:lumMod val="65000"/>
+                    <a:lumOff val="35000"/>
+                  </a:schemeClr>
+                </a:solidFill>
+                <a:latin typeface="+mn-lt"/>
+                <a:ea typeface="+mn-ea"/>
+                <a:cs typeface="+mn-cs"/>
+              </a:defRPr>
+            </a:lvl9pPr>
+          </a:lstStyle>
+          <a:p>
+            <a:pPr marL="0" indent="0">
+              <a:buFont typeface="Wingdings 2" pitchFamily="18" charset="2"/>
+              <a:buNone/>
+            </a:pPr>
+            <a:endParaRPr lang="en-US" sz="1400" dirty="0">
+              <a:latin typeface="Consolas" panose="020B0609020204030204" pitchFamily="49" charset="0"/>
+            </a:endParaRPr>
+          </a:p>
+        </p:txBody>
+      </p:sp>
+      <p:sp>
+        <p:nvSpPr>
+          <p:cNvPr id="7" name="Content Placeholder 2"/>
+          <p:cNvSpPr txBox="1">
+            <a:spLocks/>
+          </p:cNvSpPr>
+          <p:nvPr/>
+        </p:nvSpPr>
+        <p:spPr>
+          <a:xfrm>
+            <a:off x="4021668" y="1600200"/>
+            <a:ext cx="7315200" cy="1135081"/>
+          </a:xfrm>
+          <a:prstGeom prst="rect">
+            <a:avLst/>
+          </a:prstGeom>
+        </p:spPr>
+        <p:txBody>
+          <a:bodyPr vert="horz" lIns="91440" tIns="45720" rIns="91440" bIns="45720" rtlCol="0" anchor="ctr">
+            <a:normAutofit/>
+          </a:bodyPr>
+          <a:lstStyle>
+            <a:lvl1pPr marL="182880" indent="-182880" algn="l" defTabSz="914400" rtl="0" eaLnBrk="1" latinLnBrk="0" hangingPunct="1">
+              <a:lnSpc>
+                <a:spcPct val="90000"/>
+              </a:lnSpc>
+              <a:spcBef>
+                <a:spcPts val="1200"/>
+              </a:spcBef>
+              <a:buClr>
+                <a:schemeClr val="accent1"/>
+              </a:buClr>
+              <a:buFont typeface="Wingdings 2" pitchFamily="18" charset="2"/>
+              <a:buChar char=""/>
+              <a:defRPr sz="2000" kern="1200">
+                <a:solidFill>
+                  <a:schemeClr val="tx1">
+                    <a:lumMod val="65000"/>
+                    <a:lumOff val="35000"/>
+                  </a:schemeClr>
+                </a:solidFill>
+                <a:latin typeface="+mn-lt"/>
+                <a:ea typeface="+mn-ea"/>
+                <a:cs typeface="+mn-cs"/>
+              </a:defRPr>
+            </a:lvl1pPr>
+            <a:lvl2pPr marL="685800" indent="-182880" algn="l" defTabSz="914400" rtl="0" eaLnBrk="1" latinLnBrk="0" hangingPunct="1">
+              <a:lnSpc>
+                <a:spcPct val="90000"/>
+              </a:lnSpc>
+              <a:spcBef>
+                <a:spcPts val="250"/>
+              </a:spcBef>
+              <a:spcAft>
+                <a:spcPts val="250"/>
+              </a:spcAft>
+              <a:buClr>
+                <a:schemeClr val="accent1"/>
+              </a:buClr>
+              <a:buFont typeface="Wingdings 2" pitchFamily="18" charset="2"/>
+              <a:buChar char=""/>
+              <a:defRPr sz="1800" kern="1200">
+                <a:solidFill>
+                  <a:schemeClr val="tx1">
+                    <a:lumMod val="65000"/>
+                    <a:lumOff val="35000"/>
+                  </a:schemeClr>
+                </a:solidFill>
+                <a:latin typeface="+mn-lt"/>
+                <a:ea typeface="+mn-ea"/>
+                <a:cs typeface="+mn-cs"/>
+              </a:defRPr>
+            </a:lvl2pPr>
+            <a:lvl3pPr marL="1143000" indent="-182880" algn="l" defTabSz="914400" rtl="0" eaLnBrk="1" latinLnBrk="0" hangingPunct="1">
+              <a:lnSpc>
+                <a:spcPct val="90000"/>
+              </a:lnSpc>
+              <a:spcBef>
+                <a:spcPts val="250"/>
+              </a:spcBef>
+              <a:spcAft>
+                <a:spcPts val="250"/>
+              </a:spcAft>
+              <a:buClr>
+                <a:schemeClr val="accent1"/>
+              </a:buClr>
+              <a:buFont typeface="Wingdings 2" pitchFamily="18" charset="2"/>
+              <a:buChar char=""/>
+              <a:defRPr sz="1600" kern="1200">
+                <a:solidFill>
+                  <a:schemeClr val="tx1">
+                    <a:lumMod val="65000"/>
+                    <a:lumOff val="35000"/>
+                  </a:schemeClr>
+                </a:solidFill>
+                <a:latin typeface="+mn-lt"/>
+                <a:ea typeface="+mn-ea"/>
+                <a:cs typeface="+mn-cs"/>
+              </a:defRPr>
+            </a:lvl3pPr>
+            <a:lvl4pPr marL="1600200" indent="-182880" algn="l" defTabSz="914400" rtl="0" eaLnBrk="1" latinLnBrk="0" hangingPunct="1">
+              <a:lnSpc>
+                <a:spcPct val="90000"/>
+              </a:lnSpc>
+              <a:spcBef>
+                <a:spcPts val="250"/>
+              </a:spcBef>
+              <a:spcAft>
+                <a:spcPts val="250"/>
+              </a:spcAft>
+              <a:buClr>
+                <a:schemeClr val="accent1"/>
+              </a:buClr>
+              <a:buFont typeface="Wingdings 2" pitchFamily="18" charset="2"/>
+              <a:buChar char=""/>
+              <a:defRPr sz="1400" kern="1200">
+                <a:solidFill>
+                  <a:schemeClr val="tx1">
+                    <a:lumMod val="65000"/>
+                    <a:lumOff val="35000"/>
+                  </a:schemeClr>
+                </a:solidFill>
+                <a:latin typeface="+mn-lt"/>
+                <a:ea typeface="+mn-ea"/>
+                <a:cs typeface="+mn-cs"/>
+              </a:defRPr>
+            </a:lvl4pPr>
+            <a:lvl5pPr marL="2057400" indent="-182880" algn="l" defTabSz="914400" rtl="0" eaLnBrk="1" latinLnBrk="0" hangingPunct="1">
+              <a:lnSpc>
+                <a:spcPct val="90000"/>
+              </a:lnSpc>
+              <a:spcBef>
+                <a:spcPts val="250"/>
+              </a:spcBef>
+              <a:spcAft>
+                <a:spcPts val="250"/>
+              </a:spcAft>
+              <a:buClr>
+                <a:schemeClr val="accent1"/>
+              </a:buClr>
+              <a:buFont typeface="Wingdings 2" pitchFamily="18" charset="2"/>
+              <a:buChar char=""/>
+              <a:defRPr sz="1400" kern="1200">
+                <a:solidFill>
+                  <a:schemeClr val="tx1">
+                    <a:lumMod val="65000"/>
+                    <a:lumOff val="35000"/>
+                  </a:schemeClr>
+                </a:solidFill>
+                <a:latin typeface="+mn-lt"/>
+                <a:ea typeface="+mn-ea"/>
+                <a:cs typeface="+mn-cs"/>
+              </a:defRPr>
+            </a:lvl5pPr>
+            <a:lvl6pPr marL="2514600" indent="-228600" algn="l" defTabSz="914400" rtl="0" eaLnBrk="1" latinLnBrk="0" hangingPunct="1">
+              <a:lnSpc>
+                <a:spcPct val="90000"/>
+              </a:lnSpc>
+              <a:spcBef>
+                <a:spcPts val="250"/>
+              </a:spcBef>
+              <a:spcAft>
+                <a:spcPts val="250"/>
+              </a:spcAft>
+              <a:buClr>
+                <a:schemeClr val="accent1"/>
+              </a:buClr>
+              <a:buFont typeface="Wingdings 2" pitchFamily="18" charset="2"/>
+              <a:buChar char=""/>
+              <a:defRPr sz="1400" kern="1200">
+                <a:solidFill>
+                  <a:schemeClr val="tx1">
+                    <a:lumMod val="65000"/>
+                    <a:lumOff val="35000"/>
+                  </a:schemeClr>
+                </a:solidFill>
+                <a:latin typeface="+mn-lt"/>
+                <a:ea typeface="+mn-ea"/>
+                <a:cs typeface="+mn-cs"/>
+              </a:defRPr>
+            </a:lvl6pPr>
+            <a:lvl7pPr marL="2971800" indent="-228600" algn="l" defTabSz="914400" rtl="0" eaLnBrk="1" latinLnBrk="0" hangingPunct="1">
+              <a:lnSpc>
+                <a:spcPct val="90000"/>
+              </a:lnSpc>
+              <a:spcBef>
+                <a:spcPts val="250"/>
+              </a:spcBef>
+              <a:spcAft>
+                <a:spcPts val="250"/>
+              </a:spcAft>
+              <a:buClr>
+                <a:schemeClr val="accent1"/>
+              </a:buClr>
+              <a:buFont typeface="Wingdings 2" pitchFamily="18" charset="2"/>
+              <a:buChar char=""/>
+              <a:defRPr sz="1400" kern="1200">
+                <a:solidFill>
+                  <a:schemeClr val="tx1">
+                    <a:lumMod val="65000"/>
+                    <a:lumOff val="35000"/>
+                  </a:schemeClr>
+                </a:solidFill>
+                <a:latin typeface="+mn-lt"/>
+                <a:ea typeface="+mn-ea"/>
+                <a:cs typeface="+mn-cs"/>
+              </a:defRPr>
+            </a:lvl7pPr>
+            <a:lvl8pPr marL="3429000" indent="-228600" algn="l" defTabSz="914400" rtl="0" eaLnBrk="1" latinLnBrk="0" hangingPunct="1">
+              <a:lnSpc>
+                <a:spcPct val="90000"/>
+              </a:lnSpc>
+              <a:spcBef>
+                <a:spcPts val="250"/>
+              </a:spcBef>
+              <a:spcAft>
+                <a:spcPts val="250"/>
+              </a:spcAft>
+              <a:buClr>
+                <a:schemeClr val="accent1"/>
+              </a:buClr>
+              <a:buFont typeface="Wingdings 2" pitchFamily="18" charset="2"/>
+              <a:buChar char=""/>
+              <a:defRPr sz="1400" kern="1200">
+                <a:solidFill>
+                  <a:schemeClr val="tx1">
+                    <a:lumMod val="65000"/>
+                    <a:lumOff val="35000"/>
+                  </a:schemeClr>
+                </a:solidFill>
+                <a:latin typeface="+mn-lt"/>
+                <a:ea typeface="+mn-ea"/>
+                <a:cs typeface="+mn-cs"/>
+              </a:defRPr>
+            </a:lvl8pPr>
+            <a:lvl9pPr marL="3886200" indent="-228600" algn="l" defTabSz="914400" rtl="0" eaLnBrk="1" latinLnBrk="0" hangingPunct="1">
+              <a:lnSpc>
+                <a:spcPct val="90000"/>
+              </a:lnSpc>
+              <a:spcBef>
+                <a:spcPts val="250"/>
+              </a:spcBef>
+              <a:spcAft>
+                <a:spcPts val="250"/>
+              </a:spcAft>
+              <a:buClr>
+                <a:schemeClr val="accent1"/>
+              </a:buClr>
+              <a:buFont typeface="Wingdings 2" pitchFamily="18" charset="2"/>
+              <a:buChar char=""/>
+              <a:defRPr sz="1400" kern="1200">
+                <a:solidFill>
+                  <a:schemeClr val="tx1">
+                    <a:lumMod val="65000"/>
+                    <a:lumOff val="35000"/>
+                  </a:schemeClr>
+                </a:solidFill>
+                <a:latin typeface="+mn-lt"/>
+                <a:ea typeface="+mn-ea"/>
+                <a:cs typeface="+mn-cs"/>
+              </a:defRPr>
+            </a:lvl9pPr>
+          </a:lstStyle>
+          <a:p>
+            <a:pPr marL="0" indent="0">
+              <a:buNone/>
+            </a:pPr>
+            <a:endParaRPr lang="en-US" dirty="0" smtClean="0">
+              <a:solidFill>
+                <a:schemeClr val="accent4"/>
+              </a:solidFill>
+            </a:endParaRPr>
+          </a:p>
+        </p:txBody>
+      </p:sp>
+      <p:graphicFrame>
+        <p:nvGraphicFramePr>
+          <p:cNvPr id="8" name="Table 7"/>
+          <p:cNvGraphicFramePr>
+            <a:graphicFrameLocks noGrp="1"/>
+          </p:cNvGraphicFramePr>
+          <p:nvPr>
+            <p:extLst>
+              <p:ext uri="{D42A27DB-BD31-4B8C-83A1-F6EECF244321}">
+                <p14:modId xmlns:p14="http://schemas.microsoft.com/office/powerpoint/2010/main" val="737478011"/>
+              </p:ext>
+            </p:extLst>
+          </p:nvPr>
+        </p:nvGraphicFramePr>
+        <p:xfrm>
+          <a:off x="4021668" y="1900996"/>
+          <a:ext cx="7315200" cy="2884824"/>
+        </p:xfrm>
+        <a:graphic>
+          <a:graphicData uri="http://schemas.openxmlformats.org/drawingml/2006/table">
+            <a:tbl>
+              <a:tblPr/>
+              <a:tblGrid>
+                <a:gridCol w="2440213">
+                  <a:extLst>
+                    <a:ext uri="{9D8B030D-6E8A-4147-A177-3AD203B41FA5}">
+                      <a16:colId xmlns:a16="http://schemas.microsoft.com/office/drawing/2014/main" val="1978212203"/>
+                    </a:ext>
+                  </a:extLst>
+                </a:gridCol>
+                <a:gridCol w="2438895">
+                  <a:extLst>
+                    <a:ext uri="{9D8B030D-6E8A-4147-A177-3AD203B41FA5}">
+                      <a16:colId xmlns:a16="http://schemas.microsoft.com/office/drawing/2014/main" val="256339827"/>
+                    </a:ext>
+                  </a:extLst>
+                </a:gridCol>
+                <a:gridCol w="2436092">
+                  <a:extLst>
+                    <a:ext uri="{9D8B030D-6E8A-4147-A177-3AD203B41FA5}">
+                      <a16:colId xmlns:a16="http://schemas.microsoft.com/office/drawing/2014/main" val="569290513"/>
+                    </a:ext>
+                  </a:extLst>
+                </a:gridCol>
+              </a:tblGrid>
+              <a:tr h="215122">
+                <a:tc>
+                  <a:txBody>
+                    <a:bodyPr/>
+                    <a:lstStyle/>
+                    <a:p>
+                      <a:pPr algn="l" fontAlgn="t"/>
+                      <a:r>
+                        <a:rPr lang="en-US" sz="1500">
+                          <a:effectLst/>
+                        </a:rPr>
+                        <a:t>Operator</a:t>
+                      </a:r>
+                    </a:p>
+                  </a:txBody>
+                  <a:tcPr marL="95904" marR="47952" marT="47952" marB="47952">
+                    <a:lnL>
+                      <a:noFill/>
+                    </a:lnL>
+                    <a:lnR>
+                      <a:noFill/>
+                    </a:lnR>
+                    <a:lnT>
+                      <a:noFill/>
+                    </a:lnT>
+                    <a:lnB w="9525" cap="flat" cmpd="sng" algn="ctr">
+                      <a:solidFill>
+                        <a:srgbClr val="DDDDDD"/>
+                      </a:solidFill>
+                      <a:prstDash val="solid"/>
+                      <a:round/>
+                      <a:headEnd type="none" w="med" len="med"/>
+                      <a:tailEnd type="none" w="med" len="med"/>
+                    </a:lnB>
+                    <a:solidFill>
+                      <a:srgbClr val="FFFFFF"/>
+                    </a:solidFill>
+                  </a:tcPr>
+                </a:tc>
+                <a:tc>
+                  <a:txBody>
+                    <a:bodyPr/>
+                    <a:lstStyle/>
+                    <a:p>
+                      <a:pPr algn="l" fontAlgn="t"/>
+                      <a:r>
+                        <a:rPr lang="en-US" sz="1500">
+                          <a:effectLst/>
+                        </a:rPr>
+                        <a:t>Example</a:t>
+                      </a:r>
+                    </a:p>
+                  </a:txBody>
+                  <a:tcPr marL="47952" marR="47952" marT="47952" marB="47952">
+                    <a:lnL>
+                      <a:noFill/>
+                    </a:lnL>
+                    <a:lnR>
+                      <a:noFill/>
+                    </a:lnR>
+                    <a:lnT>
+                      <a:noFill/>
+                    </a:lnT>
+                    <a:lnB w="9525" cap="flat" cmpd="sng" algn="ctr">
+                      <a:solidFill>
+                        <a:srgbClr val="DDDDDD"/>
+                      </a:solidFill>
+                      <a:prstDash val="solid"/>
+                      <a:round/>
+                      <a:headEnd type="none" w="med" len="med"/>
+                      <a:tailEnd type="none" w="med" len="med"/>
+                    </a:lnB>
+                    <a:solidFill>
+                      <a:srgbClr val="FFFFFF"/>
+                    </a:solidFill>
+                  </a:tcPr>
+                </a:tc>
+                <a:tc>
+                  <a:txBody>
+                    <a:bodyPr/>
+                    <a:lstStyle/>
+                    <a:p>
+                      <a:pPr algn="l" fontAlgn="t"/>
+                      <a:r>
+                        <a:rPr lang="en-US" sz="1500">
+                          <a:effectLst/>
+                        </a:rPr>
+                        <a:t>Same As</a:t>
+                      </a:r>
+                    </a:p>
+                  </a:txBody>
+                  <a:tcPr marL="47952" marR="47952" marT="47952" marB="47952">
+                    <a:lnL>
+                      <a:noFill/>
+                    </a:lnL>
+                    <a:lnR>
+                      <a:noFill/>
+                    </a:lnR>
+                    <a:lnT>
+                      <a:noFill/>
+                    </a:lnT>
+                    <a:lnB w="9525" cap="flat" cmpd="sng" algn="ctr">
+                      <a:solidFill>
+                        <a:srgbClr val="DDDDDD"/>
+                      </a:solidFill>
+                      <a:prstDash val="solid"/>
+                      <a:round/>
+                      <a:headEnd type="none" w="med" len="med"/>
+                      <a:tailEnd type="none" w="med" len="med"/>
+                    </a:lnB>
+                    <a:solidFill>
+                      <a:srgbClr val="FFFFFF"/>
+                    </a:solidFill>
+                  </a:tcPr>
+                </a:tc>
+                <a:extLst>
+                  <a:ext uri="{0D108BD9-81ED-4DB2-BD59-A6C34878D82A}">
+                    <a16:rowId xmlns:a16="http://schemas.microsoft.com/office/drawing/2014/main" val="104028381"/>
+                  </a:ext>
+                </a:extLst>
+              </a:tr>
+              <a:tr h="312952">
+                <a:tc>
+                  <a:txBody>
+                    <a:bodyPr/>
+                    <a:lstStyle/>
+                    <a:p>
+                      <a:pPr algn="l" fontAlgn="t"/>
+                      <a:r>
+                        <a:rPr lang="en-US">
+                          <a:effectLst/>
+                        </a:rPr>
+                        <a:t>==</a:t>
+                      </a:r>
+                    </a:p>
+                  </a:txBody>
+                  <a:tcPr marL="152400" marR="76200" marT="76200" marB="76200">
+                    <a:lnL>
+                      <a:noFill/>
+                    </a:lnL>
+                    <a:lnR>
+                      <a:noFill/>
+                    </a:lnR>
+                    <a:lnT w="9525" cap="flat" cmpd="sng" algn="ctr">
+                      <a:solidFill>
+                        <a:srgbClr val="DDDDDD"/>
+                      </a:solidFill>
+                      <a:prstDash val="solid"/>
+                      <a:round/>
+                      <a:headEnd type="none" w="med" len="med"/>
+                      <a:tailEnd type="none" w="med" len="med"/>
+                    </a:lnT>
+                    <a:lnB w="9525" cap="flat" cmpd="sng" algn="ctr">
+                      <a:solidFill>
+                        <a:srgbClr val="DDDDDD"/>
+                      </a:solidFill>
+                      <a:prstDash val="solid"/>
+                      <a:round/>
+                      <a:headEnd type="none" w="med" len="med"/>
+                      <a:tailEnd type="none" w="med" len="med"/>
+                    </a:lnB>
+                    <a:solidFill>
+                      <a:srgbClr val="E7E9EB"/>
+                    </a:solidFill>
+                  </a:tcPr>
+                </a:tc>
+                <a:tc>
+                  <a:txBody>
+                    <a:bodyPr/>
+                    <a:lstStyle/>
+                    <a:p>
+                      <a:pPr algn="l" fontAlgn="t"/>
+                      <a:r>
+                        <a:rPr lang="en-US">
+                          <a:effectLst/>
+                        </a:rPr>
+                        <a:t>Equal to</a:t>
+                      </a:r>
+                    </a:p>
+                  </a:txBody>
+                  <a:tcPr marL="76200" marR="76200" marT="76200" marB="76200">
+                    <a:lnL>
+                      <a:noFill/>
+                    </a:lnL>
+                    <a:lnR>
+                      <a:noFill/>
+                    </a:lnR>
+                    <a:lnT w="9525" cap="flat" cmpd="sng" algn="ctr">
+                      <a:solidFill>
+                        <a:srgbClr val="DDDDDD"/>
+                      </a:solidFill>
+                      <a:prstDash val="solid"/>
+                      <a:round/>
+                      <a:headEnd type="none" w="med" len="med"/>
+                      <a:tailEnd type="none" w="med" len="med"/>
+                    </a:lnT>
+                    <a:lnB w="9525" cap="flat" cmpd="sng" algn="ctr">
+                      <a:solidFill>
+                        <a:srgbClr val="DDDDDD"/>
+                      </a:solidFill>
+                      <a:prstDash val="solid"/>
+                      <a:round/>
+                      <a:headEnd type="none" w="med" len="med"/>
+                      <a:tailEnd type="none" w="med" len="med"/>
+                    </a:lnB>
+                    <a:solidFill>
+                      <a:srgbClr val="E7E9EB"/>
+                    </a:solidFill>
+                  </a:tcPr>
+                </a:tc>
+                <a:tc>
+                  <a:txBody>
+                    <a:bodyPr/>
+                    <a:lstStyle/>
+                    <a:p>
+                      <a:pPr algn="l" fontAlgn="t"/>
+                      <a:r>
+                        <a:rPr lang="en-US">
+                          <a:effectLst/>
+                        </a:rPr>
+                        <a:t>x == y</a:t>
+                      </a:r>
+                    </a:p>
+                  </a:txBody>
+                  <a:tcPr marL="76200" marR="76200" marT="76200" marB="76200">
+                    <a:lnL>
+                      <a:noFill/>
+                    </a:lnL>
+                    <a:lnR>
+                      <a:noFill/>
+                    </a:lnR>
+                    <a:lnT w="9525" cap="flat" cmpd="sng" algn="ctr">
+                      <a:solidFill>
+                        <a:srgbClr val="DDDDDD"/>
+                      </a:solidFill>
+                      <a:prstDash val="solid"/>
+                      <a:round/>
+                      <a:headEnd type="none" w="med" len="med"/>
+                      <a:tailEnd type="none" w="med" len="med"/>
+                    </a:lnT>
+                    <a:lnB w="9525" cap="flat" cmpd="sng" algn="ctr">
+                      <a:solidFill>
+                        <a:srgbClr val="DDDDDD"/>
+                      </a:solidFill>
+                      <a:prstDash val="solid"/>
+                      <a:round/>
+                      <a:headEnd type="none" w="med" len="med"/>
+                      <a:tailEnd type="none" w="med" len="med"/>
+                    </a:lnB>
+                    <a:solidFill>
+                      <a:srgbClr val="E7E9EB"/>
+                    </a:solidFill>
+                  </a:tcPr>
+                </a:tc>
+                <a:extLst>
+                  <a:ext uri="{0D108BD9-81ED-4DB2-BD59-A6C34878D82A}">
+                    <a16:rowId xmlns:a16="http://schemas.microsoft.com/office/drawing/2014/main" val="1804786658"/>
+                  </a:ext>
+                </a:extLst>
+              </a:tr>
+              <a:tr h="312952">
+                <a:tc>
+                  <a:txBody>
+                    <a:bodyPr/>
+                    <a:lstStyle/>
+                    <a:p>
+                      <a:pPr algn="l" fontAlgn="t"/>
+                      <a:r>
+                        <a:rPr lang="en-US">
+                          <a:effectLst/>
+                        </a:rPr>
+                        <a:t>!=</a:t>
+                      </a:r>
+                    </a:p>
+                  </a:txBody>
+                  <a:tcPr marL="152400" marR="76200" marT="76200" marB="76200">
+                    <a:lnL>
+                      <a:noFill/>
+                    </a:lnL>
+                    <a:lnR>
+                      <a:noFill/>
+                    </a:lnR>
+                    <a:lnT w="9525" cap="flat" cmpd="sng" algn="ctr">
+                      <a:solidFill>
+                        <a:srgbClr val="DDDDDD"/>
+                      </a:solidFill>
+                      <a:prstDash val="solid"/>
+                      <a:round/>
+                      <a:headEnd type="none" w="med" len="med"/>
+                      <a:tailEnd type="none" w="med" len="med"/>
+                    </a:lnT>
+                    <a:lnB w="9525" cap="flat" cmpd="sng" algn="ctr">
+                      <a:solidFill>
+                        <a:srgbClr val="DDDDDD"/>
+                      </a:solidFill>
+                      <a:prstDash val="solid"/>
+                      <a:round/>
+                      <a:headEnd type="none" w="med" len="med"/>
+                      <a:tailEnd type="none" w="med" len="med"/>
+                    </a:lnB>
+                    <a:solidFill>
+                      <a:srgbClr val="FFFFFF"/>
+                    </a:solidFill>
+                  </a:tcPr>
+                </a:tc>
+                <a:tc>
+                  <a:txBody>
+                    <a:bodyPr/>
+                    <a:lstStyle/>
+                    <a:p>
+                      <a:pPr algn="l" fontAlgn="t"/>
+                      <a:r>
+                        <a:rPr lang="en-US">
+                          <a:effectLst/>
+                        </a:rPr>
+                        <a:t>Not equal</a:t>
+                      </a:r>
+                    </a:p>
+                  </a:txBody>
+                  <a:tcPr marL="76200" marR="76200" marT="76200" marB="76200">
+                    <a:lnL>
+                      <a:noFill/>
+                    </a:lnL>
+                    <a:lnR>
+                      <a:noFill/>
+                    </a:lnR>
+                    <a:lnT w="9525" cap="flat" cmpd="sng" algn="ctr">
+                      <a:solidFill>
+                        <a:srgbClr val="DDDDDD"/>
+                      </a:solidFill>
+                      <a:prstDash val="solid"/>
+                      <a:round/>
+                      <a:headEnd type="none" w="med" len="med"/>
+                      <a:tailEnd type="none" w="med" len="med"/>
+                    </a:lnT>
+                    <a:lnB w="9525" cap="flat" cmpd="sng" algn="ctr">
+                      <a:solidFill>
+                        <a:srgbClr val="DDDDDD"/>
+                      </a:solidFill>
+                      <a:prstDash val="solid"/>
+                      <a:round/>
+                      <a:headEnd type="none" w="med" len="med"/>
+                      <a:tailEnd type="none" w="med" len="med"/>
+                    </a:lnB>
+                    <a:solidFill>
+                      <a:srgbClr val="FFFFFF"/>
+                    </a:solidFill>
+                  </a:tcPr>
+                </a:tc>
+                <a:tc>
+                  <a:txBody>
+                    <a:bodyPr/>
+                    <a:lstStyle/>
+                    <a:p>
+                      <a:pPr algn="l" fontAlgn="t"/>
+                      <a:r>
+                        <a:rPr lang="en-US">
+                          <a:effectLst/>
+                        </a:rPr>
+                        <a:t>x != y</a:t>
+                      </a:r>
+                    </a:p>
+                  </a:txBody>
+                  <a:tcPr marL="76200" marR="76200" marT="76200" marB="76200">
+                    <a:lnL>
+                      <a:noFill/>
+                    </a:lnL>
+                    <a:lnR>
+                      <a:noFill/>
+                    </a:lnR>
+                    <a:lnT w="9525" cap="flat" cmpd="sng" algn="ctr">
+                      <a:solidFill>
+                        <a:srgbClr val="DDDDDD"/>
+                      </a:solidFill>
+                      <a:prstDash val="solid"/>
+                      <a:round/>
+                      <a:headEnd type="none" w="med" len="med"/>
+                      <a:tailEnd type="none" w="med" len="med"/>
+                    </a:lnT>
+                    <a:lnB w="9525" cap="flat" cmpd="sng" algn="ctr">
+                      <a:solidFill>
+                        <a:srgbClr val="DDDDDD"/>
+                      </a:solidFill>
+                      <a:prstDash val="solid"/>
+                      <a:round/>
+                      <a:headEnd type="none" w="med" len="med"/>
+                      <a:tailEnd type="none" w="med" len="med"/>
+                    </a:lnB>
+                    <a:solidFill>
+                      <a:srgbClr val="FFFFFF"/>
+                    </a:solidFill>
+                  </a:tcPr>
+                </a:tc>
+                <a:extLst>
+                  <a:ext uri="{0D108BD9-81ED-4DB2-BD59-A6C34878D82A}">
+                    <a16:rowId xmlns:a16="http://schemas.microsoft.com/office/drawing/2014/main" val="252577602"/>
+                  </a:ext>
+                </a:extLst>
+              </a:tr>
+              <a:tr h="312952">
+                <a:tc>
+                  <a:txBody>
+                    <a:bodyPr/>
+                    <a:lstStyle/>
+                    <a:p>
+                      <a:pPr algn="l" fontAlgn="t"/>
+                      <a:r>
+                        <a:rPr lang="en-US">
+                          <a:effectLst/>
+                        </a:rPr>
+                        <a:t>&gt;</a:t>
+                      </a:r>
+                    </a:p>
+                  </a:txBody>
+                  <a:tcPr marL="152400" marR="76200" marT="76200" marB="76200">
+                    <a:lnL>
+                      <a:noFill/>
+                    </a:lnL>
+                    <a:lnR>
+                      <a:noFill/>
+                    </a:lnR>
+                    <a:lnT w="9525" cap="flat" cmpd="sng" algn="ctr">
+                      <a:solidFill>
+                        <a:srgbClr val="DDDDDD"/>
+                      </a:solidFill>
+                      <a:prstDash val="solid"/>
+                      <a:round/>
+                      <a:headEnd type="none" w="med" len="med"/>
+                      <a:tailEnd type="none" w="med" len="med"/>
+                    </a:lnT>
+                    <a:lnB w="9525" cap="flat" cmpd="sng" algn="ctr">
+                      <a:solidFill>
+                        <a:srgbClr val="DDDDDD"/>
+                      </a:solidFill>
+                      <a:prstDash val="solid"/>
+                      <a:round/>
+                      <a:headEnd type="none" w="med" len="med"/>
+                      <a:tailEnd type="none" w="med" len="med"/>
+                    </a:lnB>
+                    <a:solidFill>
+                      <a:srgbClr val="E7E9EB"/>
+                    </a:solidFill>
+                  </a:tcPr>
+                </a:tc>
+                <a:tc>
+                  <a:txBody>
+                    <a:bodyPr/>
+                    <a:lstStyle/>
+                    <a:p>
+                      <a:pPr algn="l" fontAlgn="t"/>
+                      <a:r>
+                        <a:rPr lang="en-US">
+                          <a:effectLst/>
+                        </a:rPr>
+                        <a:t>Greater than</a:t>
+                      </a:r>
+                    </a:p>
+                  </a:txBody>
+                  <a:tcPr marL="76200" marR="76200" marT="76200" marB="76200">
+                    <a:lnL>
+                      <a:noFill/>
+                    </a:lnL>
+                    <a:lnR>
+                      <a:noFill/>
+                    </a:lnR>
+                    <a:lnT w="9525" cap="flat" cmpd="sng" algn="ctr">
+                      <a:solidFill>
+                        <a:srgbClr val="DDDDDD"/>
+                      </a:solidFill>
+                      <a:prstDash val="solid"/>
+                      <a:round/>
+                      <a:headEnd type="none" w="med" len="med"/>
+                      <a:tailEnd type="none" w="med" len="med"/>
+                    </a:lnT>
+                    <a:lnB w="9525" cap="flat" cmpd="sng" algn="ctr">
+                      <a:solidFill>
+                        <a:srgbClr val="DDDDDD"/>
+                      </a:solidFill>
+                      <a:prstDash val="solid"/>
+                      <a:round/>
+                      <a:headEnd type="none" w="med" len="med"/>
+                      <a:tailEnd type="none" w="med" len="med"/>
+                    </a:lnB>
+                    <a:solidFill>
+                      <a:srgbClr val="E7E9EB"/>
+                    </a:solidFill>
+                  </a:tcPr>
+                </a:tc>
+                <a:tc>
+                  <a:txBody>
+                    <a:bodyPr/>
+                    <a:lstStyle/>
+                    <a:p>
+                      <a:pPr algn="l" fontAlgn="t"/>
+                      <a:r>
+                        <a:rPr lang="en-US">
+                          <a:effectLst/>
+                        </a:rPr>
+                        <a:t>x &gt; y</a:t>
+                      </a:r>
+                    </a:p>
+                  </a:txBody>
+                  <a:tcPr marL="76200" marR="76200" marT="76200" marB="76200">
+                    <a:lnL>
+                      <a:noFill/>
+                    </a:lnL>
+                    <a:lnR>
+                      <a:noFill/>
+                    </a:lnR>
+                    <a:lnT w="9525" cap="flat" cmpd="sng" algn="ctr">
+                      <a:solidFill>
+                        <a:srgbClr val="DDDDDD"/>
+                      </a:solidFill>
+                      <a:prstDash val="solid"/>
+                      <a:round/>
+                      <a:headEnd type="none" w="med" len="med"/>
+                      <a:tailEnd type="none" w="med" len="med"/>
+                    </a:lnT>
+                    <a:lnB w="9525" cap="flat" cmpd="sng" algn="ctr">
+                      <a:solidFill>
+                        <a:srgbClr val="DDDDDD"/>
+                      </a:solidFill>
+                      <a:prstDash val="solid"/>
+                      <a:round/>
+                      <a:headEnd type="none" w="med" len="med"/>
+                      <a:tailEnd type="none" w="med" len="med"/>
+                    </a:lnB>
+                    <a:solidFill>
+                      <a:srgbClr val="E7E9EB"/>
+                    </a:solidFill>
+                  </a:tcPr>
+                </a:tc>
+                <a:extLst>
+                  <a:ext uri="{0D108BD9-81ED-4DB2-BD59-A6C34878D82A}">
+                    <a16:rowId xmlns:a16="http://schemas.microsoft.com/office/drawing/2014/main" val="444102322"/>
+                  </a:ext>
+                </a:extLst>
+              </a:tr>
+              <a:tr h="312952">
+                <a:tc>
+                  <a:txBody>
+                    <a:bodyPr/>
+                    <a:lstStyle/>
+                    <a:p>
+                      <a:pPr algn="l" fontAlgn="t"/>
+                      <a:r>
+                        <a:rPr lang="en-US">
+                          <a:effectLst/>
+                        </a:rPr>
+                        <a:t>&lt;</a:t>
+                      </a:r>
+                    </a:p>
+                  </a:txBody>
+                  <a:tcPr marL="152400" marR="76200" marT="76200" marB="76200">
+                    <a:lnL>
+                      <a:noFill/>
+                    </a:lnL>
+                    <a:lnR>
+                      <a:noFill/>
+                    </a:lnR>
+                    <a:lnT w="9525" cap="flat" cmpd="sng" algn="ctr">
+                      <a:solidFill>
+                        <a:srgbClr val="DDDDDD"/>
+                      </a:solidFill>
+                      <a:prstDash val="solid"/>
+                      <a:round/>
+                      <a:headEnd type="none" w="med" len="med"/>
+                      <a:tailEnd type="none" w="med" len="med"/>
+                    </a:lnT>
+                    <a:lnB w="9525" cap="flat" cmpd="sng" algn="ctr">
+                      <a:solidFill>
+                        <a:srgbClr val="DDDDDD"/>
+                      </a:solidFill>
+                      <a:prstDash val="solid"/>
+                      <a:round/>
+                      <a:headEnd type="none" w="med" len="med"/>
+                      <a:tailEnd type="none" w="med" len="med"/>
+                    </a:lnB>
+                    <a:solidFill>
+                      <a:srgbClr val="FFFFFF"/>
+                    </a:solidFill>
+                  </a:tcPr>
+                </a:tc>
+                <a:tc>
+                  <a:txBody>
+                    <a:bodyPr/>
+                    <a:lstStyle/>
+                    <a:p>
+                      <a:pPr algn="l" fontAlgn="t"/>
+                      <a:r>
+                        <a:rPr lang="en-US">
+                          <a:effectLst/>
+                        </a:rPr>
+                        <a:t>Less than</a:t>
+                      </a:r>
+                    </a:p>
+                  </a:txBody>
+                  <a:tcPr marL="76200" marR="76200" marT="76200" marB="76200">
+                    <a:lnL>
+                      <a:noFill/>
+                    </a:lnL>
+                    <a:lnR>
+                      <a:noFill/>
+                    </a:lnR>
+                    <a:lnT w="9525" cap="flat" cmpd="sng" algn="ctr">
+                      <a:solidFill>
+                        <a:srgbClr val="DDDDDD"/>
+                      </a:solidFill>
+                      <a:prstDash val="solid"/>
+                      <a:round/>
+                      <a:headEnd type="none" w="med" len="med"/>
+                      <a:tailEnd type="none" w="med" len="med"/>
+                    </a:lnT>
+                    <a:lnB w="9525" cap="flat" cmpd="sng" algn="ctr">
+                      <a:solidFill>
+                        <a:srgbClr val="DDDDDD"/>
+                      </a:solidFill>
+                      <a:prstDash val="solid"/>
+                      <a:round/>
+                      <a:headEnd type="none" w="med" len="med"/>
+                      <a:tailEnd type="none" w="med" len="med"/>
+                    </a:lnB>
+                    <a:solidFill>
+                      <a:srgbClr val="FFFFFF"/>
+                    </a:solidFill>
+                  </a:tcPr>
+                </a:tc>
+                <a:tc>
+                  <a:txBody>
+                    <a:bodyPr/>
+                    <a:lstStyle/>
+                    <a:p>
+                      <a:pPr algn="l" fontAlgn="t"/>
+                      <a:r>
+                        <a:rPr lang="en-US">
+                          <a:effectLst/>
+                        </a:rPr>
+                        <a:t>x &lt; y</a:t>
+                      </a:r>
+                    </a:p>
+                  </a:txBody>
+                  <a:tcPr marL="76200" marR="76200" marT="76200" marB="76200">
+                    <a:lnL>
+                      <a:noFill/>
+                    </a:lnL>
+                    <a:lnR>
+                      <a:noFill/>
+                    </a:lnR>
+                    <a:lnT w="9525" cap="flat" cmpd="sng" algn="ctr">
+                      <a:solidFill>
+                        <a:srgbClr val="DDDDDD"/>
+                      </a:solidFill>
+                      <a:prstDash val="solid"/>
+                      <a:round/>
+                      <a:headEnd type="none" w="med" len="med"/>
+                      <a:tailEnd type="none" w="med" len="med"/>
+                    </a:lnT>
+                    <a:lnB w="9525" cap="flat" cmpd="sng" algn="ctr">
+                      <a:solidFill>
+                        <a:srgbClr val="DDDDDD"/>
+                      </a:solidFill>
+                      <a:prstDash val="solid"/>
+                      <a:round/>
+                      <a:headEnd type="none" w="med" len="med"/>
+                      <a:tailEnd type="none" w="med" len="med"/>
+                    </a:lnB>
+                    <a:solidFill>
+                      <a:srgbClr val="FFFFFF"/>
+                    </a:solidFill>
+                  </a:tcPr>
+                </a:tc>
+                <a:extLst>
+                  <a:ext uri="{0D108BD9-81ED-4DB2-BD59-A6C34878D82A}">
+                    <a16:rowId xmlns:a16="http://schemas.microsoft.com/office/drawing/2014/main" val="1916762165"/>
+                  </a:ext>
+                </a:extLst>
+              </a:tr>
+              <a:tr h="312952">
+                <a:tc>
+                  <a:txBody>
+                    <a:bodyPr/>
+                    <a:lstStyle/>
+                    <a:p>
+                      <a:pPr algn="l" fontAlgn="t"/>
+                      <a:r>
+                        <a:rPr lang="en-US">
+                          <a:effectLst/>
+                        </a:rPr>
+                        <a:t>&gt;=</a:t>
+                      </a:r>
+                    </a:p>
+                  </a:txBody>
+                  <a:tcPr marL="152400" marR="76200" marT="76200" marB="76200">
+                    <a:lnL>
+                      <a:noFill/>
+                    </a:lnL>
+                    <a:lnR>
+                      <a:noFill/>
+                    </a:lnR>
+                    <a:lnT w="9525" cap="flat" cmpd="sng" algn="ctr">
+                      <a:solidFill>
+                        <a:srgbClr val="DDDDDD"/>
+                      </a:solidFill>
+                      <a:prstDash val="solid"/>
+                      <a:round/>
+                      <a:headEnd type="none" w="med" len="med"/>
+                      <a:tailEnd type="none" w="med" len="med"/>
+                    </a:lnT>
+                    <a:lnB w="9525" cap="flat" cmpd="sng" algn="ctr">
+                      <a:solidFill>
+                        <a:srgbClr val="DDDDDD"/>
+                      </a:solidFill>
+                      <a:prstDash val="solid"/>
+                      <a:round/>
+                      <a:headEnd type="none" w="med" len="med"/>
+                      <a:tailEnd type="none" w="med" len="med"/>
+                    </a:lnB>
+                    <a:solidFill>
+                      <a:srgbClr val="E7E9EB"/>
+                    </a:solidFill>
+                  </a:tcPr>
+                </a:tc>
+                <a:tc>
+                  <a:txBody>
+                    <a:bodyPr/>
+                    <a:lstStyle/>
+                    <a:p>
+                      <a:pPr algn="l" fontAlgn="t"/>
+                      <a:r>
+                        <a:rPr lang="en-US">
+                          <a:effectLst/>
+                        </a:rPr>
+                        <a:t>Greater than or equal to</a:t>
+                      </a:r>
+                    </a:p>
+                  </a:txBody>
+                  <a:tcPr marL="76200" marR="76200" marT="76200" marB="76200">
+                    <a:lnL>
+                      <a:noFill/>
+                    </a:lnL>
+                    <a:lnR>
+                      <a:noFill/>
+                    </a:lnR>
+                    <a:lnT w="9525" cap="flat" cmpd="sng" algn="ctr">
+                      <a:solidFill>
+                        <a:srgbClr val="DDDDDD"/>
+                      </a:solidFill>
+                      <a:prstDash val="solid"/>
+                      <a:round/>
+                      <a:headEnd type="none" w="med" len="med"/>
+                      <a:tailEnd type="none" w="med" len="med"/>
+                    </a:lnT>
+                    <a:lnB w="9525" cap="flat" cmpd="sng" algn="ctr">
+                      <a:solidFill>
+                        <a:srgbClr val="DDDDDD"/>
+                      </a:solidFill>
+                      <a:prstDash val="solid"/>
+                      <a:round/>
+                      <a:headEnd type="none" w="med" len="med"/>
+                      <a:tailEnd type="none" w="med" len="med"/>
+                    </a:lnB>
+                    <a:solidFill>
+                      <a:srgbClr val="E7E9EB"/>
+                    </a:solidFill>
+                  </a:tcPr>
+                </a:tc>
+                <a:tc>
+                  <a:txBody>
+                    <a:bodyPr/>
+                    <a:lstStyle/>
+                    <a:p>
+                      <a:pPr algn="l" fontAlgn="t"/>
+                      <a:r>
+                        <a:rPr lang="en-US">
+                          <a:effectLst/>
+                        </a:rPr>
+                        <a:t>x &gt;= y</a:t>
+                      </a:r>
+                    </a:p>
+                  </a:txBody>
+                  <a:tcPr marL="76200" marR="76200" marT="76200" marB="76200">
+                    <a:lnL>
+                      <a:noFill/>
+                    </a:lnL>
+                    <a:lnR>
+                      <a:noFill/>
+                    </a:lnR>
+                    <a:lnT w="9525" cap="flat" cmpd="sng" algn="ctr">
+                      <a:solidFill>
+                        <a:srgbClr val="DDDDDD"/>
+                      </a:solidFill>
+                      <a:prstDash val="solid"/>
+                      <a:round/>
+                      <a:headEnd type="none" w="med" len="med"/>
+                      <a:tailEnd type="none" w="med" len="med"/>
+                    </a:lnT>
+                    <a:lnB w="9525" cap="flat" cmpd="sng" algn="ctr">
+                      <a:solidFill>
+                        <a:srgbClr val="DDDDDD"/>
+                      </a:solidFill>
+                      <a:prstDash val="solid"/>
+                      <a:round/>
+                      <a:headEnd type="none" w="med" len="med"/>
+                      <a:tailEnd type="none" w="med" len="med"/>
+                    </a:lnB>
+                    <a:solidFill>
+                      <a:srgbClr val="E7E9EB"/>
+                    </a:solidFill>
+                  </a:tcPr>
+                </a:tc>
+                <a:extLst>
+                  <a:ext uri="{0D108BD9-81ED-4DB2-BD59-A6C34878D82A}">
+                    <a16:rowId xmlns:a16="http://schemas.microsoft.com/office/drawing/2014/main" val="1996242547"/>
+                  </a:ext>
+                </a:extLst>
+              </a:tr>
+              <a:tr h="312952">
+                <a:tc>
+                  <a:txBody>
+                    <a:bodyPr/>
+                    <a:lstStyle/>
+                    <a:p>
+                      <a:pPr algn="l" fontAlgn="t"/>
+                      <a:r>
+                        <a:rPr lang="en-US">
+                          <a:effectLst/>
+                        </a:rPr>
+                        <a:t>&lt;=</a:t>
+                      </a:r>
+                    </a:p>
+                  </a:txBody>
+                  <a:tcPr marL="152400" marR="76200" marT="76200" marB="76200">
+                    <a:lnL>
+                      <a:noFill/>
+                    </a:lnL>
+                    <a:lnR>
+                      <a:noFill/>
+                    </a:lnR>
+                    <a:lnT w="9525" cap="flat" cmpd="sng" algn="ctr">
+                      <a:solidFill>
+                        <a:srgbClr val="DDDDDD"/>
+                      </a:solidFill>
+                      <a:prstDash val="solid"/>
+                      <a:round/>
+                      <a:headEnd type="none" w="med" len="med"/>
+                      <a:tailEnd type="none" w="med" len="med"/>
+                    </a:lnT>
+                    <a:lnB w="9525" cap="flat" cmpd="sng" algn="ctr">
+                      <a:solidFill>
+                        <a:srgbClr val="DDDDDD"/>
+                      </a:solidFill>
+                      <a:prstDash val="solid"/>
+                      <a:round/>
+                      <a:headEnd type="none" w="med" len="med"/>
+                      <a:tailEnd type="none" w="med" len="med"/>
+                    </a:lnB>
+                    <a:solidFill>
+                      <a:srgbClr val="FFFFFF"/>
+                    </a:solidFill>
+                  </a:tcPr>
+                </a:tc>
+                <a:tc>
+                  <a:txBody>
+                    <a:bodyPr/>
+                    <a:lstStyle/>
+                    <a:p>
+                      <a:pPr algn="l" fontAlgn="t"/>
+                      <a:r>
+                        <a:rPr lang="en-US">
+                          <a:effectLst/>
+                        </a:rPr>
+                        <a:t>Less than or equal to</a:t>
+                      </a:r>
+                    </a:p>
+                  </a:txBody>
+                  <a:tcPr marL="76200" marR="76200" marT="76200" marB="76200">
+                    <a:lnL>
+                      <a:noFill/>
+                    </a:lnL>
+                    <a:lnR>
+                      <a:noFill/>
+                    </a:lnR>
+                    <a:lnT w="9525" cap="flat" cmpd="sng" algn="ctr">
+                      <a:solidFill>
+                        <a:srgbClr val="DDDDDD"/>
+                      </a:solidFill>
+                      <a:prstDash val="solid"/>
+                      <a:round/>
+                      <a:headEnd type="none" w="med" len="med"/>
+                      <a:tailEnd type="none" w="med" len="med"/>
+                    </a:lnT>
+                    <a:lnB w="9525" cap="flat" cmpd="sng" algn="ctr">
+                      <a:solidFill>
+                        <a:srgbClr val="DDDDDD"/>
+                      </a:solidFill>
+                      <a:prstDash val="solid"/>
+                      <a:round/>
+                      <a:headEnd type="none" w="med" len="med"/>
+                      <a:tailEnd type="none" w="med" len="med"/>
+                    </a:lnB>
+                    <a:solidFill>
+                      <a:srgbClr val="FFFFFF"/>
+                    </a:solidFill>
+                  </a:tcPr>
+                </a:tc>
+                <a:tc>
+                  <a:txBody>
+                    <a:bodyPr/>
+                    <a:lstStyle/>
+                    <a:p>
+                      <a:pPr algn="l" fontAlgn="t"/>
+                      <a:r>
+                        <a:rPr lang="en-US" dirty="0">
+                          <a:effectLst/>
+                        </a:rPr>
+                        <a:t>x &lt;= y</a:t>
+                      </a:r>
+                    </a:p>
+                  </a:txBody>
+                  <a:tcPr marL="76200" marR="76200" marT="76200" marB="76200">
+                    <a:lnL>
+                      <a:noFill/>
+                    </a:lnL>
+                    <a:lnR>
+                      <a:noFill/>
+                    </a:lnR>
+                    <a:lnT w="9525" cap="flat" cmpd="sng" algn="ctr">
+                      <a:solidFill>
+                        <a:srgbClr val="DDDDDD"/>
+                      </a:solidFill>
+                      <a:prstDash val="solid"/>
+                      <a:round/>
+                      <a:headEnd type="none" w="med" len="med"/>
+                      <a:tailEnd type="none" w="med" len="med"/>
+                    </a:lnT>
+                    <a:lnB w="9525" cap="flat" cmpd="sng" algn="ctr">
+                      <a:solidFill>
+                        <a:srgbClr val="DDDDDD"/>
+                      </a:solidFill>
+                      <a:prstDash val="solid"/>
+                      <a:round/>
+                      <a:headEnd type="none" w="med" len="med"/>
+                      <a:tailEnd type="none" w="med" len="med"/>
+                    </a:lnB>
+                    <a:solidFill>
+                      <a:srgbClr val="FFFFFF"/>
+                    </a:solidFill>
+                  </a:tcPr>
+                </a:tc>
+                <a:extLst>
+                  <a:ext uri="{0D108BD9-81ED-4DB2-BD59-A6C34878D82A}">
+                    <a16:rowId xmlns:a16="http://schemas.microsoft.com/office/drawing/2014/main" val="768099853"/>
+                  </a:ext>
+                </a:extLst>
+              </a:tr>
+            </a:tbl>
+          </a:graphicData>
+        </a:graphic>
+      </p:graphicFrame>
+    </p:spTree>
+    <p:extLst>
+      <p:ext uri="{BB962C8B-B14F-4D97-AF65-F5344CB8AC3E}">
+        <p14:creationId xmlns:p14="http://schemas.microsoft.com/office/powerpoint/2010/main" val="2045388493"/>
+      </p:ext>
+    </p:extLst>
+  </p:cSld>
+  <p:clrMapOvr>
+    <a:masterClrMapping/>
+  </p:clrMapOvr>
+  <p:timing>
+    <p:tnLst>
+      <p:par>
+        <p:cTn id="1" dur="indefinite" restart="never" nodeType="tmRoot"/>
+      </p:par>
+    </p:tnLst>
+  </p:timing>
+</p:sld>
+</file>
+
 <file path=ppt/slides/slide2.xml><?xml version="1.0" encoding="utf-8"?>
 <p:sld xmlns:a="http://schemas.openxmlformats.org/drawingml/2006/main" xmlns:r="http://schemas.openxmlformats.org/officeDocument/2006/relationships" xmlns:p="http://schemas.openxmlformats.org/presentationml/2006/main">
   <p:cSld>
@@ -6089,6 +13348,1411 @@
     <p:extLst>
       <p:ext uri="{BB962C8B-B14F-4D97-AF65-F5344CB8AC3E}">
         <p14:creationId xmlns:p14="http://schemas.microsoft.com/office/powerpoint/2010/main" val="1740472674"/>
+      </p:ext>
+    </p:extLst>
+  </p:cSld>
+  <p:clrMapOvr>
+    <a:masterClrMapping/>
+  </p:clrMapOvr>
+  <p:timing>
+    <p:tnLst>
+      <p:par>
+        <p:cTn id="1" dur="indefinite" restart="never" nodeType="tmRoot"/>
+      </p:par>
+    </p:tnLst>
+  </p:timing>
+</p:sld>
+</file>
+
+<file path=ppt/slides/slide20.xml><?xml version="1.0" encoding="utf-8"?>
+<p:sld xmlns:a="http://schemas.openxmlformats.org/drawingml/2006/main" xmlns:r="http://schemas.openxmlformats.org/officeDocument/2006/relationships" xmlns:p="http://schemas.openxmlformats.org/presentationml/2006/main">
+  <p:cSld>
+    <p:spTree>
+      <p:nvGrpSpPr>
+        <p:cNvPr id="1" name=""/>
+        <p:cNvGrpSpPr/>
+        <p:nvPr/>
+      </p:nvGrpSpPr>
+      <p:grpSpPr>
+        <a:xfrm>
+          <a:off x="0" y="0"/>
+          <a:ext cx="0" cy="0"/>
+          <a:chOff x="0" y="0"/>
+          <a:chExt cx="0" cy="0"/>
+        </a:xfrm>
+      </p:grpSpPr>
+      <p:sp>
+        <p:nvSpPr>
+          <p:cNvPr id="2" name="Title 1"/>
+          <p:cNvSpPr>
+            <a:spLocks noGrp="1"/>
+          </p:cNvSpPr>
+          <p:nvPr>
+            <p:ph type="title"/>
+          </p:nvPr>
+        </p:nvSpPr>
+        <p:spPr>
+          <a:xfrm>
+            <a:off x="252919" y="1123837"/>
+            <a:ext cx="3103892" cy="4601183"/>
+          </a:xfrm>
+        </p:spPr>
+        <p:txBody>
+          <a:bodyPr/>
+          <a:lstStyle/>
+          <a:p>
+            <a:r>
+              <a:rPr lang="en-US" dirty="0"/>
+              <a:t>Java Operators</a:t>
+            </a:r>
+          </a:p>
+        </p:txBody>
+      </p:sp>
+      <p:sp>
+        <p:nvSpPr>
+          <p:cNvPr id="3" name="Content Placeholder 2"/>
+          <p:cNvSpPr>
+            <a:spLocks noGrp="1"/>
+          </p:cNvSpPr>
+          <p:nvPr>
+            <p:ph idx="1"/>
+          </p:nvPr>
+        </p:nvSpPr>
+        <p:spPr>
+          <a:xfrm>
+            <a:off x="3869268" y="765908"/>
+            <a:ext cx="7315200" cy="1135081"/>
+          </a:xfrm>
+        </p:spPr>
+        <p:txBody>
+          <a:bodyPr/>
+          <a:lstStyle/>
+          <a:p>
+            <a:r>
+              <a:rPr lang="en-US" dirty="0">
+                <a:solidFill>
+                  <a:schemeClr val="accent4"/>
+                </a:solidFill>
+              </a:rPr>
+              <a:t>Logical Operators</a:t>
+            </a:r>
+          </a:p>
+        </p:txBody>
+      </p:sp>
+      <p:sp>
+        <p:nvSpPr>
+          <p:cNvPr id="5" name="Content Placeholder 2"/>
+          <p:cNvSpPr txBox="1">
+            <a:spLocks/>
+          </p:cNvSpPr>
+          <p:nvPr/>
+        </p:nvSpPr>
+        <p:spPr>
+          <a:xfrm>
+            <a:off x="4021668" y="1600200"/>
+            <a:ext cx="7315200" cy="4632569"/>
+          </a:xfrm>
+          <a:prstGeom prst="rect">
+            <a:avLst/>
+          </a:prstGeom>
+        </p:spPr>
+        <p:txBody>
+          <a:bodyPr vert="horz" lIns="91440" tIns="45720" rIns="91440" bIns="45720" rtlCol="0" anchor="ctr">
+            <a:normAutofit/>
+          </a:bodyPr>
+          <a:lstStyle>
+            <a:lvl1pPr marL="182880" indent="-182880" algn="l" defTabSz="914400" rtl="0" eaLnBrk="1" latinLnBrk="0" hangingPunct="1">
+              <a:lnSpc>
+                <a:spcPct val="90000"/>
+              </a:lnSpc>
+              <a:spcBef>
+                <a:spcPts val="1200"/>
+              </a:spcBef>
+              <a:buClr>
+                <a:schemeClr val="accent1"/>
+              </a:buClr>
+              <a:buFont typeface="Wingdings 2" pitchFamily="18" charset="2"/>
+              <a:buChar char=""/>
+              <a:defRPr sz="2000" kern="1200">
+                <a:solidFill>
+                  <a:schemeClr val="tx1">
+                    <a:lumMod val="65000"/>
+                    <a:lumOff val="35000"/>
+                  </a:schemeClr>
+                </a:solidFill>
+                <a:latin typeface="+mn-lt"/>
+                <a:ea typeface="+mn-ea"/>
+                <a:cs typeface="+mn-cs"/>
+              </a:defRPr>
+            </a:lvl1pPr>
+            <a:lvl2pPr marL="685800" indent="-182880" algn="l" defTabSz="914400" rtl="0" eaLnBrk="1" latinLnBrk="0" hangingPunct="1">
+              <a:lnSpc>
+                <a:spcPct val="90000"/>
+              </a:lnSpc>
+              <a:spcBef>
+                <a:spcPts val="250"/>
+              </a:spcBef>
+              <a:spcAft>
+                <a:spcPts val="250"/>
+              </a:spcAft>
+              <a:buClr>
+                <a:schemeClr val="accent1"/>
+              </a:buClr>
+              <a:buFont typeface="Wingdings 2" pitchFamily="18" charset="2"/>
+              <a:buChar char=""/>
+              <a:defRPr sz="1800" kern="1200">
+                <a:solidFill>
+                  <a:schemeClr val="tx1">
+                    <a:lumMod val="65000"/>
+                    <a:lumOff val="35000"/>
+                  </a:schemeClr>
+                </a:solidFill>
+                <a:latin typeface="+mn-lt"/>
+                <a:ea typeface="+mn-ea"/>
+                <a:cs typeface="+mn-cs"/>
+              </a:defRPr>
+            </a:lvl2pPr>
+            <a:lvl3pPr marL="1143000" indent="-182880" algn="l" defTabSz="914400" rtl="0" eaLnBrk="1" latinLnBrk="0" hangingPunct="1">
+              <a:lnSpc>
+                <a:spcPct val="90000"/>
+              </a:lnSpc>
+              <a:spcBef>
+                <a:spcPts val="250"/>
+              </a:spcBef>
+              <a:spcAft>
+                <a:spcPts val="250"/>
+              </a:spcAft>
+              <a:buClr>
+                <a:schemeClr val="accent1"/>
+              </a:buClr>
+              <a:buFont typeface="Wingdings 2" pitchFamily="18" charset="2"/>
+              <a:buChar char=""/>
+              <a:defRPr sz="1600" kern="1200">
+                <a:solidFill>
+                  <a:schemeClr val="tx1">
+                    <a:lumMod val="65000"/>
+                    <a:lumOff val="35000"/>
+                  </a:schemeClr>
+                </a:solidFill>
+                <a:latin typeface="+mn-lt"/>
+                <a:ea typeface="+mn-ea"/>
+                <a:cs typeface="+mn-cs"/>
+              </a:defRPr>
+            </a:lvl3pPr>
+            <a:lvl4pPr marL="1600200" indent="-182880" algn="l" defTabSz="914400" rtl="0" eaLnBrk="1" latinLnBrk="0" hangingPunct="1">
+              <a:lnSpc>
+                <a:spcPct val="90000"/>
+              </a:lnSpc>
+              <a:spcBef>
+                <a:spcPts val="250"/>
+              </a:spcBef>
+              <a:spcAft>
+                <a:spcPts val="250"/>
+              </a:spcAft>
+              <a:buClr>
+                <a:schemeClr val="accent1"/>
+              </a:buClr>
+              <a:buFont typeface="Wingdings 2" pitchFamily="18" charset="2"/>
+              <a:buChar char=""/>
+              <a:defRPr sz="1400" kern="1200">
+                <a:solidFill>
+                  <a:schemeClr val="tx1">
+                    <a:lumMod val="65000"/>
+                    <a:lumOff val="35000"/>
+                  </a:schemeClr>
+                </a:solidFill>
+                <a:latin typeface="+mn-lt"/>
+                <a:ea typeface="+mn-ea"/>
+                <a:cs typeface="+mn-cs"/>
+              </a:defRPr>
+            </a:lvl4pPr>
+            <a:lvl5pPr marL="2057400" indent="-182880" algn="l" defTabSz="914400" rtl="0" eaLnBrk="1" latinLnBrk="0" hangingPunct="1">
+              <a:lnSpc>
+                <a:spcPct val="90000"/>
+              </a:lnSpc>
+              <a:spcBef>
+                <a:spcPts val="250"/>
+              </a:spcBef>
+              <a:spcAft>
+                <a:spcPts val="250"/>
+              </a:spcAft>
+              <a:buClr>
+                <a:schemeClr val="accent1"/>
+              </a:buClr>
+              <a:buFont typeface="Wingdings 2" pitchFamily="18" charset="2"/>
+              <a:buChar char=""/>
+              <a:defRPr sz="1400" kern="1200">
+                <a:solidFill>
+                  <a:schemeClr val="tx1">
+                    <a:lumMod val="65000"/>
+                    <a:lumOff val="35000"/>
+                  </a:schemeClr>
+                </a:solidFill>
+                <a:latin typeface="+mn-lt"/>
+                <a:ea typeface="+mn-ea"/>
+                <a:cs typeface="+mn-cs"/>
+              </a:defRPr>
+            </a:lvl5pPr>
+            <a:lvl6pPr marL="2514600" indent="-228600" algn="l" defTabSz="914400" rtl="0" eaLnBrk="1" latinLnBrk="0" hangingPunct="1">
+              <a:lnSpc>
+                <a:spcPct val="90000"/>
+              </a:lnSpc>
+              <a:spcBef>
+                <a:spcPts val="250"/>
+              </a:spcBef>
+              <a:spcAft>
+                <a:spcPts val="250"/>
+              </a:spcAft>
+              <a:buClr>
+                <a:schemeClr val="accent1"/>
+              </a:buClr>
+              <a:buFont typeface="Wingdings 2" pitchFamily="18" charset="2"/>
+              <a:buChar char=""/>
+              <a:defRPr sz="1400" kern="1200">
+                <a:solidFill>
+                  <a:schemeClr val="tx1">
+                    <a:lumMod val="65000"/>
+                    <a:lumOff val="35000"/>
+                  </a:schemeClr>
+                </a:solidFill>
+                <a:latin typeface="+mn-lt"/>
+                <a:ea typeface="+mn-ea"/>
+                <a:cs typeface="+mn-cs"/>
+              </a:defRPr>
+            </a:lvl6pPr>
+            <a:lvl7pPr marL="2971800" indent="-228600" algn="l" defTabSz="914400" rtl="0" eaLnBrk="1" latinLnBrk="0" hangingPunct="1">
+              <a:lnSpc>
+                <a:spcPct val="90000"/>
+              </a:lnSpc>
+              <a:spcBef>
+                <a:spcPts val="250"/>
+              </a:spcBef>
+              <a:spcAft>
+                <a:spcPts val="250"/>
+              </a:spcAft>
+              <a:buClr>
+                <a:schemeClr val="accent1"/>
+              </a:buClr>
+              <a:buFont typeface="Wingdings 2" pitchFamily="18" charset="2"/>
+              <a:buChar char=""/>
+              <a:defRPr sz="1400" kern="1200">
+                <a:solidFill>
+                  <a:schemeClr val="tx1">
+                    <a:lumMod val="65000"/>
+                    <a:lumOff val="35000"/>
+                  </a:schemeClr>
+                </a:solidFill>
+                <a:latin typeface="+mn-lt"/>
+                <a:ea typeface="+mn-ea"/>
+                <a:cs typeface="+mn-cs"/>
+              </a:defRPr>
+            </a:lvl7pPr>
+            <a:lvl8pPr marL="3429000" indent="-228600" algn="l" defTabSz="914400" rtl="0" eaLnBrk="1" latinLnBrk="0" hangingPunct="1">
+              <a:lnSpc>
+                <a:spcPct val="90000"/>
+              </a:lnSpc>
+              <a:spcBef>
+                <a:spcPts val="250"/>
+              </a:spcBef>
+              <a:spcAft>
+                <a:spcPts val="250"/>
+              </a:spcAft>
+              <a:buClr>
+                <a:schemeClr val="accent1"/>
+              </a:buClr>
+              <a:buFont typeface="Wingdings 2" pitchFamily="18" charset="2"/>
+              <a:buChar char=""/>
+              <a:defRPr sz="1400" kern="1200">
+                <a:solidFill>
+                  <a:schemeClr val="tx1">
+                    <a:lumMod val="65000"/>
+                    <a:lumOff val="35000"/>
+                  </a:schemeClr>
+                </a:solidFill>
+                <a:latin typeface="+mn-lt"/>
+                <a:ea typeface="+mn-ea"/>
+                <a:cs typeface="+mn-cs"/>
+              </a:defRPr>
+            </a:lvl8pPr>
+            <a:lvl9pPr marL="3886200" indent="-228600" algn="l" defTabSz="914400" rtl="0" eaLnBrk="1" latinLnBrk="0" hangingPunct="1">
+              <a:lnSpc>
+                <a:spcPct val="90000"/>
+              </a:lnSpc>
+              <a:spcBef>
+                <a:spcPts val="250"/>
+              </a:spcBef>
+              <a:spcAft>
+                <a:spcPts val="250"/>
+              </a:spcAft>
+              <a:buClr>
+                <a:schemeClr val="accent1"/>
+              </a:buClr>
+              <a:buFont typeface="Wingdings 2" pitchFamily="18" charset="2"/>
+              <a:buChar char=""/>
+              <a:defRPr sz="1400" kern="1200">
+                <a:solidFill>
+                  <a:schemeClr val="tx1">
+                    <a:lumMod val="65000"/>
+                    <a:lumOff val="35000"/>
+                  </a:schemeClr>
+                </a:solidFill>
+                <a:latin typeface="+mn-lt"/>
+                <a:ea typeface="+mn-ea"/>
+                <a:cs typeface="+mn-cs"/>
+              </a:defRPr>
+            </a:lvl9pPr>
+          </a:lstStyle>
+          <a:p>
+            <a:pPr marL="0" indent="0">
+              <a:buFont typeface="Wingdings 2" pitchFamily="18" charset="2"/>
+              <a:buNone/>
+            </a:pPr>
+            <a:endParaRPr lang="en-US" sz="1400" dirty="0">
+              <a:latin typeface="Consolas" panose="020B0609020204030204" pitchFamily="49" charset="0"/>
+            </a:endParaRPr>
+          </a:p>
+        </p:txBody>
+      </p:sp>
+      <p:sp>
+        <p:nvSpPr>
+          <p:cNvPr id="7" name="Content Placeholder 2"/>
+          <p:cNvSpPr txBox="1">
+            <a:spLocks/>
+          </p:cNvSpPr>
+          <p:nvPr/>
+        </p:nvSpPr>
+        <p:spPr>
+          <a:xfrm>
+            <a:off x="4021668" y="1600200"/>
+            <a:ext cx="7315200" cy="1135081"/>
+          </a:xfrm>
+          <a:prstGeom prst="rect">
+            <a:avLst/>
+          </a:prstGeom>
+        </p:spPr>
+        <p:txBody>
+          <a:bodyPr vert="horz" lIns="91440" tIns="45720" rIns="91440" bIns="45720" rtlCol="0" anchor="ctr">
+            <a:normAutofit/>
+          </a:bodyPr>
+          <a:lstStyle>
+            <a:lvl1pPr marL="182880" indent="-182880" algn="l" defTabSz="914400" rtl="0" eaLnBrk="1" latinLnBrk="0" hangingPunct="1">
+              <a:lnSpc>
+                <a:spcPct val="90000"/>
+              </a:lnSpc>
+              <a:spcBef>
+                <a:spcPts val="1200"/>
+              </a:spcBef>
+              <a:buClr>
+                <a:schemeClr val="accent1"/>
+              </a:buClr>
+              <a:buFont typeface="Wingdings 2" pitchFamily="18" charset="2"/>
+              <a:buChar char=""/>
+              <a:defRPr sz="2000" kern="1200">
+                <a:solidFill>
+                  <a:schemeClr val="tx1">
+                    <a:lumMod val="65000"/>
+                    <a:lumOff val="35000"/>
+                  </a:schemeClr>
+                </a:solidFill>
+                <a:latin typeface="+mn-lt"/>
+                <a:ea typeface="+mn-ea"/>
+                <a:cs typeface="+mn-cs"/>
+              </a:defRPr>
+            </a:lvl1pPr>
+            <a:lvl2pPr marL="685800" indent="-182880" algn="l" defTabSz="914400" rtl="0" eaLnBrk="1" latinLnBrk="0" hangingPunct="1">
+              <a:lnSpc>
+                <a:spcPct val="90000"/>
+              </a:lnSpc>
+              <a:spcBef>
+                <a:spcPts val="250"/>
+              </a:spcBef>
+              <a:spcAft>
+                <a:spcPts val="250"/>
+              </a:spcAft>
+              <a:buClr>
+                <a:schemeClr val="accent1"/>
+              </a:buClr>
+              <a:buFont typeface="Wingdings 2" pitchFamily="18" charset="2"/>
+              <a:buChar char=""/>
+              <a:defRPr sz="1800" kern="1200">
+                <a:solidFill>
+                  <a:schemeClr val="tx1">
+                    <a:lumMod val="65000"/>
+                    <a:lumOff val="35000"/>
+                  </a:schemeClr>
+                </a:solidFill>
+                <a:latin typeface="+mn-lt"/>
+                <a:ea typeface="+mn-ea"/>
+                <a:cs typeface="+mn-cs"/>
+              </a:defRPr>
+            </a:lvl2pPr>
+            <a:lvl3pPr marL="1143000" indent="-182880" algn="l" defTabSz="914400" rtl="0" eaLnBrk="1" latinLnBrk="0" hangingPunct="1">
+              <a:lnSpc>
+                <a:spcPct val="90000"/>
+              </a:lnSpc>
+              <a:spcBef>
+                <a:spcPts val="250"/>
+              </a:spcBef>
+              <a:spcAft>
+                <a:spcPts val="250"/>
+              </a:spcAft>
+              <a:buClr>
+                <a:schemeClr val="accent1"/>
+              </a:buClr>
+              <a:buFont typeface="Wingdings 2" pitchFamily="18" charset="2"/>
+              <a:buChar char=""/>
+              <a:defRPr sz="1600" kern="1200">
+                <a:solidFill>
+                  <a:schemeClr val="tx1">
+                    <a:lumMod val="65000"/>
+                    <a:lumOff val="35000"/>
+                  </a:schemeClr>
+                </a:solidFill>
+                <a:latin typeface="+mn-lt"/>
+                <a:ea typeface="+mn-ea"/>
+                <a:cs typeface="+mn-cs"/>
+              </a:defRPr>
+            </a:lvl3pPr>
+            <a:lvl4pPr marL="1600200" indent="-182880" algn="l" defTabSz="914400" rtl="0" eaLnBrk="1" latinLnBrk="0" hangingPunct="1">
+              <a:lnSpc>
+                <a:spcPct val="90000"/>
+              </a:lnSpc>
+              <a:spcBef>
+                <a:spcPts val="250"/>
+              </a:spcBef>
+              <a:spcAft>
+                <a:spcPts val="250"/>
+              </a:spcAft>
+              <a:buClr>
+                <a:schemeClr val="accent1"/>
+              </a:buClr>
+              <a:buFont typeface="Wingdings 2" pitchFamily="18" charset="2"/>
+              <a:buChar char=""/>
+              <a:defRPr sz="1400" kern="1200">
+                <a:solidFill>
+                  <a:schemeClr val="tx1">
+                    <a:lumMod val="65000"/>
+                    <a:lumOff val="35000"/>
+                  </a:schemeClr>
+                </a:solidFill>
+                <a:latin typeface="+mn-lt"/>
+                <a:ea typeface="+mn-ea"/>
+                <a:cs typeface="+mn-cs"/>
+              </a:defRPr>
+            </a:lvl4pPr>
+            <a:lvl5pPr marL="2057400" indent="-182880" algn="l" defTabSz="914400" rtl="0" eaLnBrk="1" latinLnBrk="0" hangingPunct="1">
+              <a:lnSpc>
+                <a:spcPct val="90000"/>
+              </a:lnSpc>
+              <a:spcBef>
+                <a:spcPts val="250"/>
+              </a:spcBef>
+              <a:spcAft>
+                <a:spcPts val="250"/>
+              </a:spcAft>
+              <a:buClr>
+                <a:schemeClr val="accent1"/>
+              </a:buClr>
+              <a:buFont typeface="Wingdings 2" pitchFamily="18" charset="2"/>
+              <a:buChar char=""/>
+              <a:defRPr sz="1400" kern="1200">
+                <a:solidFill>
+                  <a:schemeClr val="tx1">
+                    <a:lumMod val="65000"/>
+                    <a:lumOff val="35000"/>
+                  </a:schemeClr>
+                </a:solidFill>
+                <a:latin typeface="+mn-lt"/>
+                <a:ea typeface="+mn-ea"/>
+                <a:cs typeface="+mn-cs"/>
+              </a:defRPr>
+            </a:lvl5pPr>
+            <a:lvl6pPr marL="2514600" indent="-228600" algn="l" defTabSz="914400" rtl="0" eaLnBrk="1" latinLnBrk="0" hangingPunct="1">
+              <a:lnSpc>
+                <a:spcPct val="90000"/>
+              </a:lnSpc>
+              <a:spcBef>
+                <a:spcPts val="250"/>
+              </a:spcBef>
+              <a:spcAft>
+                <a:spcPts val="250"/>
+              </a:spcAft>
+              <a:buClr>
+                <a:schemeClr val="accent1"/>
+              </a:buClr>
+              <a:buFont typeface="Wingdings 2" pitchFamily="18" charset="2"/>
+              <a:buChar char=""/>
+              <a:defRPr sz="1400" kern="1200">
+                <a:solidFill>
+                  <a:schemeClr val="tx1">
+                    <a:lumMod val="65000"/>
+                    <a:lumOff val="35000"/>
+                  </a:schemeClr>
+                </a:solidFill>
+                <a:latin typeface="+mn-lt"/>
+                <a:ea typeface="+mn-ea"/>
+                <a:cs typeface="+mn-cs"/>
+              </a:defRPr>
+            </a:lvl6pPr>
+            <a:lvl7pPr marL="2971800" indent="-228600" algn="l" defTabSz="914400" rtl="0" eaLnBrk="1" latinLnBrk="0" hangingPunct="1">
+              <a:lnSpc>
+                <a:spcPct val="90000"/>
+              </a:lnSpc>
+              <a:spcBef>
+                <a:spcPts val="250"/>
+              </a:spcBef>
+              <a:spcAft>
+                <a:spcPts val="250"/>
+              </a:spcAft>
+              <a:buClr>
+                <a:schemeClr val="accent1"/>
+              </a:buClr>
+              <a:buFont typeface="Wingdings 2" pitchFamily="18" charset="2"/>
+              <a:buChar char=""/>
+              <a:defRPr sz="1400" kern="1200">
+                <a:solidFill>
+                  <a:schemeClr val="tx1">
+                    <a:lumMod val="65000"/>
+                    <a:lumOff val="35000"/>
+                  </a:schemeClr>
+                </a:solidFill>
+                <a:latin typeface="+mn-lt"/>
+                <a:ea typeface="+mn-ea"/>
+                <a:cs typeface="+mn-cs"/>
+              </a:defRPr>
+            </a:lvl7pPr>
+            <a:lvl8pPr marL="3429000" indent="-228600" algn="l" defTabSz="914400" rtl="0" eaLnBrk="1" latinLnBrk="0" hangingPunct="1">
+              <a:lnSpc>
+                <a:spcPct val="90000"/>
+              </a:lnSpc>
+              <a:spcBef>
+                <a:spcPts val="250"/>
+              </a:spcBef>
+              <a:spcAft>
+                <a:spcPts val="250"/>
+              </a:spcAft>
+              <a:buClr>
+                <a:schemeClr val="accent1"/>
+              </a:buClr>
+              <a:buFont typeface="Wingdings 2" pitchFamily="18" charset="2"/>
+              <a:buChar char=""/>
+              <a:defRPr sz="1400" kern="1200">
+                <a:solidFill>
+                  <a:schemeClr val="tx1">
+                    <a:lumMod val="65000"/>
+                    <a:lumOff val="35000"/>
+                  </a:schemeClr>
+                </a:solidFill>
+                <a:latin typeface="+mn-lt"/>
+                <a:ea typeface="+mn-ea"/>
+                <a:cs typeface="+mn-cs"/>
+              </a:defRPr>
+            </a:lvl8pPr>
+            <a:lvl9pPr marL="3886200" indent="-228600" algn="l" defTabSz="914400" rtl="0" eaLnBrk="1" latinLnBrk="0" hangingPunct="1">
+              <a:lnSpc>
+                <a:spcPct val="90000"/>
+              </a:lnSpc>
+              <a:spcBef>
+                <a:spcPts val="250"/>
+              </a:spcBef>
+              <a:spcAft>
+                <a:spcPts val="250"/>
+              </a:spcAft>
+              <a:buClr>
+                <a:schemeClr val="accent1"/>
+              </a:buClr>
+              <a:buFont typeface="Wingdings 2" pitchFamily="18" charset="2"/>
+              <a:buChar char=""/>
+              <a:defRPr sz="1400" kern="1200">
+                <a:solidFill>
+                  <a:schemeClr val="tx1">
+                    <a:lumMod val="65000"/>
+                    <a:lumOff val="35000"/>
+                  </a:schemeClr>
+                </a:solidFill>
+                <a:latin typeface="+mn-lt"/>
+                <a:ea typeface="+mn-ea"/>
+                <a:cs typeface="+mn-cs"/>
+              </a:defRPr>
+            </a:lvl9pPr>
+          </a:lstStyle>
+          <a:p>
+            <a:pPr marL="0" indent="0">
+              <a:buNone/>
+            </a:pPr>
+            <a:endParaRPr lang="en-US" dirty="0" smtClean="0">
+              <a:solidFill>
+                <a:schemeClr val="accent4"/>
+              </a:solidFill>
+            </a:endParaRPr>
+          </a:p>
+        </p:txBody>
+      </p:sp>
+      <p:graphicFrame>
+        <p:nvGraphicFramePr>
+          <p:cNvPr id="8" name="Table 7"/>
+          <p:cNvGraphicFramePr>
+            <a:graphicFrameLocks noGrp="1"/>
+          </p:cNvGraphicFramePr>
+          <p:nvPr>
+            <p:extLst>
+              <p:ext uri="{D42A27DB-BD31-4B8C-83A1-F6EECF244321}">
+                <p14:modId xmlns:p14="http://schemas.microsoft.com/office/powerpoint/2010/main" val="3498179450"/>
+              </p:ext>
+            </p:extLst>
+          </p:nvPr>
+        </p:nvGraphicFramePr>
+        <p:xfrm>
+          <a:off x="4021668" y="1900996"/>
+          <a:ext cx="7315199" cy="3799224"/>
+        </p:xfrm>
+        <a:graphic>
+          <a:graphicData uri="http://schemas.openxmlformats.org/drawingml/2006/table">
+            <a:tbl>
+              <a:tblPr/>
+              <a:tblGrid>
+                <a:gridCol w="1830593">
+                  <a:extLst>
+                    <a:ext uri="{9D8B030D-6E8A-4147-A177-3AD203B41FA5}">
+                      <a16:colId xmlns:a16="http://schemas.microsoft.com/office/drawing/2014/main" val="1978212203"/>
+                    </a:ext>
+                  </a:extLst>
+                </a:gridCol>
+                <a:gridCol w="1829604">
+                  <a:extLst>
+                    <a:ext uri="{9D8B030D-6E8A-4147-A177-3AD203B41FA5}">
+                      <a16:colId xmlns:a16="http://schemas.microsoft.com/office/drawing/2014/main" val="256339827"/>
+                    </a:ext>
+                  </a:extLst>
+                </a:gridCol>
+                <a:gridCol w="1827501">
+                  <a:extLst>
+                    <a:ext uri="{9D8B030D-6E8A-4147-A177-3AD203B41FA5}">
+                      <a16:colId xmlns:a16="http://schemas.microsoft.com/office/drawing/2014/main" val="569290513"/>
+                    </a:ext>
+                  </a:extLst>
+                </a:gridCol>
+                <a:gridCol w="1827501">
+                  <a:extLst>
+                    <a:ext uri="{9D8B030D-6E8A-4147-A177-3AD203B41FA5}">
+                      <a16:colId xmlns:a16="http://schemas.microsoft.com/office/drawing/2014/main" val="2578020103"/>
+                    </a:ext>
+                  </a:extLst>
+                </a:gridCol>
+              </a:tblGrid>
+              <a:tr h="215122">
+                <a:tc>
+                  <a:txBody>
+                    <a:bodyPr/>
+                    <a:lstStyle/>
+                    <a:p>
+                      <a:pPr algn="l" fontAlgn="t"/>
+                      <a:r>
+                        <a:rPr lang="en-US" sz="1500">
+                          <a:effectLst/>
+                        </a:rPr>
+                        <a:t>Operator</a:t>
+                      </a:r>
+                    </a:p>
+                  </a:txBody>
+                  <a:tcPr marL="95904" marR="47952" marT="47952" marB="47952">
+                    <a:lnL>
+                      <a:noFill/>
+                    </a:lnL>
+                    <a:lnR>
+                      <a:noFill/>
+                    </a:lnR>
+                    <a:lnT>
+                      <a:noFill/>
+                    </a:lnT>
+                    <a:lnB w="9525" cap="flat" cmpd="sng" algn="ctr">
+                      <a:solidFill>
+                        <a:srgbClr val="DDDDDD"/>
+                      </a:solidFill>
+                      <a:prstDash val="solid"/>
+                      <a:round/>
+                      <a:headEnd type="none" w="med" len="med"/>
+                      <a:tailEnd type="none" w="med" len="med"/>
+                    </a:lnB>
+                    <a:solidFill>
+                      <a:srgbClr val="FFFFFF"/>
+                    </a:solidFill>
+                  </a:tcPr>
+                </a:tc>
+                <a:tc>
+                  <a:txBody>
+                    <a:bodyPr/>
+                    <a:lstStyle/>
+                    <a:p>
+                      <a:pPr algn="l" fontAlgn="t"/>
+                      <a:r>
+                        <a:rPr lang="en-US" sz="1500">
+                          <a:effectLst/>
+                        </a:rPr>
+                        <a:t>Example</a:t>
+                      </a:r>
+                    </a:p>
+                  </a:txBody>
+                  <a:tcPr marL="47952" marR="47952" marT="47952" marB="47952">
+                    <a:lnL>
+                      <a:noFill/>
+                    </a:lnL>
+                    <a:lnR>
+                      <a:noFill/>
+                    </a:lnR>
+                    <a:lnT>
+                      <a:noFill/>
+                    </a:lnT>
+                    <a:lnB w="9525" cap="flat" cmpd="sng" algn="ctr">
+                      <a:solidFill>
+                        <a:srgbClr val="DDDDDD"/>
+                      </a:solidFill>
+                      <a:prstDash val="solid"/>
+                      <a:round/>
+                      <a:headEnd type="none" w="med" len="med"/>
+                      <a:tailEnd type="none" w="med" len="med"/>
+                    </a:lnB>
+                    <a:solidFill>
+                      <a:srgbClr val="FFFFFF"/>
+                    </a:solidFill>
+                  </a:tcPr>
+                </a:tc>
+                <a:tc>
+                  <a:txBody>
+                    <a:bodyPr/>
+                    <a:lstStyle/>
+                    <a:p>
+                      <a:pPr algn="l" fontAlgn="t"/>
+                      <a:r>
+                        <a:rPr lang="en-US" sz="1500">
+                          <a:effectLst/>
+                        </a:rPr>
+                        <a:t>Same As</a:t>
+                      </a:r>
+                    </a:p>
+                  </a:txBody>
+                  <a:tcPr marL="47952" marR="47952" marT="47952" marB="47952">
+                    <a:lnL>
+                      <a:noFill/>
+                    </a:lnL>
+                    <a:lnR>
+                      <a:noFill/>
+                    </a:lnR>
+                    <a:lnT>
+                      <a:noFill/>
+                    </a:lnT>
+                    <a:lnB w="9525" cap="flat" cmpd="sng" algn="ctr">
+                      <a:solidFill>
+                        <a:srgbClr val="DDDDDD"/>
+                      </a:solidFill>
+                      <a:prstDash val="solid"/>
+                      <a:round/>
+                      <a:headEnd type="none" w="med" len="med"/>
+                      <a:tailEnd type="none" w="med" len="med"/>
+                    </a:lnB>
+                    <a:solidFill>
+                      <a:srgbClr val="FFFFFF"/>
+                    </a:solidFill>
+                  </a:tcPr>
+                </a:tc>
+                <a:tc>
+                  <a:txBody>
+                    <a:bodyPr/>
+                    <a:lstStyle/>
+                    <a:p>
+                      <a:pPr algn="l" fontAlgn="t"/>
+                      <a:endParaRPr lang="en-US" sz="1500">
+                        <a:effectLst/>
+                      </a:endParaRPr>
+                    </a:p>
+                  </a:txBody>
+                  <a:tcPr marL="47952" marR="47952" marT="47952" marB="47952">
+                    <a:lnL>
+                      <a:noFill/>
+                    </a:lnL>
+                    <a:lnR>
+                      <a:noFill/>
+                    </a:lnR>
+                    <a:lnT>
+                      <a:noFill/>
+                    </a:lnT>
+                    <a:lnB w="9525" cap="flat" cmpd="sng" algn="ctr">
+                      <a:solidFill>
+                        <a:srgbClr val="DDDDDD"/>
+                      </a:solidFill>
+                      <a:prstDash val="solid"/>
+                      <a:round/>
+                      <a:headEnd type="none" w="med" len="med"/>
+                      <a:tailEnd type="none" w="med" len="med"/>
+                    </a:lnB>
+                    <a:solidFill>
+                      <a:srgbClr val="FFFFFF"/>
+                    </a:solidFill>
+                  </a:tcPr>
+                </a:tc>
+                <a:extLst>
+                  <a:ext uri="{0D108BD9-81ED-4DB2-BD59-A6C34878D82A}">
+                    <a16:rowId xmlns:a16="http://schemas.microsoft.com/office/drawing/2014/main" val="104028381"/>
+                  </a:ext>
+                </a:extLst>
+              </a:tr>
+              <a:tr h="312952">
+                <a:tc>
+                  <a:txBody>
+                    <a:bodyPr/>
+                    <a:lstStyle/>
+                    <a:p>
+                      <a:pPr algn="l" fontAlgn="t"/>
+                      <a:r>
+                        <a:rPr lang="en-US">
+                          <a:effectLst/>
+                        </a:rPr>
+                        <a:t>&amp;&amp; </a:t>
+                      </a:r>
+                    </a:p>
+                  </a:txBody>
+                  <a:tcPr marL="152400" marR="76200" marT="76200" marB="76200">
+                    <a:lnL>
+                      <a:noFill/>
+                    </a:lnL>
+                    <a:lnR>
+                      <a:noFill/>
+                    </a:lnR>
+                    <a:lnT w="9525" cap="flat" cmpd="sng" algn="ctr">
+                      <a:solidFill>
+                        <a:srgbClr val="DDDDDD"/>
+                      </a:solidFill>
+                      <a:prstDash val="solid"/>
+                      <a:round/>
+                      <a:headEnd type="none" w="med" len="med"/>
+                      <a:tailEnd type="none" w="med" len="med"/>
+                    </a:lnT>
+                    <a:lnB w="9525" cap="flat" cmpd="sng" algn="ctr">
+                      <a:solidFill>
+                        <a:srgbClr val="DDDDDD"/>
+                      </a:solidFill>
+                      <a:prstDash val="solid"/>
+                      <a:round/>
+                      <a:headEnd type="none" w="med" len="med"/>
+                      <a:tailEnd type="none" w="med" len="med"/>
+                    </a:lnB>
+                    <a:solidFill>
+                      <a:srgbClr val="E7E9EB"/>
+                    </a:solidFill>
+                  </a:tcPr>
+                </a:tc>
+                <a:tc>
+                  <a:txBody>
+                    <a:bodyPr/>
+                    <a:lstStyle/>
+                    <a:p>
+                      <a:pPr algn="l" fontAlgn="t"/>
+                      <a:r>
+                        <a:rPr lang="en-US">
+                          <a:effectLst/>
+                        </a:rPr>
+                        <a:t>Logical and</a:t>
+                      </a:r>
+                    </a:p>
+                  </a:txBody>
+                  <a:tcPr marL="76200" marR="76200" marT="76200" marB="76200">
+                    <a:lnL>
+                      <a:noFill/>
+                    </a:lnL>
+                    <a:lnR>
+                      <a:noFill/>
+                    </a:lnR>
+                    <a:lnT w="9525" cap="flat" cmpd="sng" algn="ctr">
+                      <a:solidFill>
+                        <a:srgbClr val="DDDDDD"/>
+                      </a:solidFill>
+                      <a:prstDash val="solid"/>
+                      <a:round/>
+                      <a:headEnd type="none" w="med" len="med"/>
+                      <a:tailEnd type="none" w="med" len="med"/>
+                    </a:lnT>
+                    <a:lnB w="9525" cap="flat" cmpd="sng" algn="ctr">
+                      <a:solidFill>
+                        <a:srgbClr val="DDDDDD"/>
+                      </a:solidFill>
+                      <a:prstDash val="solid"/>
+                      <a:round/>
+                      <a:headEnd type="none" w="med" len="med"/>
+                      <a:tailEnd type="none" w="med" len="med"/>
+                    </a:lnB>
+                    <a:solidFill>
+                      <a:srgbClr val="E7E9EB"/>
+                    </a:solidFill>
+                  </a:tcPr>
+                </a:tc>
+                <a:tc>
+                  <a:txBody>
+                    <a:bodyPr/>
+                    <a:lstStyle/>
+                    <a:p>
+                      <a:pPr algn="l" fontAlgn="t"/>
+                      <a:r>
+                        <a:rPr lang="en-US">
+                          <a:effectLst/>
+                        </a:rPr>
+                        <a:t>Returns true if both statements are true</a:t>
+                      </a:r>
+                    </a:p>
+                  </a:txBody>
+                  <a:tcPr marL="76200" marR="76200" marT="76200" marB="76200">
+                    <a:lnL>
+                      <a:noFill/>
+                    </a:lnL>
+                    <a:lnR>
+                      <a:noFill/>
+                    </a:lnR>
+                    <a:lnT w="9525" cap="flat" cmpd="sng" algn="ctr">
+                      <a:solidFill>
+                        <a:srgbClr val="DDDDDD"/>
+                      </a:solidFill>
+                      <a:prstDash val="solid"/>
+                      <a:round/>
+                      <a:headEnd type="none" w="med" len="med"/>
+                      <a:tailEnd type="none" w="med" len="med"/>
+                    </a:lnT>
+                    <a:lnB w="9525" cap="flat" cmpd="sng" algn="ctr">
+                      <a:solidFill>
+                        <a:srgbClr val="DDDDDD"/>
+                      </a:solidFill>
+                      <a:prstDash val="solid"/>
+                      <a:round/>
+                      <a:headEnd type="none" w="med" len="med"/>
+                      <a:tailEnd type="none" w="med" len="med"/>
+                    </a:lnB>
+                    <a:solidFill>
+                      <a:srgbClr val="E7E9EB"/>
+                    </a:solidFill>
+                  </a:tcPr>
+                </a:tc>
+                <a:tc>
+                  <a:txBody>
+                    <a:bodyPr/>
+                    <a:lstStyle/>
+                    <a:p>
+                      <a:pPr algn="l" fontAlgn="t"/>
+                      <a:r>
+                        <a:rPr lang="en-US">
+                          <a:effectLst/>
+                        </a:rPr>
+                        <a:t>x &lt; 5 &amp;&amp;  x &lt; 10</a:t>
+                      </a:r>
+                    </a:p>
+                  </a:txBody>
+                  <a:tcPr marL="76200" marR="76200" marT="76200" marB="76200">
+                    <a:lnL>
+                      <a:noFill/>
+                    </a:lnL>
+                    <a:lnR>
+                      <a:noFill/>
+                    </a:lnR>
+                    <a:lnT w="9525" cap="flat" cmpd="sng" algn="ctr">
+                      <a:solidFill>
+                        <a:srgbClr val="DDDDDD"/>
+                      </a:solidFill>
+                      <a:prstDash val="solid"/>
+                      <a:round/>
+                      <a:headEnd type="none" w="med" len="med"/>
+                      <a:tailEnd type="none" w="med" len="med"/>
+                    </a:lnT>
+                    <a:lnB w="9525" cap="flat" cmpd="sng" algn="ctr">
+                      <a:solidFill>
+                        <a:srgbClr val="DDDDDD"/>
+                      </a:solidFill>
+                      <a:prstDash val="solid"/>
+                      <a:round/>
+                      <a:headEnd type="none" w="med" len="med"/>
+                      <a:tailEnd type="none" w="med" len="med"/>
+                    </a:lnB>
+                    <a:solidFill>
+                      <a:srgbClr val="E7E9EB"/>
+                    </a:solidFill>
+                  </a:tcPr>
+                </a:tc>
+                <a:extLst>
+                  <a:ext uri="{0D108BD9-81ED-4DB2-BD59-A6C34878D82A}">
+                    <a16:rowId xmlns:a16="http://schemas.microsoft.com/office/drawing/2014/main" val="1804786658"/>
+                  </a:ext>
+                </a:extLst>
+              </a:tr>
+              <a:tr h="312952">
+                <a:tc>
+                  <a:txBody>
+                    <a:bodyPr/>
+                    <a:lstStyle/>
+                    <a:p>
+                      <a:pPr algn="l" fontAlgn="t"/>
+                      <a:r>
+                        <a:rPr lang="en-US">
+                          <a:effectLst/>
+                        </a:rPr>
+                        <a:t>|| </a:t>
+                      </a:r>
+                    </a:p>
+                  </a:txBody>
+                  <a:tcPr marL="152400" marR="76200" marT="76200" marB="76200">
+                    <a:lnL>
+                      <a:noFill/>
+                    </a:lnL>
+                    <a:lnR>
+                      <a:noFill/>
+                    </a:lnR>
+                    <a:lnT w="9525" cap="flat" cmpd="sng" algn="ctr">
+                      <a:solidFill>
+                        <a:srgbClr val="DDDDDD"/>
+                      </a:solidFill>
+                      <a:prstDash val="solid"/>
+                      <a:round/>
+                      <a:headEnd type="none" w="med" len="med"/>
+                      <a:tailEnd type="none" w="med" len="med"/>
+                    </a:lnT>
+                    <a:lnB w="9525" cap="flat" cmpd="sng" algn="ctr">
+                      <a:solidFill>
+                        <a:srgbClr val="DDDDDD"/>
+                      </a:solidFill>
+                      <a:prstDash val="solid"/>
+                      <a:round/>
+                      <a:headEnd type="none" w="med" len="med"/>
+                      <a:tailEnd type="none" w="med" len="med"/>
+                    </a:lnB>
+                    <a:solidFill>
+                      <a:srgbClr val="FFFFFF"/>
+                    </a:solidFill>
+                  </a:tcPr>
+                </a:tc>
+                <a:tc>
+                  <a:txBody>
+                    <a:bodyPr/>
+                    <a:lstStyle/>
+                    <a:p>
+                      <a:pPr algn="l" fontAlgn="t"/>
+                      <a:r>
+                        <a:rPr lang="en-US">
+                          <a:effectLst/>
+                        </a:rPr>
+                        <a:t>Logical or</a:t>
+                      </a:r>
+                    </a:p>
+                  </a:txBody>
+                  <a:tcPr marL="76200" marR="76200" marT="76200" marB="76200">
+                    <a:lnL>
+                      <a:noFill/>
+                    </a:lnL>
+                    <a:lnR>
+                      <a:noFill/>
+                    </a:lnR>
+                    <a:lnT w="9525" cap="flat" cmpd="sng" algn="ctr">
+                      <a:solidFill>
+                        <a:srgbClr val="DDDDDD"/>
+                      </a:solidFill>
+                      <a:prstDash val="solid"/>
+                      <a:round/>
+                      <a:headEnd type="none" w="med" len="med"/>
+                      <a:tailEnd type="none" w="med" len="med"/>
+                    </a:lnT>
+                    <a:lnB w="9525" cap="flat" cmpd="sng" algn="ctr">
+                      <a:solidFill>
+                        <a:srgbClr val="DDDDDD"/>
+                      </a:solidFill>
+                      <a:prstDash val="solid"/>
+                      <a:round/>
+                      <a:headEnd type="none" w="med" len="med"/>
+                      <a:tailEnd type="none" w="med" len="med"/>
+                    </a:lnB>
+                    <a:solidFill>
+                      <a:srgbClr val="FFFFFF"/>
+                    </a:solidFill>
+                  </a:tcPr>
+                </a:tc>
+                <a:tc>
+                  <a:txBody>
+                    <a:bodyPr/>
+                    <a:lstStyle/>
+                    <a:p>
+                      <a:pPr algn="l" fontAlgn="t"/>
+                      <a:r>
+                        <a:rPr lang="en-US">
+                          <a:effectLst/>
+                        </a:rPr>
+                        <a:t>Returns true if one of the statements is true</a:t>
+                      </a:r>
+                    </a:p>
+                  </a:txBody>
+                  <a:tcPr marL="76200" marR="76200" marT="76200" marB="76200">
+                    <a:lnL>
+                      <a:noFill/>
+                    </a:lnL>
+                    <a:lnR>
+                      <a:noFill/>
+                    </a:lnR>
+                    <a:lnT w="9525" cap="flat" cmpd="sng" algn="ctr">
+                      <a:solidFill>
+                        <a:srgbClr val="DDDDDD"/>
+                      </a:solidFill>
+                      <a:prstDash val="solid"/>
+                      <a:round/>
+                      <a:headEnd type="none" w="med" len="med"/>
+                      <a:tailEnd type="none" w="med" len="med"/>
+                    </a:lnT>
+                    <a:lnB w="9525" cap="flat" cmpd="sng" algn="ctr">
+                      <a:solidFill>
+                        <a:srgbClr val="DDDDDD"/>
+                      </a:solidFill>
+                      <a:prstDash val="solid"/>
+                      <a:round/>
+                      <a:headEnd type="none" w="med" len="med"/>
+                      <a:tailEnd type="none" w="med" len="med"/>
+                    </a:lnB>
+                    <a:solidFill>
+                      <a:srgbClr val="FFFFFF"/>
+                    </a:solidFill>
+                  </a:tcPr>
+                </a:tc>
+                <a:tc>
+                  <a:txBody>
+                    <a:bodyPr/>
+                    <a:lstStyle/>
+                    <a:p>
+                      <a:pPr algn="l" fontAlgn="t"/>
+                      <a:r>
+                        <a:rPr lang="en-US">
+                          <a:effectLst/>
+                        </a:rPr>
+                        <a:t>x &lt; 5 || x &lt; 4</a:t>
+                      </a:r>
+                    </a:p>
+                  </a:txBody>
+                  <a:tcPr marL="76200" marR="76200" marT="76200" marB="76200">
+                    <a:lnL>
+                      <a:noFill/>
+                    </a:lnL>
+                    <a:lnR>
+                      <a:noFill/>
+                    </a:lnR>
+                    <a:lnT w="9525" cap="flat" cmpd="sng" algn="ctr">
+                      <a:solidFill>
+                        <a:srgbClr val="DDDDDD"/>
+                      </a:solidFill>
+                      <a:prstDash val="solid"/>
+                      <a:round/>
+                      <a:headEnd type="none" w="med" len="med"/>
+                      <a:tailEnd type="none" w="med" len="med"/>
+                    </a:lnT>
+                    <a:lnB w="9525" cap="flat" cmpd="sng" algn="ctr">
+                      <a:solidFill>
+                        <a:srgbClr val="DDDDDD"/>
+                      </a:solidFill>
+                      <a:prstDash val="solid"/>
+                      <a:round/>
+                      <a:headEnd type="none" w="med" len="med"/>
+                      <a:tailEnd type="none" w="med" len="med"/>
+                    </a:lnB>
+                    <a:solidFill>
+                      <a:srgbClr val="FFFFFF"/>
+                    </a:solidFill>
+                  </a:tcPr>
+                </a:tc>
+                <a:extLst>
+                  <a:ext uri="{0D108BD9-81ED-4DB2-BD59-A6C34878D82A}">
+                    <a16:rowId xmlns:a16="http://schemas.microsoft.com/office/drawing/2014/main" val="252577602"/>
+                  </a:ext>
+                </a:extLst>
+              </a:tr>
+              <a:tr h="312952">
+                <a:tc>
+                  <a:txBody>
+                    <a:bodyPr/>
+                    <a:lstStyle/>
+                    <a:p>
+                      <a:pPr algn="l" fontAlgn="t"/>
+                      <a:r>
+                        <a:rPr lang="en-US">
+                          <a:effectLst/>
+                        </a:rPr>
+                        <a:t>!</a:t>
+                      </a:r>
+                    </a:p>
+                  </a:txBody>
+                  <a:tcPr marL="152400" marR="76200" marT="76200" marB="76200">
+                    <a:lnL>
+                      <a:noFill/>
+                    </a:lnL>
+                    <a:lnR>
+                      <a:noFill/>
+                    </a:lnR>
+                    <a:lnT w="9525" cap="flat" cmpd="sng" algn="ctr">
+                      <a:solidFill>
+                        <a:srgbClr val="DDDDDD"/>
+                      </a:solidFill>
+                      <a:prstDash val="solid"/>
+                      <a:round/>
+                      <a:headEnd type="none" w="med" len="med"/>
+                      <a:tailEnd type="none" w="med" len="med"/>
+                    </a:lnT>
+                    <a:lnB w="9525" cap="flat" cmpd="sng" algn="ctr">
+                      <a:solidFill>
+                        <a:srgbClr val="DDDDDD"/>
+                      </a:solidFill>
+                      <a:prstDash val="solid"/>
+                      <a:round/>
+                      <a:headEnd type="none" w="med" len="med"/>
+                      <a:tailEnd type="none" w="med" len="med"/>
+                    </a:lnB>
+                    <a:solidFill>
+                      <a:srgbClr val="E7E9EB"/>
+                    </a:solidFill>
+                  </a:tcPr>
+                </a:tc>
+                <a:tc>
+                  <a:txBody>
+                    <a:bodyPr/>
+                    <a:lstStyle/>
+                    <a:p>
+                      <a:pPr algn="l" fontAlgn="t"/>
+                      <a:r>
+                        <a:rPr lang="en-US">
+                          <a:effectLst/>
+                        </a:rPr>
+                        <a:t>Logical not</a:t>
+                      </a:r>
+                    </a:p>
+                  </a:txBody>
+                  <a:tcPr marL="76200" marR="76200" marT="76200" marB="76200">
+                    <a:lnL>
+                      <a:noFill/>
+                    </a:lnL>
+                    <a:lnR>
+                      <a:noFill/>
+                    </a:lnR>
+                    <a:lnT w="9525" cap="flat" cmpd="sng" algn="ctr">
+                      <a:solidFill>
+                        <a:srgbClr val="DDDDDD"/>
+                      </a:solidFill>
+                      <a:prstDash val="solid"/>
+                      <a:round/>
+                      <a:headEnd type="none" w="med" len="med"/>
+                      <a:tailEnd type="none" w="med" len="med"/>
+                    </a:lnT>
+                    <a:lnB w="9525" cap="flat" cmpd="sng" algn="ctr">
+                      <a:solidFill>
+                        <a:srgbClr val="DDDDDD"/>
+                      </a:solidFill>
+                      <a:prstDash val="solid"/>
+                      <a:round/>
+                      <a:headEnd type="none" w="med" len="med"/>
+                      <a:tailEnd type="none" w="med" len="med"/>
+                    </a:lnB>
+                    <a:solidFill>
+                      <a:srgbClr val="E7E9EB"/>
+                    </a:solidFill>
+                  </a:tcPr>
+                </a:tc>
+                <a:tc>
+                  <a:txBody>
+                    <a:bodyPr/>
+                    <a:lstStyle/>
+                    <a:p>
+                      <a:pPr algn="l" fontAlgn="t"/>
+                      <a:r>
+                        <a:rPr lang="en-US">
+                          <a:effectLst/>
+                        </a:rPr>
+                        <a:t>Reverse the result, returns false if the result is true</a:t>
+                      </a:r>
+                    </a:p>
+                  </a:txBody>
+                  <a:tcPr marL="76200" marR="76200" marT="76200" marB="76200">
+                    <a:lnL>
+                      <a:noFill/>
+                    </a:lnL>
+                    <a:lnR>
+                      <a:noFill/>
+                    </a:lnR>
+                    <a:lnT w="9525" cap="flat" cmpd="sng" algn="ctr">
+                      <a:solidFill>
+                        <a:srgbClr val="DDDDDD"/>
+                      </a:solidFill>
+                      <a:prstDash val="solid"/>
+                      <a:round/>
+                      <a:headEnd type="none" w="med" len="med"/>
+                      <a:tailEnd type="none" w="med" len="med"/>
+                    </a:lnT>
+                    <a:lnB w="9525" cap="flat" cmpd="sng" algn="ctr">
+                      <a:solidFill>
+                        <a:srgbClr val="DDDDDD"/>
+                      </a:solidFill>
+                      <a:prstDash val="solid"/>
+                      <a:round/>
+                      <a:headEnd type="none" w="med" len="med"/>
+                      <a:tailEnd type="none" w="med" len="med"/>
+                    </a:lnB>
+                    <a:solidFill>
+                      <a:srgbClr val="E7E9EB"/>
+                    </a:solidFill>
+                  </a:tcPr>
+                </a:tc>
+                <a:tc>
+                  <a:txBody>
+                    <a:bodyPr/>
+                    <a:lstStyle/>
+                    <a:p>
+                      <a:pPr algn="l" fontAlgn="t"/>
+                      <a:r>
+                        <a:rPr lang="en-US" dirty="0">
+                          <a:effectLst/>
+                        </a:rPr>
+                        <a:t>!(x &lt; 5 &amp;&amp; x &lt; 10)</a:t>
+                      </a:r>
+                    </a:p>
+                  </a:txBody>
+                  <a:tcPr marL="76200" marR="76200" marT="76200" marB="76200">
+                    <a:lnL>
+                      <a:noFill/>
+                    </a:lnL>
+                    <a:lnR>
+                      <a:noFill/>
+                    </a:lnR>
+                    <a:lnT w="9525" cap="flat" cmpd="sng" algn="ctr">
+                      <a:solidFill>
+                        <a:srgbClr val="DDDDDD"/>
+                      </a:solidFill>
+                      <a:prstDash val="solid"/>
+                      <a:round/>
+                      <a:headEnd type="none" w="med" len="med"/>
+                      <a:tailEnd type="none" w="med" len="med"/>
+                    </a:lnT>
+                    <a:lnB w="9525" cap="flat" cmpd="sng" algn="ctr">
+                      <a:solidFill>
+                        <a:srgbClr val="DDDDDD"/>
+                      </a:solidFill>
+                      <a:prstDash val="solid"/>
+                      <a:round/>
+                      <a:headEnd type="none" w="med" len="med"/>
+                      <a:tailEnd type="none" w="med" len="med"/>
+                    </a:lnB>
+                    <a:solidFill>
+                      <a:srgbClr val="E7E9EB"/>
+                    </a:solidFill>
+                  </a:tcPr>
+                </a:tc>
+                <a:extLst>
+                  <a:ext uri="{0D108BD9-81ED-4DB2-BD59-A6C34878D82A}">
+                    <a16:rowId xmlns:a16="http://schemas.microsoft.com/office/drawing/2014/main" val="444102322"/>
+                  </a:ext>
+                </a:extLst>
+              </a:tr>
+            </a:tbl>
+          </a:graphicData>
+        </a:graphic>
+      </p:graphicFrame>
+    </p:spTree>
+    <p:extLst>
+      <p:ext uri="{BB962C8B-B14F-4D97-AF65-F5344CB8AC3E}">
+        <p14:creationId xmlns:p14="http://schemas.microsoft.com/office/powerpoint/2010/main" val="1104262487"/>
       </p:ext>
     </p:extLst>
   </p:cSld>
@@ -7846,7 +16510,6 @@
               <a:rPr lang="en-US" dirty="0"/>
               <a:t>Java Data Types</a:t>
             </a:r>
-            <a:endParaRPr lang="en-US" dirty="0"/>
           </a:p>
         </p:txBody>
       </p:sp>
@@ -7876,11 +16539,6 @@
               </a:rPr>
               <a:t>As explained in the previous chapter, a variable in Java must be a specified data type:</a:t>
             </a:r>
-            <a:endParaRPr lang="en-US" dirty="0">
-              <a:solidFill>
-                <a:schemeClr val="accent4"/>
-              </a:solidFill>
-            </a:endParaRPr>
           </a:p>
           <a:p>
             <a:pPr marL="502920" lvl="1" indent="0" algn="just">
